--- a/doc/Praesentation.pptx
+++ b/doc/Praesentation.pptx
@@ -3309,7 +3309,7 @@
         <p:spPr>
           <a:xfrm>
             <a:off x="0" y="1484784"/>
-            <a:ext cx="9144000" cy="4985980"/>
+            <a:ext cx="9144000" cy="5093702"/>
           </a:xfrm>
           <a:prstGeom prst="rect">
             <a:avLst/>
@@ -3324,6 +3324,45 @@
           <a:p>
             <a:pPr marL="355600" algn="ctr"/>
             <a:r>
+              <a:rPr lang="de-DE" sz="11500" i="1" dirty="0" smtClean="0">
+                <a:solidFill>
+                  <a:srgbClr val="92D050"/>
+                </a:solidFill>
+                <a:latin typeface="Arial" pitchFamily="34" charset="0"/>
+                <a:cs typeface="Arial" pitchFamily="34" charset="0"/>
+              </a:rPr>
+              <a:t>pick-</a:t>
+            </a:r>
+            <a:r>
+              <a:rPr lang="de-DE" sz="11500" i="1" dirty="0" err="1" smtClean="0">
+                <a:solidFill>
+                  <a:srgbClr val="92D050"/>
+                </a:solidFill>
+                <a:latin typeface="Arial" pitchFamily="34" charset="0"/>
+                <a:cs typeface="Arial" pitchFamily="34" charset="0"/>
+              </a:rPr>
+              <a:t>it!</a:t>
+            </a:r>
+            <a:r>
+              <a:rPr lang="de-DE" sz="11500" i="1" dirty="0">
+                <a:solidFill>
+                  <a:srgbClr val="92D050"/>
+                </a:solidFill>
+                <a:latin typeface="Arial" pitchFamily="34" charset="0"/>
+                <a:cs typeface="Arial" pitchFamily="34" charset="0"/>
+              </a:rPr>
+              <a:t/>
+            </a:r>
+            <a:br>
+              <a:rPr lang="de-DE" sz="11500" i="1" dirty="0">
+                <a:solidFill>
+                  <a:srgbClr val="92D050"/>
+                </a:solidFill>
+                <a:latin typeface="Arial" pitchFamily="34" charset="0"/>
+                <a:cs typeface="Arial" pitchFamily="34" charset="0"/>
+              </a:rPr>
+            </a:br>
+            <a:r>
               <a:rPr lang="de-DE" sz="7200" i="1" dirty="0" smtClean="0">
                 <a:solidFill>
                   <a:schemeClr val="tx1"/>
@@ -3331,7 +3370,7 @@
                 <a:latin typeface="Arial" pitchFamily="34" charset="0"/>
                 <a:cs typeface="Arial" pitchFamily="34" charset="0"/>
               </a:rPr>
-              <a:t>AFA</a:t>
+              <a:t/>
             </a:r>
             <a:br>
               <a:rPr lang="de-DE" sz="7200" i="1" dirty="0" smtClean="0">
@@ -3350,29 +3389,29 @@
                 <a:latin typeface="Arial" pitchFamily="34" charset="0"/>
                 <a:cs typeface="Arial" pitchFamily="34" charset="0"/>
               </a:rPr>
-              <a:t>- Abschreibung für Abnutzung - </a:t>
+              <a:t>- </a:t>
+            </a:r>
+            <a:r>
+              <a:rPr lang="de-DE" sz="2400" i="1" dirty="0" smtClean="0">
+                <a:solidFill>
+                  <a:schemeClr val="tx1"/>
+                </a:solidFill>
+                <a:latin typeface="Arial" pitchFamily="34" charset="0"/>
+                <a:cs typeface="Arial" pitchFamily="34" charset="0"/>
+              </a:rPr>
+              <a:t>Präsentation Web &amp; Mobile Development </a:t>
+            </a:r>
+            <a:r>
+              <a:rPr lang="de-DE" sz="2400" i="1" dirty="0" smtClean="0">
+                <a:solidFill>
+                  <a:schemeClr val="tx1"/>
+                </a:solidFill>
+                <a:latin typeface="Arial" pitchFamily="34" charset="0"/>
+                <a:cs typeface="Arial" pitchFamily="34" charset="0"/>
+              </a:rPr>
+              <a:t>- </a:t>
             </a:r>
             <a:endParaRPr lang="de-DE" sz="7200" i="1" dirty="0" smtClean="0">
-              <a:solidFill>
-                <a:schemeClr val="tx1"/>
-              </a:solidFill>
-              <a:latin typeface="Arial" pitchFamily="34" charset="0"/>
-              <a:cs typeface="Arial" pitchFamily="34" charset="0"/>
-            </a:endParaRPr>
-          </a:p>
-          <a:p>
-            <a:pPr marL="355600" algn="ctr"/>
-            <a:endParaRPr lang="de-DE" sz="3600" i="1" dirty="0">
-              <a:solidFill>
-                <a:schemeClr val="tx1"/>
-              </a:solidFill>
-              <a:latin typeface="Arial" pitchFamily="34" charset="0"/>
-              <a:cs typeface="Arial" pitchFamily="34" charset="0"/>
-            </a:endParaRPr>
-          </a:p>
-          <a:p>
-            <a:pPr marL="355600" algn="ctr"/>
-            <a:endParaRPr lang="de-DE" sz="3600" i="1" dirty="0" smtClean="0">
               <a:solidFill>
                 <a:schemeClr val="tx1"/>
               </a:solidFill>
@@ -3411,69 +3450,16 @@
                 <a:cs typeface="Arial" pitchFamily="34" charset="0"/>
               </a:rPr>
             </a:br>
-            <a:r>
-              <a:rPr lang="de-DE" sz="2400" i="1" dirty="0" smtClean="0">
-                <a:solidFill>
-                  <a:schemeClr val="tx1"/>
-                </a:solidFill>
-                <a:latin typeface="Arial" pitchFamily="34" charset="0"/>
-                <a:cs typeface="Arial" pitchFamily="34" charset="0"/>
-              </a:rPr>
-              <a:t>Financial </a:t>
-            </a:r>
-            <a:r>
-              <a:rPr lang="de-DE" sz="2400" i="1" dirty="0" err="1" smtClean="0">
-                <a:solidFill>
-                  <a:schemeClr val="tx1"/>
-                </a:solidFill>
-                <a:latin typeface="Arial" pitchFamily="34" charset="0"/>
-                <a:cs typeface="Arial" pitchFamily="34" charset="0"/>
-              </a:rPr>
-              <a:t>Accounting</a:t>
-            </a:r>
-            <a:r>
-              <a:rPr lang="de-DE" sz="2400" i="1" dirty="0" smtClean="0">
-                <a:solidFill>
-                  <a:schemeClr val="tx1"/>
-                </a:solidFill>
-                <a:latin typeface="Arial" pitchFamily="34" charset="0"/>
-                <a:cs typeface="Arial" pitchFamily="34" charset="0"/>
-              </a:rPr>
-              <a:t> – Winter Semester 2013</a:t>
-            </a:r>
+            <a:endParaRPr lang="de-DE" sz="2400" i="1" dirty="0" smtClean="0">
+              <a:solidFill>
+                <a:schemeClr val="tx1"/>
+              </a:solidFill>
+              <a:latin typeface="Arial" pitchFamily="34" charset="0"/>
+              <a:cs typeface="Arial" pitchFamily="34" charset="0"/>
+            </a:endParaRPr>
           </a:p>
         </p:txBody>
       </p:sp>
-      <p:pic>
-        <p:nvPicPr>
-          <p:cNvPr id="4" name="Grafik 3"/>
-          <p:cNvPicPr>
-            <a:picLocks noChangeAspect="1"/>
-          </p:cNvPicPr>
-          <p:nvPr/>
-        </p:nvPicPr>
-        <p:blipFill>
-          <a:blip r:embed="rId3">
-            <a:extLst>
-              <a:ext uri="{28A0092B-C50C-407E-A947-70E740481C1C}">
-                <a14:useLocalDpi xmlns:a14="http://schemas.microsoft.com/office/drawing/2010/main" val="0"/>
-              </a:ext>
-            </a:extLst>
-          </a:blip>
-          <a:stretch>
-            <a:fillRect/>
-          </a:stretch>
-        </p:blipFill>
-        <p:spPr>
-          <a:xfrm>
-            <a:off x="2827821" y="3140968"/>
-            <a:ext cx="3937000" cy="2628900"/>
-          </a:xfrm>
-          <a:prstGeom prst="rect">
-            <a:avLst/>
-          </a:prstGeom>
-        </p:spPr>
-      </p:pic>
     </p:spTree>
   </p:cSld>
   <p:clrMapOvr>
@@ -3551,38 +3537,105 @@
           <a:p>
             <a:r>
               <a:rPr lang="de-DE" dirty="0" smtClean="0"/>
-              <a:t>Definition</a:t>
-            </a:r>
-          </a:p>
-          <a:p>
+              <a:t>Ziel (</a:t>
+            </a:r>
+            <a:r>
+              <a:rPr lang="de-DE" dirty="0" err="1" smtClean="0"/>
+              <a:t>Nzi</a:t>
+            </a:r>
             <a:r>
               <a:rPr lang="de-DE" dirty="0" smtClean="0"/>
-              <a:t>Lineare AFA</a:t>
-            </a:r>
-          </a:p>
-          <a:p>
+              <a:t>)</a:t>
+            </a:r>
+          </a:p>
+          <a:p>
+            <a:r>
+              <a:rPr lang="de-DE" dirty="0" err="1" smtClean="0"/>
+              <a:t>MySql</a:t>
+            </a:r>
             <a:r>
               <a:rPr lang="de-DE" dirty="0" smtClean="0"/>
-              <a:t>Degressive AFA</a:t>
-            </a:r>
-          </a:p>
-          <a:p>
+              <a:t> (</a:t>
+            </a:r>
+            <a:r>
+              <a:rPr lang="de-DE" dirty="0" err="1" smtClean="0"/>
+              <a:t>Mgo</a:t>
+            </a:r>
             <a:r>
               <a:rPr lang="de-DE" dirty="0" smtClean="0"/>
-              <a:t>Buchung</a:t>
+              <a:t>)</a:t>
             </a:r>
           </a:p>
           <a:p>
             <a:r>
               <a:rPr lang="de-DE" dirty="0" smtClean="0"/>
-              <a:t>Sonderregeln</a:t>
-            </a:r>
-          </a:p>
-          <a:p>
+              <a:t>API(</a:t>
+            </a:r>
+            <a:r>
+              <a:rPr lang="de-DE" dirty="0" err="1" smtClean="0"/>
+              <a:t>Mgo</a:t>
+            </a:r>
             <a:r>
               <a:rPr lang="de-DE" dirty="0" smtClean="0"/>
-              <a:t>Übung</a:t>
-            </a:r>
+              <a:t>)</a:t>
+            </a:r>
+          </a:p>
+          <a:p>
+            <a:r>
+              <a:rPr lang="de-DE" dirty="0" err="1" smtClean="0"/>
+              <a:t>Sencha</a:t>
+            </a:r>
+            <a:r>
+              <a:rPr lang="de-DE" dirty="0" smtClean="0"/>
+              <a:t> (</a:t>
+            </a:r>
+            <a:r>
+              <a:rPr lang="de-DE" dirty="0" err="1" smtClean="0"/>
+              <a:t>Nzi</a:t>
+            </a:r>
+            <a:r>
+              <a:rPr lang="de-DE" dirty="0" smtClean="0"/>
+              <a:t>)</a:t>
+            </a:r>
+          </a:p>
+          <a:p>
+            <a:r>
+              <a:rPr lang="de-DE" dirty="0" smtClean="0"/>
+              <a:t>Website(</a:t>
+            </a:r>
+            <a:r>
+              <a:rPr lang="de-DE" dirty="0" err="1" smtClean="0"/>
+              <a:t>DKü</a:t>
+            </a:r>
+            <a:r>
+              <a:rPr lang="de-DE" dirty="0"/>
+              <a:t>)</a:t>
+            </a:r>
+            <a:endParaRPr lang="de-DE" dirty="0" smtClean="0"/>
+          </a:p>
+          <a:p>
+            <a:r>
+              <a:rPr lang="de-DE" dirty="0" smtClean="0"/>
+              <a:t>Fazit und Ausblick (</a:t>
+            </a:r>
+            <a:r>
+              <a:rPr lang="de-DE" dirty="0" err="1" smtClean="0"/>
+              <a:t>Dkü</a:t>
+            </a:r>
+            <a:r>
+              <a:rPr lang="de-DE" dirty="0" smtClean="0"/>
+              <a:t>)</a:t>
+            </a:r>
+          </a:p>
+          <a:p>
+            <a:r>
+              <a:rPr lang="de-DE" dirty="0" smtClean="0"/>
+              <a:t>Schön Grafik bunt, sexy und so</a:t>
+            </a:r>
+            <a:endParaRPr lang="de-DE" dirty="0" smtClean="0"/>
+          </a:p>
+          <a:p>
+            <a:endParaRPr lang="de-DE" dirty="0" smtClean="0"/>
           </a:p>
         </p:txBody>
       </p:sp>

--- a/doc/Praesentation.pptx
+++ b/doc/Praesentation.pptx
@@ -2,13 +2,13 @@
 <file path=ppt/presentation.xml><?xml version="1.0" encoding="utf-8"?>
 <p:presentation xmlns:a="http://schemas.openxmlformats.org/drawingml/2006/main" xmlns:r="http://schemas.openxmlformats.org/officeDocument/2006/relationships" xmlns:p="http://schemas.openxmlformats.org/presentationml/2006/main" saveSubsetFonts="1">
   <p:sldMasterIdLst>
-    <p:sldMasterId id="2147483648" r:id="rId1"/>
+    <p:sldMasterId id="2147483696" r:id="rId1"/>
   </p:sldMasterIdLst>
   <p:notesMasterIdLst>
-    <p:notesMasterId r:id="rId21"/>
+    <p:notesMasterId r:id="rId32"/>
   </p:notesMasterIdLst>
   <p:handoutMasterIdLst>
-    <p:handoutMasterId r:id="rId22"/>
+    <p:handoutMasterId r:id="rId33"/>
   </p:handoutMasterIdLst>
   <p:sldIdLst>
     <p:sldId id="436" r:id="rId2"/>
@@ -28,8 +28,19 @@
     <p:sldId id="461" r:id="rId16"/>
     <p:sldId id="474" r:id="rId17"/>
     <p:sldId id="462" r:id="rId18"/>
-    <p:sldId id="471" r:id="rId19"/>
-    <p:sldId id="453" r:id="rId20"/>
+    <p:sldId id="479" r:id="rId19"/>
+    <p:sldId id="471" r:id="rId20"/>
+    <p:sldId id="476" r:id="rId21"/>
+    <p:sldId id="480" r:id="rId22"/>
+    <p:sldId id="484" r:id="rId23"/>
+    <p:sldId id="482" r:id="rId24"/>
+    <p:sldId id="483" r:id="rId25"/>
+    <p:sldId id="477" r:id="rId26"/>
+    <p:sldId id="485" r:id="rId27"/>
+    <p:sldId id="486" r:id="rId28"/>
+    <p:sldId id="487" r:id="rId29"/>
+    <p:sldId id="478" r:id="rId30"/>
+    <p:sldId id="453" r:id="rId31"/>
   </p:sldIdLst>
   <p:sldSz cx="9144000" cy="6858000" type="screen4x3"/>
   <p:notesSz cx="6797675" cy="9926638"/>
@@ -1697,16 +1708,28 @@
     </dgm:pt>
     <dgm:pt modelId="{55B6DB8B-2A88-4421-967D-2AA0C20C8782}">
       <dgm:prSet phldrT="[Text]"/>
-      <dgm:spPr/>
+      <dgm:spPr>
+        <a:solidFill>
+          <a:srgbClr val="5F5F5F"/>
+        </a:solidFill>
+      </dgm:spPr>
       <dgm:t>
         <a:bodyPr/>
         <a:lstStyle/>
         <a:p>
           <a:r>
-            <a:rPr lang="de-DE" dirty="0" smtClean="0"/>
+            <a:rPr lang="de-DE" dirty="0" smtClean="0">
+              <a:solidFill>
+                <a:srgbClr val="DBDBDB"/>
+              </a:solidFill>
+            </a:rPr>
             <a:t>3. API</a:t>
           </a:r>
-          <a:endParaRPr lang="de-DE" dirty="0"/>
+          <a:endParaRPr lang="de-DE" dirty="0">
+            <a:solidFill>
+              <a:srgbClr val="DBDBDB"/>
+            </a:solidFill>
+          </a:endParaRPr>
         </a:p>
       </dgm:t>
     </dgm:pt>
@@ -1734,26 +1757,48 @@
     </dgm:pt>
     <dgm:pt modelId="{DFE5E74E-6B38-4D4A-94BD-15B9490C054E}">
       <dgm:prSet phldrT="[Text]"/>
-      <dgm:spPr/>
+      <dgm:spPr>
+        <a:solidFill>
+          <a:srgbClr val="5F5F5F"/>
+        </a:solidFill>
+      </dgm:spPr>
       <dgm:t>
         <a:bodyPr/>
         <a:lstStyle/>
         <a:p>
           <a:r>
-            <a:rPr lang="de-DE" dirty="0" smtClean="0"/>
+            <a:rPr lang="de-DE" dirty="0" smtClean="0">
+              <a:solidFill>
+                <a:srgbClr val="DBDBDB"/>
+              </a:solidFill>
+            </a:rPr>
             <a:t>5. </a:t>
           </a:r>
           <a:r>
-            <a:rPr lang="de-DE" dirty="0" err="1" smtClean="0"/>
-            <a:t>Sencha</a:t>
+            <a:rPr lang="de-DE" dirty="0" smtClean="0">
+              <a:solidFill>
+                <a:srgbClr val="DBDBDB"/>
+              </a:solidFill>
+            </a:rPr>
+            <a:t>Webseite</a:t>
           </a:r>
-          <a:endParaRPr lang="de-DE" dirty="0"/>
+          <a:endParaRPr lang="de-DE" dirty="0">
+            <a:solidFill>
+              <a:srgbClr val="DBDBDB"/>
+            </a:solidFill>
+          </a:endParaRPr>
         </a:p>
       </dgm:t>
     </dgm:pt>
     <dgm:pt modelId="{C7215457-F7E3-4996-9CE8-EE18F8E6435F}" type="parTrans" cxnId="{E844D9B5-D02E-42E3-85F6-3CB5E9E1D2B2}">
       <dgm:prSet/>
-      <dgm:spPr/>
+      <dgm:spPr>
+        <a:ln>
+          <a:solidFill>
+            <a:srgbClr val="5F5F5F"/>
+          </a:solidFill>
+        </a:ln>
+      </dgm:spPr>
       <dgm:t>
         <a:bodyPr/>
         <a:lstStyle/>
@@ -1775,22 +1820,48 @@
     </dgm:pt>
     <dgm:pt modelId="{D9FB33D1-7888-4E31-9A81-7458C7AA787E}">
       <dgm:prSet phldrT="[Text]"/>
-      <dgm:spPr/>
+      <dgm:spPr>
+        <a:solidFill>
+          <a:srgbClr val="5F5F5F"/>
+        </a:solidFill>
+      </dgm:spPr>
       <dgm:t>
         <a:bodyPr/>
         <a:lstStyle/>
         <a:p>
           <a:r>
-            <a:rPr lang="de-DE" dirty="0" smtClean="0"/>
-            <a:t>4. Website</a:t>
+            <a:rPr lang="de-DE" dirty="0" smtClean="0">
+              <a:solidFill>
+                <a:srgbClr val="DBDBDB"/>
+              </a:solidFill>
+            </a:rPr>
+            <a:t>4. </a:t>
           </a:r>
-          <a:endParaRPr lang="de-DE" dirty="0"/>
+          <a:r>
+            <a:rPr lang="de-DE" dirty="0" err="1" smtClean="0">
+              <a:solidFill>
+                <a:srgbClr val="DBDBDB"/>
+              </a:solidFill>
+            </a:rPr>
+            <a:t>Sencha</a:t>
+          </a:r>
+          <a:endParaRPr lang="de-DE" dirty="0">
+            <a:solidFill>
+              <a:srgbClr val="DBDBDB"/>
+            </a:solidFill>
+          </a:endParaRPr>
         </a:p>
       </dgm:t>
     </dgm:pt>
     <dgm:pt modelId="{AC260326-9ADC-4C2A-AE81-A442AB39F77C}" type="parTrans" cxnId="{6D953EA1-86BF-4654-847C-0C1ED7A64E47}">
       <dgm:prSet/>
-      <dgm:spPr/>
+      <dgm:spPr>
+        <a:ln>
+          <a:solidFill>
+            <a:srgbClr val="5F5F5F"/>
+          </a:solidFill>
+        </a:ln>
+      </dgm:spPr>
       <dgm:t>
         <a:bodyPr/>
         <a:lstStyle/>
@@ -1812,22 +1883,40 @@
     </dgm:pt>
     <dgm:pt modelId="{7A8A4D48-7E05-4451-9080-46A267C6BB9D}">
       <dgm:prSet phldrT="[Text]"/>
-      <dgm:spPr/>
+      <dgm:spPr>
+        <a:solidFill>
+          <a:srgbClr val="5F5F5F"/>
+        </a:solidFill>
+      </dgm:spPr>
       <dgm:t>
         <a:bodyPr/>
         <a:lstStyle/>
         <a:p>
           <a:r>
-            <a:rPr lang="de-DE" dirty="0" smtClean="0"/>
+            <a:rPr lang="de-DE" dirty="0" smtClean="0">
+              <a:solidFill>
+                <a:srgbClr val="DBDBDB"/>
+              </a:solidFill>
+            </a:rPr>
             <a:t>2. MySQL</a:t>
           </a:r>
-          <a:endParaRPr lang="de-DE" dirty="0"/>
+          <a:endParaRPr lang="de-DE" dirty="0">
+            <a:solidFill>
+              <a:srgbClr val="DBDBDB"/>
+            </a:solidFill>
+          </a:endParaRPr>
         </a:p>
       </dgm:t>
     </dgm:pt>
     <dgm:pt modelId="{0F8EA439-52FA-4373-AB00-A7A8099145ED}" type="parTrans" cxnId="{274711AA-F923-412A-9AED-9B38C0B549CB}">
       <dgm:prSet/>
-      <dgm:spPr/>
+      <dgm:spPr>
+        <a:ln>
+          <a:solidFill>
+            <a:srgbClr val="5F5F5F"/>
+          </a:solidFill>
+        </a:ln>
+      </dgm:spPr>
       <dgm:t>
         <a:bodyPr/>
         <a:lstStyle/>
@@ -1858,6 +1947,13 @@
         </dgm:presLayoutVars>
       </dgm:prSet>
       <dgm:spPr/>
+      <dgm:t>
+        <a:bodyPr/>
+        <a:lstStyle/>
+        <a:p>
+          <a:endParaRPr lang="de-DE"/>
+        </a:p>
+      </dgm:t>
     </dgm:pt>
     <dgm:pt modelId="{87BFA906-86E6-45B5-AE7F-5E49AE3E0CB1}" type="pres">
       <dgm:prSet presAssocID="{55B6DB8B-2A88-4421-967D-2AA0C20C8782}" presName="singleCycle" presStyleCnt="0"/>
@@ -1871,22 +1967,50 @@
         </dgm:presLayoutVars>
       </dgm:prSet>
       <dgm:spPr/>
+      <dgm:t>
+        <a:bodyPr/>
+        <a:lstStyle/>
+        <a:p>
+          <a:endParaRPr lang="de-DE"/>
+        </a:p>
+      </dgm:t>
     </dgm:pt>
     <dgm:pt modelId="{0EF33C62-12CB-4727-8412-F912319CA611}" type="pres">
       <dgm:prSet presAssocID="{C7215457-F7E3-4996-9CE8-EE18F8E6435F}" presName="Name56" presStyleLbl="parChTrans1D2" presStyleIdx="0" presStyleCnt="3"/>
       <dgm:spPr/>
+      <dgm:t>
+        <a:bodyPr/>
+        <a:lstStyle/>
+        <a:p>
+          <a:endParaRPr lang="de-DE"/>
+        </a:p>
+      </dgm:t>
     </dgm:pt>
     <dgm:pt modelId="{DCCC444E-64B8-499E-A74D-6C7149FCBEC5}" type="pres">
-      <dgm:prSet presAssocID="{DFE5E74E-6B38-4D4A-94BD-15B9490C054E}" presName="text0" presStyleLbl="node1" presStyleIdx="1" presStyleCnt="4" custScaleX="226122" custScaleY="74764" custRadScaleRad="123952" custRadScaleInc="186018">
+      <dgm:prSet presAssocID="{DFE5E74E-6B38-4D4A-94BD-15B9490C054E}" presName="text0" presStyleLbl="node1" presStyleIdx="1" presStyleCnt="4" custScaleX="245042" custScaleY="74764" custRadScaleRad="123952" custRadScaleInc="186018">
         <dgm:presLayoutVars>
           <dgm:bulletEnabled val="1"/>
         </dgm:presLayoutVars>
       </dgm:prSet>
       <dgm:spPr/>
+      <dgm:t>
+        <a:bodyPr/>
+        <a:lstStyle/>
+        <a:p>
+          <a:endParaRPr lang="de-DE"/>
+        </a:p>
+      </dgm:t>
     </dgm:pt>
     <dgm:pt modelId="{5CA03A76-AAAF-4ECF-B47B-48432BFB9546}" type="pres">
       <dgm:prSet presAssocID="{0F8EA439-52FA-4373-AB00-A7A8099145ED}" presName="Name56" presStyleLbl="parChTrans1D2" presStyleIdx="1" presStyleCnt="3"/>
       <dgm:spPr/>
+      <dgm:t>
+        <a:bodyPr/>
+        <a:lstStyle/>
+        <a:p>
+          <a:endParaRPr lang="de-DE"/>
+        </a:p>
+      </dgm:t>
     </dgm:pt>
     <dgm:pt modelId="{5A56448C-F44B-44F7-B374-EB3303AE2DEB}" type="pres">
       <dgm:prSet presAssocID="{7A8A4D48-7E05-4451-9080-46A267C6BB9D}" presName="text0" presStyleLbl="node1" presStyleIdx="2" presStyleCnt="4" custScaleX="239879" custRadScaleRad="93315" custRadScaleInc="-204208">
@@ -1906,6 +2030,13 @@
     <dgm:pt modelId="{A9AC8A55-AED8-4473-8F34-FF664FBBB7F0}" type="pres">
       <dgm:prSet presAssocID="{AC260326-9ADC-4C2A-AE81-A442AB39F77C}" presName="Name56" presStyleLbl="parChTrans1D2" presStyleIdx="2" presStyleCnt="3"/>
       <dgm:spPr/>
+      <dgm:t>
+        <a:bodyPr/>
+        <a:lstStyle/>
+        <a:p>
+          <a:endParaRPr lang="de-DE"/>
+        </a:p>
+      </dgm:t>
     </dgm:pt>
     <dgm:pt modelId="{E50558D9-351B-471E-9C43-4B4634A88B16}" type="pres">
       <dgm:prSet presAssocID="{D9FB33D1-7888-4E31-9A81-7458C7AA787E}" presName="text0" presStyleLbl="node1" presStyleIdx="3" presStyleCnt="4" custScaleX="260540" custScaleY="70764" custRadScaleRad="124576" custRadScaleInc="14890">
@@ -1924,26 +2055,26 @@
     </dgm:pt>
   </dgm:ptLst>
   <dgm:cxnLst>
-    <dgm:cxn modelId="{F4D6966C-EB20-4382-97A8-B9740B5D72F3}" type="presOf" srcId="{7A8A4D48-7E05-4451-9080-46A267C6BB9D}" destId="{5A56448C-F44B-44F7-B374-EB3303AE2DEB}" srcOrd="0" destOrd="0" presId="urn:microsoft.com/office/officeart/2008/layout/RadialCluster"/>
-    <dgm:cxn modelId="{D4920EC5-2245-437C-AAC3-B4146DFD1BB0}" type="presOf" srcId="{DFE5E74E-6B38-4D4A-94BD-15B9490C054E}" destId="{DCCC444E-64B8-499E-A74D-6C7149FCBEC5}" srcOrd="0" destOrd="0" presId="urn:microsoft.com/office/officeart/2008/layout/RadialCluster"/>
-    <dgm:cxn modelId="{DD041C05-4437-4388-B44E-7D9DA074C264}" type="presOf" srcId="{8721976D-EFB3-4FFF-999B-646252071FE3}" destId="{E0343D81-B717-4C55-A6CD-3B946CD3492A}" srcOrd="0" destOrd="0" presId="urn:microsoft.com/office/officeart/2008/layout/RadialCluster"/>
-    <dgm:cxn modelId="{98A2E1D0-2638-4220-9649-361672341B6D}" type="presOf" srcId="{55B6DB8B-2A88-4421-967D-2AA0C20C8782}" destId="{65A51C42-991A-4C3C-9B01-1516BAA65AD7}" srcOrd="0" destOrd="0" presId="urn:microsoft.com/office/officeart/2008/layout/RadialCluster"/>
+    <dgm:cxn modelId="{5490397C-F382-4388-B31F-341C5BD5CA22}" type="presOf" srcId="{C7215457-F7E3-4996-9CE8-EE18F8E6435F}" destId="{0EF33C62-12CB-4727-8412-F912319CA611}" srcOrd="0" destOrd="0" presId="urn:microsoft.com/office/officeart/2008/layout/RadialCluster"/>
+    <dgm:cxn modelId="{AD66F6E8-1E0A-4E51-B913-358095BBDEAA}" type="presOf" srcId="{0F8EA439-52FA-4373-AB00-A7A8099145ED}" destId="{5CA03A76-AAAF-4ECF-B47B-48432BFB9546}" srcOrd="0" destOrd="0" presId="urn:microsoft.com/office/officeart/2008/layout/RadialCluster"/>
+    <dgm:cxn modelId="{86CDE980-F196-4E10-B282-8D658B818853}" type="presOf" srcId="{8721976D-EFB3-4FFF-999B-646252071FE3}" destId="{E0343D81-B717-4C55-A6CD-3B946CD3492A}" srcOrd="0" destOrd="0" presId="urn:microsoft.com/office/officeart/2008/layout/RadialCluster"/>
     <dgm:cxn modelId="{E844D9B5-D02E-42E3-85F6-3CB5E9E1D2B2}" srcId="{55B6DB8B-2A88-4421-967D-2AA0C20C8782}" destId="{DFE5E74E-6B38-4D4A-94BD-15B9490C054E}" srcOrd="0" destOrd="0" parTransId="{C7215457-F7E3-4996-9CE8-EE18F8E6435F}" sibTransId="{3BBF0C3F-E429-4009-9B70-A26A6E962753}"/>
-    <dgm:cxn modelId="{8AFB4B2F-D56B-44B7-A4F4-762A23075B6E}" type="presOf" srcId="{0F8EA439-52FA-4373-AB00-A7A8099145ED}" destId="{5CA03A76-AAAF-4ECF-B47B-48432BFB9546}" srcOrd="0" destOrd="0" presId="urn:microsoft.com/office/officeart/2008/layout/RadialCluster"/>
+    <dgm:cxn modelId="{910C5CC1-3D93-47DC-B378-F46E36C1821F}" type="presOf" srcId="{7A8A4D48-7E05-4451-9080-46A267C6BB9D}" destId="{5A56448C-F44B-44F7-B374-EB3303AE2DEB}" srcOrd="0" destOrd="0" presId="urn:microsoft.com/office/officeart/2008/layout/RadialCluster"/>
+    <dgm:cxn modelId="{D00B6347-2AE2-4ECF-BCFC-076C1F16A33E}" type="presOf" srcId="{AC260326-9ADC-4C2A-AE81-A442AB39F77C}" destId="{A9AC8A55-AED8-4473-8F34-FF664FBBB7F0}" srcOrd="0" destOrd="0" presId="urn:microsoft.com/office/officeart/2008/layout/RadialCluster"/>
+    <dgm:cxn modelId="{6B673384-1B19-4E49-8299-DD79A53834CB}" type="presOf" srcId="{D9FB33D1-7888-4E31-9A81-7458C7AA787E}" destId="{E50558D9-351B-471E-9C43-4B4634A88B16}" srcOrd="0" destOrd="0" presId="urn:microsoft.com/office/officeart/2008/layout/RadialCluster"/>
+    <dgm:cxn modelId="{BAE7AA69-E59F-4B63-BCFA-8D81CA677D85}" type="presOf" srcId="{55B6DB8B-2A88-4421-967D-2AA0C20C8782}" destId="{65A51C42-991A-4C3C-9B01-1516BAA65AD7}" srcOrd="0" destOrd="0" presId="urn:microsoft.com/office/officeart/2008/layout/RadialCluster"/>
     <dgm:cxn modelId="{6D953EA1-86BF-4654-847C-0C1ED7A64E47}" srcId="{55B6DB8B-2A88-4421-967D-2AA0C20C8782}" destId="{D9FB33D1-7888-4E31-9A81-7458C7AA787E}" srcOrd="2" destOrd="0" parTransId="{AC260326-9ADC-4C2A-AE81-A442AB39F77C}" sibTransId="{E91C2507-5125-4688-9147-D4CA5211461D}"/>
-    <dgm:cxn modelId="{F5E1B5C5-7C9E-4B5A-B65D-6D306A58890C}" type="presOf" srcId="{D9FB33D1-7888-4E31-9A81-7458C7AA787E}" destId="{E50558D9-351B-471E-9C43-4B4634A88B16}" srcOrd="0" destOrd="0" presId="urn:microsoft.com/office/officeart/2008/layout/RadialCluster"/>
     <dgm:cxn modelId="{274711AA-F923-412A-9AED-9B38C0B549CB}" srcId="{55B6DB8B-2A88-4421-967D-2AA0C20C8782}" destId="{7A8A4D48-7E05-4451-9080-46A267C6BB9D}" srcOrd="1" destOrd="0" parTransId="{0F8EA439-52FA-4373-AB00-A7A8099145ED}" sibTransId="{734AB2B5-00C0-4E9C-8DC1-1943D3670142}"/>
     <dgm:cxn modelId="{ACC42D3D-35A6-448E-B7C8-3339FD0E1B88}" srcId="{8721976D-EFB3-4FFF-999B-646252071FE3}" destId="{55B6DB8B-2A88-4421-967D-2AA0C20C8782}" srcOrd="0" destOrd="0" parTransId="{25F8F013-3AAE-4D0C-994B-7C8345B5D3D0}" sibTransId="{E84B61DE-8ABA-4BF6-B979-2B6744264FC2}"/>
-    <dgm:cxn modelId="{31A3D0B5-5CC7-45E7-AEC0-58E7FAB468F0}" type="presOf" srcId="{C7215457-F7E3-4996-9CE8-EE18F8E6435F}" destId="{0EF33C62-12CB-4727-8412-F912319CA611}" srcOrd="0" destOrd="0" presId="urn:microsoft.com/office/officeart/2008/layout/RadialCluster"/>
-    <dgm:cxn modelId="{FCF3F186-A2E2-4D57-9609-D002869350DD}" type="presOf" srcId="{AC260326-9ADC-4C2A-AE81-A442AB39F77C}" destId="{A9AC8A55-AED8-4473-8F34-FF664FBBB7F0}" srcOrd="0" destOrd="0" presId="urn:microsoft.com/office/officeart/2008/layout/RadialCluster"/>
-    <dgm:cxn modelId="{9ED99997-1096-43C1-99EF-A1ED012CBC67}" type="presParOf" srcId="{E0343D81-B717-4C55-A6CD-3B946CD3492A}" destId="{87BFA906-86E6-45B5-AE7F-5E49AE3E0CB1}" srcOrd="0" destOrd="0" presId="urn:microsoft.com/office/officeart/2008/layout/RadialCluster"/>
-    <dgm:cxn modelId="{13B26B20-C013-49A0-B6B2-4708204F8AA4}" type="presParOf" srcId="{87BFA906-86E6-45B5-AE7F-5E49AE3E0CB1}" destId="{65A51C42-991A-4C3C-9B01-1516BAA65AD7}" srcOrd="0" destOrd="0" presId="urn:microsoft.com/office/officeart/2008/layout/RadialCluster"/>
-    <dgm:cxn modelId="{35CD0DB5-3183-41C3-937F-98A7F28F1AD9}" type="presParOf" srcId="{87BFA906-86E6-45B5-AE7F-5E49AE3E0CB1}" destId="{0EF33C62-12CB-4727-8412-F912319CA611}" srcOrd="1" destOrd="0" presId="urn:microsoft.com/office/officeart/2008/layout/RadialCluster"/>
-    <dgm:cxn modelId="{7521A100-6CA8-4907-B4DD-AC000F6F9682}" type="presParOf" srcId="{87BFA906-86E6-45B5-AE7F-5E49AE3E0CB1}" destId="{DCCC444E-64B8-499E-A74D-6C7149FCBEC5}" srcOrd="2" destOrd="0" presId="urn:microsoft.com/office/officeart/2008/layout/RadialCluster"/>
-    <dgm:cxn modelId="{66EAEF85-99C5-495B-B096-9EEB3E05E80C}" type="presParOf" srcId="{87BFA906-86E6-45B5-AE7F-5E49AE3E0CB1}" destId="{5CA03A76-AAAF-4ECF-B47B-48432BFB9546}" srcOrd="3" destOrd="0" presId="urn:microsoft.com/office/officeart/2008/layout/RadialCluster"/>
-    <dgm:cxn modelId="{40949683-F487-4020-88CC-5AA1C85DD391}" type="presParOf" srcId="{87BFA906-86E6-45B5-AE7F-5E49AE3E0CB1}" destId="{5A56448C-F44B-44F7-B374-EB3303AE2DEB}" srcOrd="4" destOrd="0" presId="urn:microsoft.com/office/officeart/2008/layout/RadialCluster"/>
-    <dgm:cxn modelId="{AD1B082F-4D34-42B6-8894-24350B6A12C1}" type="presParOf" srcId="{87BFA906-86E6-45B5-AE7F-5E49AE3E0CB1}" destId="{A9AC8A55-AED8-4473-8F34-FF664FBBB7F0}" srcOrd="5" destOrd="0" presId="urn:microsoft.com/office/officeart/2008/layout/RadialCluster"/>
-    <dgm:cxn modelId="{9B274B8D-A540-49E0-A5E4-34393479113B}" type="presParOf" srcId="{87BFA906-86E6-45B5-AE7F-5E49AE3E0CB1}" destId="{E50558D9-351B-471E-9C43-4B4634A88B16}" srcOrd="6" destOrd="0" presId="urn:microsoft.com/office/officeart/2008/layout/RadialCluster"/>
+    <dgm:cxn modelId="{4F3630A3-5553-4D82-BCB3-2275C34D230D}" type="presOf" srcId="{DFE5E74E-6B38-4D4A-94BD-15B9490C054E}" destId="{DCCC444E-64B8-499E-A74D-6C7149FCBEC5}" srcOrd="0" destOrd="0" presId="urn:microsoft.com/office/officeart/2008/layout/RadialCluster"/>
+    <dgm:cxn modelId="{A66BD09C-4D24-4E6D-AC3E-AE41A74FC2D8}" type="presParOf" srcId="{E0343D81-B717-4C55-A6CD-3B946CD3492A}" destId="{87BFA906-86E6-45B5-AE7F-5E49AE3E0CB1}" srcOrd="0" destOrd="0" presId="urn:microsoft.com/office/officeart/2008/layout/RadialCluster"/>
+    <dgm:cxn modelId="{6EE65468-298C-48BB-A299-A04DC052E5E3}" type="presParOf" srcId="{87BFA906-86E6-45B5-AE7F-5E49AE3E0CB1}" destId="{65A51C42-991A-4C3C-9B01-1516BAA65AD7}" srcOrd="0" destOrd="0" presId="urn:microsoft.com/office/officeart/2008/layout/RadialCluster"/>
+    <dgm:cxn modelId="{5362B890-359D-46B8-BFF3-2DDD18FE0ABE}" type="presParOf" srcId="{87BFA906-86E6-45B5-AE7F-5E49AE3E0CB1}" destId="{0EF33C62-12CB-4727-8412-F912319CA611}" srcOrd="1" destOrd="0" presId="urn:microsoft.com/office/officeart/2008/layout/RadialCluster"/>
+    <dgm:cxn modelId="{76DFA7AE-5CCD-4AD2-845D-E449877899E5}" type="presParOf" srcId="{87BFA906-86E6-45B5-AE7F-5E49AE3E0CB1}" destId="{DCCC444E-64B8-499E-A74D-6C7149FCBEC5}" srcOrd="2" destOrd="0" presId="urn:microsoft.com/office/officeart/2008/layout/RadialCluster"/>
+    <dgm:cxn modelId="{689EEF82-D09D-4189-834A-A2DD0283C205}" type="presParOf" srcId="{87BFA906-86E6-45B5-AE7F-5E49AE3E0CB1}" destId="{5CA03A76-AAAF-4ECF-B47B-48432BFB9546}" srcOrd="3" destOrd="0" presId="urn:microsoft.com/office/officeart/2008/layout/RadialCluster"/>
+    <dgm:cxn modelId="{67071C76-F400-413A-9397-862E46BDB1C0}" type="presParOf" srcId="{87BFA906-86E6-45B5-AE7F-5E49AE3E0CB1}" destId="{5A56448C-F44B-44F7-B374-EB3303AE2DEB}" srcOrd="4" destOrd="0" presId="urn:microsoft.com/office/officeart/2008/layout/RadialCluster"/>
+    <dgm:cxn modelId="{8676CC07-49A0-4E35-8FEB-3DA49D92AF73}" type="presParOf" srcId="{87BFA906-86E6-45B5-AE7F-5E49AE3E0CB1}" destId="{A9AC8A55-AED8-4473-8F34-FF664FBBB7F0}" srcOrd="5" destOrd="0" presId="urn:microsoft.com/office/officeart/2008/layout/RadialCluster"/>
+    <dgm:cxn modelId="{74150DB8-65DD-453C-AE29-8096B92642F8}" type="presParOf" srcId="{87BFA906-86E6-45B5-AE7F-5E49AE3E0CB1}" destId="{E50558D9-351B-471E-9C43-4B4634A88B16}" srcOrd="6" destOrd="0" presId="urn:microsoft.com/office/officeart/2008/layout/RadialCluster"/>
   </dgm:cxnLst>
   <dgm:bg/>
   <dgm:whole/>
@@ -1971,16 +2102,28 @@
     </dgm:pt>
     <dgm:pt modelId="{BBC316A1-890B-405C-BB42-39F1AB804149}">
       <dgm:prSet phldrT="[Text]"/>
-      <dgm:spPr/>
+      <dgm:spPr>
+        <a:solidFill>
+          <a:srgbClr val="343434"/>
+        </a:solidFill>
+      </dgm:spPr>
       <dgm:t>
         <a:bodyPr/>
         <a:lstStyle/>
         <a:p>
           <a:r>
-            <a:rPr lang="de-DE" dirty="0" smtClean="0"/>
+            <a:rPr lang="de-DE" dirty="0" smtClean="0">
+              <a:solidFill>
+                <a:srgbClr val="75CD00"/>
+              </a:solidFill>
+            </a:rPr>
             <a:t>index.html</a:t>
           </a:r>
-          <a:endParaRPr lang="de-DE" dirty="0"/>
+          <a:endParaRPr lang="de-DE" dirty="0">
+            <a:solidFill>
+              <a:srgbClr val="75CD00"/>
+            </a:solidFill>
+          </a:endParaRPr>
         </a:p>
       </dgm:t>
     </dgm:pt>
@@ -2008,22 +2151,40 @@
     </dgm:pt>
     <dgm:pt modelId="{36D01A34-898D-4AE2-AF32-B892112BDA00}">
       <dgm:prSet phldrT="[Text]" custT="1"/>
-      <dgm:spPr/>
+      <dgm:spPr>
+        <a:solidFill>
+          <a:srgbClr val="343434"/>
+        </a:solidFill>
+      </dgm:spPr>
       <dgm:t>
         <a:bodyPr/>
         <a:lstStyle/>
         <a:p>
           <a:r>
-            <a:rPr lang="de-DE" sz="2000" dirty="0" err="1" smtClean="0"/>
+            <a:rPr lang="de-DE" sz="2000" dirty="0" err="1" smtClean="0">
+              <a:solidFill>
+                <a:srgbClr val="75CD00"/>
+              </a:solidFill>
+            </a:rPr>
             <a:t>js</a:t>
           </a:r>
-          <a:endParaRPr lang="de-DE" sz="2000" dirty="0"/>
+          <a:endParaRPr lang="de-DE" sz="2000" dirty="0">
+            <a:solidFill>
+              <a:srgbClr val="75CD00"/>
+            </a:solidFill>
+          </a:endParaRPr>
         </a:p>
       </dgm:t>
     </dgm:pt>
     <dgm:pt modelId="{A440E895-0604-4D3B-A990-607ED12E2426}" type="parTrans" cxnId="{FC72F1BA-11EA-4D4B-93A4-4163601F02DA}">
       <dgm:prSet/>
-      <dgm:spPr/>
+      <dgm:spPr>
+        <a:ln>
+          <a:solidFill>
+            <a:srgbClr val="5F5F5F"/>
+          </a:solidFill>
+        </a:ln>
+      </dgm:spPr>
       <dgm:t>
         <a:bodyPr/>
         <a:lstStyle/>
@@ -2045,22 +2206,40 @@
     </dgm:pt>
     <dgm:pt modelId="{78ADC4D2-85FB-4958-95E2-786CCA7BBC83}">
       <dgm:prSet phldrT="[Text]" custT="1"/>
-      <dgm:spPr/>
+      <dgm:spPr>
+        <a:solidFill>
+          <a:srgbClr val="343434"/>
+        </a:solidFill>
+      </dgm:spPr>
       <dgm:t>
         <a:bodyPr/>
         <a:lstStyle/>
         <a:p>
           <a:r>
-            <a:rPr lang="de-DE" sz="2000" dirty="0" err="1" smtClean="0"/>
+            <a:rPr lang="de-DE" sz="2000" dirty="0" err="1" smtClean="0">
+              <a:solidFill>
+                <a:srgbClr val="75CD00"/>
+              </a:solidFill>
+            </a:rPr>
             <a:t>css</a:t>
           </a:r>
-          <a:endParaRPr lang="de-DE" sz="2000" dirty="0"/>
+          <a:endParaRPr lang="de-DE" sz="2000" dirty="0">
+            <a:solidFill>
+              <a:srgbClr val="75CD00"/>
+            </a:solidFill>
+          </a:endParaRPr>
         </a:p>
       </dgm:t>
     </dgm:pt>
     <dgm:pt modelId="{2530055E-8F00-4C89-BC6A-7B9185EE5B71}" type="parTrans" cxnId="{AFD33FCC-F22C-4204-996C-66E5AA418929}">
       <dgm:prSet/>
-      <dgm:spPr/>
+      <dgm:spPr>
+        <a:ln>
+          <a:solidFill>
+            <a:srgbClr val="5F5F5F"/>
+          </a:solidFill>
+        </a:ln>
+      </dgm:spPr>
       <dgm:t>
         <a:bodyPr/>
         <a:lstStyle/>
@@ -2082,22 +2261,40 @@
     </dgm:pt>
     <dgm:pt modelId="{9C1F60C0-F40F-459C-A837-7214E3046567}">
       <dgm:prSet phldrT="[Text]" custT="1"/>
-      <dgm:spPr/>
+      <dgm:spPr>
+        <a:solidFill>
+          <a:srgbClr val="343434"/>
+        </a:solidFill>
+      </dgm:spPr>
       <dgm:t>
         <a:bodyPr/>
         <a:lstStyle/>
         <a:p>
           <a:r>
-            <a:rPr lang="de-DE" sz="2000" dirty="0" err="1" smtClean="0"/>
+            <a:rPr lang="de-DE" sz="2000" dirty="0" err="1" smtClean="0">
+              <a:solidFill>
+                <a:srgbClr val="75CD00"/>
+              </a:solidFill>
+            </a:rPr>
             <a:t>img</a:t>
           </a:r>
-          <a:endParaRPr lang="de-DE" sz="2000" dirty="0"/>
+          <a:endParaRPr lang="de-DE" sz="2000" dirty="0">
+            <a:solidFill>
+              <a:srgbClr val="75CD00"/>
+            </a:solidFill>
+          </a:endParaRPr>
         </a:p>
       </dgm:t>
     </dgm:pt>
     <dgm:pt modelId="{38395BA1-9B42-4970-8AA1-ED0E0C66B994}" type="parTrans" cxnId="{165D3688-373D-47C6-BB1C-311F7B3F64E1}">
       <dgm:prSet/>
-      <dgm:spPr/>
+      <dgm:spPr>
+        <a:ln>
+          <a:solidFill>
+            <a:srgbClr val="5F5F5F"/>
+          </a:solidFill>
+        </a:ln>
+      </dgm:spPr>
       <dgm:t>
         <a:bodyPr/>
         <a:lstStyle/>
@@ -2119,26 +2316,48 @@
     </dgm:pt>
     <dgm:pt modelId="{9668BA21-5860-477A-A346-9FC36B37B42F}">
       <dgm:prSet phldrT="[Text]" custT="1"/>
-      <dgm:spPr/>
+      <dgm:spPr>
+        <a:solidFill>
+          <a:srgbClr val="343434"/>
+        </a:solidFill>
+      </dgm:spPr>
       <dgm:t>
         <a:bodyPr/>
         <a:lstStyle/>
         <a:p>
           <a:r>
-            <a:rPr lang="de-DE" sz="1800" dirty="0" err="1" smtClean="0"/>
+            <a:rPr lang="de-DE" sz="1800" dirty="0" err="1" smtClean="0">
+              <a:solidFill>
+                <a:srgbClr val="75CD00"/>
+              </a:solidFill>
+            </a:rPr>
             <a:t>application</a:t>
           </a:r>
           <a:r>
-            <a:rPr lang="de-DE" sz="1800" dirty="0" smtClean="0"/>
+            <a:rPr lang="de-DE" sz="1800" dirty="0" smtClean="0">
+              <a:solidFill>
+                <a:srgbClr val="75CD00"/>
+              </a:solidFill>
+            </a:rPr>
             <a:t> </a:t>
           </a:r>
-          <a:endParaRPr lang="de-DE" sz="1800" dirty="0"/>
+          <a:endParaRPr lang="de-DE" sz="1800" dirty="0">
+            <a:solidFill>
+              <a:srgbClr val="75CD00"/>
+            </a:solidFill>
+          </a:endParaRPr>
         </a:p>
       </dgm:t>
     </dgm:pt>
     <dgm:pt modelId="{5B9E5A96-8FFA-4BBE-B675-1DC1918FD653}" type="parTrans" cxnId="{56A4994C-32B7-454D-AA70-2B4229D00C84}">
       <dgm:prSet/>
-      <dgm:spPr/>
+      <dgm:spPr>
+        <a:ln>
+          <a:solidFill>
+            <a:srgbClr val="5F5F5F"/>
+          </a:solidFill>
+        </a:ln>
+      </dgm:spPr>
       <dgm:t>
         <a:bodyPr/>
         <a:lstStyle/>
@@ -2160,22 +2379,40 @@
     </dgm:pt>
     <dgm:pt modelId="{F77ADC79-7FCC-409D-B213-CEE81FB5F449}">
       <dgm:prSet phldrT="[Text]" custT="1"/>
-      <dgm:spPr/>
+      <dgm:spPr>
+        <a:solidFill>
+          <a:srgbClr val="343434"/>
+        </a:solidFill>
+      </dgm:spPr>
       <dgm:t>
         <a:bodyPr/>
         <a:lstStyle/>
         <a:p>
           <a:r>
-            <a:rPr lang="de-DE" sz="1400" dirty="0" smtClean="0"/>
+            <a:rPr lang="de-DE" sz="1400" dirty="0" smtClean="0">
+              <a:solidFill>
+                <a:srgbClr val="DBDBDB"/>
+              </a:solidFill>
+            </a:rPr>
             <a:t>desktop2.css</a:t>
           </a:r>
-          <a:endParaRPr lang="de-DE" sz="1400" dirty="0"/>
+          <a:endParaRPr lang="de-DE" sz="1400" dirty="0">
+            <a:solidFill>
+              <a:srgbClr val="DBDBDB"/>
+            </a:solidFill>
+          </a:endParaRPr>
         </a:p>
       </dgm:t>
     </dgm:pt>
     <dgm:pt modelId="{0D211013-4403-46B6-9D32-9F7F3179559B}" type="parTrans" cxnId="{537C1914-E1D4-4198-8D73-1893512AEE94}">
       <dgm:prSet/>
-      <dgm:spPr/>
+      <dgm:spPr>
+        <a:ln>
+          <a:solidFill>
+            <a:srgbClr val="5F5F5F"/>
+          </a:solidFill>
+        </a:ln>
+      </dgm:spPr>
       <dgm:t>
         <a:bodyPr/>
         <a:lstStyle/>
@@ -2197,22 +2434,40 @@
     </dgm:pt>
     <dgm:pt modelId="{31E6D4D2-9D6A-4A18-9635-E705A4460B9A}">
       <dgm:prSet phldrT="[Text]" custT="1"/>
-      <dgm:spPr/>
+      <dgm:spPr>
+        <a:solidFill>
+          <a:srgbClr val="343434"/>
+        </a:solidFill>
+      </dgm:spPr>
       <dgm:t>
         <a:bodyPr/>
         <a:lstStyle/>
         <a:p>
           <a:r>
-            <a:rPr lang="de-DE" sz="1400" dirty="0" smtClean="0"/>
+            <a:rPr lang="de-DE" sz="1400" dirty="0" smtClean="0">
+              <a:solidFill>
+                <a:srgbClr val="DBDBDB"/>
+              </a:solidFill>
+            </a:rPr>
             <a:t>jquery-ui-1.10.4.custom</a:t>
           </a:r>
-          <a:endParaRPr lang="de-DE" sz="1400" dirty="0"/>
+          <a:endParaRPr lang="de-DE" sz="1400" dirty="0">
+            <a:solidFill>
+              <a:srgbClr val="DBDBDB"/>
+            </a:solidFill>
+          </a:endParaRPr>
         </a:p>
       </dgm:t>
     </dgm:pt>
     <dgm:pt modelId="{53C96AA8-B823-4522-9A8C-BB80CF1C69EF}" type="parTrans" cxnId="{F8C86796-60C9-4093-910F-0EC709DB68DF}">
       <dgm:prSet/>
-      <dgm:spPr/>
+      <dgm:spPr>
+        <a:ln>
+          <a:solidFill>
+            <a:srgbClr val="5F5F5F"/>
+          </a:solidFill>
+        </a:ln>
+      </dgm:spPr>
       <dgm:t>
         <a:bodyPr/>
         <a:lstStyle/>
@@ -2234,22 +2489,40 @@
     </dgm:pt>
     <dgm:pt modelId="{179265A1-72E0-4C68-9C6D-0019ACC39D91}">
       <dgm:prSet phldrT="[Text]" custT="1"/>
-      <dgm:spPr/>
+      <dgm:spPr>
+        <a:solidFill>
+          <a:srgbClr val="343434"/>
+        </a:solidFill>
+      </dgm:spPr>
       <dgm:t>
         <a:bodyPr/>
         <a:lstStyle/>
         <a:p>
           <a:r>
-            <a:rPr lang="de-DE" sz="1800" dirty="0" err="1" smtClean="0"/>
+            <a:rPr lang="de-DE" sz="1800" dirty="0" err="1" smtClean="0">
+              <a:solidFill>
+                <a:srgbClr val="75CD00"/>
+              </a:solidFill>
+            </a:rPr>
             <a:t>Jquery</a:t>
           </a:r>
-          <a:endParaRPr lang="de-DE" sz="1800" dirty="0"/>
+          <a:endParaRPr lang="de-DE" sz="1800" dirty="0">
+            <a:solidFill>
+              <a:srgbClr val="75CD00"/>
+            </a:solidFill>
+          </a:endParaRPr>
         </a:p>
       </dgm:t>
     </dgm:pt>
     <dgm:pt modelId="{4E25CA6F-E51C-4D90-8379-0BE424511331}" type="parTrans" cxnId="{37842A69-0B5F-490B-A991-C25529F64FF4}">
       <dgm:prSet/>
-      <dgm:spPr/>
+      <dgm:spPr>
+        <a:ln>
+          <a:solidFill>
+            <a:srgbClr val="5F5F5F"/>
+          </a:solidFill>
+        </a:ln>
+      </dgm:spPr>
       <dgm:t>
         <a:bodyPr/>
         <a:lstStyle/>
@@ -2271,16 +2544,28 @@
     </dgm:pt>
     <dgm:pt modelId="{4ACA1B39-2F2F-4126-BCCE-0BA105A8D4F4}">
       <dgm:prSet phldrT="[Text]" custT="1"/>
-      <dgm:spPr/>
+      <dgm:spPr>
+        <a:solidFill>
+          <a:srgbClr val="343434"/>
+        </a:solidFill>
+      </dgm:spPr>
       <dgm:t>
         <a:bodyPr/>
         <a:lstStyle/>
         <a:p>
           <a:r>
-            <a:rPr lang="de-DE" sz="1400" dirty="0" err="1" smtClean="0"/>
+            <a:rPr lang="de-DE" sz="1400" dirty="0" err="1" smtClean="0">
+              <a:solidFill>
+                <a:srgbClr val="DBDBDB"/>
+              </a:solidFill>
+            </a:rPr>
             <a:t>event.eventlist</a:t>
           </a:r>
-          <a:endParaRPr lang="de-DE" sz="1400" dirty="0"/>
+          <a:endParaRPr lang="de-DE" sz="1400" dirty="0">
+            <a:solidFill>
+              <a:srgbClr val="DBDBDB"/>
+            </a:solidFill>
+          </a:endParaRPr>
         </a:p>
       </dgm:t>
     </dgm:pt>
@@ -2308,16 +2593,28 @@
     </dgm:pt>
     <dgm:pt modelId="{9B1B8704-3897-4191-BBC9-D647AF267E29}">
       <dgm:prSet phldrT="[Text]" custT="1"/>
-      <dgm:spPr/>
+      <dgm:spPr>
+        <a:solidFill>
+          <a:srgbClr val="343434"/>
+        </a:solidFill>
+      </dgm:spPr>
       <dgm:t>
         <a:bodyPr/>
         <a:lstStyle/>
         <a:p>
           <a:r>
-            <a:rPr lang="de-DE" sz="1400" dirty="0" err="1" smtClean="0"/>
+            <a:rPr lang="de-DE" sz="1400" dirty="0" err="1" smtClean="0">
+              <a:solidFill>
+                <a:srgbClr val="DBDBDB"/>
+              </a:solidFill>
+            </a:rPr>
             <a:t>jquery.blockUI</a:t>
           </a:r>
-          <a:endParaRPr lang="de-DE" sz="1400" dirty="0"/>
+          <a:endParaRPr lang="de-DE" sz="1400" dirty="0">
+            <a:solidFill>
+              <a:srgbClr val="DBDBDB"/>
+            </a:solidFill>
+          </a:endParaRPr>
         </a:p>
       </dgm:t>
     </dgm:pt>
@@ -2345,16 +2642,28 @@
     </dgm:pt>
     <dgm:pt modelId="{D44092AA-9082-4885-B80B-C8BD8967A444}">
       <dgm:prSet phldrT="[Text]" custT="1"/>
-      <dgm:spPr/>
+      <dgm:spPr>
+        <a:solidFill>
+          <a:srgbClr val="343434"/>
+        </a:solidFill>
+      </dgm:spPr>
       <dgm:t>
         <a:bodyPr/>
         <a:lstStyle/>
         <a:p>
           <a:r>
-            <a:rPr lang="de-DE" sz="1400" dirty="0" smtClean="0"/>
+            <a:rPr lang="de-DE" sz="1400" dirty="0" smtClean="0">
+              <a:solidFill>
+                <a:srgbClr val="DBDBDB"/>
+              </a:solidFill>
+            </a:rPr>
             <a:t>jquery-1.10.2</a:t>
           </a:r>
-          <a:endParaRPr lang="de-DE" sz="1400" dirty="0"/>
+          <a:endParaRPr lang="de-DE" sz="1400" dirty="0">
+            <a:solidFill>
+              <a:srgbClr val="DBDBDB"/>
+            </a:solidFill>
+          </a:endParaRPr>
         </a:p>
       </dgm:t>
     </dgm:pt>
@@ -2382,16 +2691,28 @@
     </dgm:pt>
     <dgm:pt modelId="{B8046C56-F6FA-46C9-91A7-839261897A42}">
       <dgm:prSet phldrT="[Text]" custT="1"/>
-      <dgm:spPr/>
+      <dgm:spPr>
+        <a:solidFill>
+          <a:srgbClr val="343434"/>
+        </a:solidFill>
+      </dgm:spPr>
       <dgm:t>
         <a:bodyPr/>
         <a:lstStyle/>
         <a:p>
           <a:r>
-            <a:rPr lang="de-DE" sz="1400" dirty="0" smtClean="0"/>
+            <a:rPr lang="de-DE" sz="1400" dirty="0" smtClean="0">
+              <a:solidFill>
+                <a:srgbClr val="DBDBDB"/>
+              </a:solidFill>
+            </a:rPr>
             <a:t>jquery-ui-1.10.4.custom</a:t>
           </a:r>
-          <a:endParaRPr lang="de-DE" sz="1400" dirty="0"/>
+          <a:endParaRPr lang="de-DE" sz="1400" dirty="0">
+            <a:solidFill>
+              <a:srgbClr val="DBDBDB"/>
+            </a:solidFill>
+          </a:endParaRPr>
         </a:p>
       </dgm:t>
     </dgm:pt>
@@ -2419,16 +2740,28 @@
     </dgm:pt>
     <dgm:pt modelId="{64428344-2E23-409B-98BB-30180E11F75A}">
       <dgm:prSet phldrT="[Text]" custT="1"/>
-      <dgm:spPr/>
+      <dgm:spPr>
+        <a:solidFill>
+          <a:srgbClr val="343434"/>
+        </a:solidFill>
+      </dgm:spPr>
       <dgm:t>
         <a:bodyPr/>
         <a:lstStyle/>
         <a:p>
           <a:r>
-            <a:rPr lang="de-DE" sz="1400" dirty="0" err="1" smtClean="0"/>
+            <a:rPr lang="de-DE" sz="1400" dirty="0" err="1" smtClean="0">
+              <a:solidFill>
+                <a:srgbClr val="DBDBDB"/>
+              </a:solidFill>
+            </a:rPr>
             <a:t>event.eventcreate</a:t>
           </a:r>
-          <a:endParaRPr lang="de-DE" sz="1400" dirty="0"/>
+          <a:endParaRPr lang="de-DE" sz="1400" dirty="0">
+            <a:solidFill>
+              <a:srgbClr val="DBDBDB"/>
+            </a:solidFill>
+          </a:endParaRPr>
         </a:p>
       </dgm:t>
     </dgm:pt>
@@ -2456,16 +2789,28 @@
     </dgm:pt>
     <dgm:pt modelId="{8B2ABCED-F199-4ED2-A438-045BAEBF75E3}">
       <dgm:prSet phldrT="[Text]" custT="1"/>
-      <dgm:spPr/>
+      <dgm:spPr>
+        <a:solidFill>
+          <a:srgbClr val="343434"/>
+        </a:solidFill>
+      </dgm:spPr>
       <dgm:t>
         <a:bodyPr/>
         <a:lstStyle/>
         <a:p>
           <a:r>
-            <a:rPr lang="de-DE" sz="1400" dirty="0" err="1" smtClean="0"/>
+            <a:rPr lang="de-DE" sz="1400" dirty="0" err="1" smtClean="0">
+              <a:solidFill>
+                <a:srgbClr val="DBDBDB"/>
+              </a:solidFill>
+            </a:rPr>
             <a:t>event.menubar</a:t>
           </a:r>
-          <a:endParaRPr lang="de-DE" sz="1400" dirty="0"/>
+          <a:endParaRPr lang="de-DE" sz="1400" dirty="0">
+            <a:solidFill>
+              <a:srgbClr val="DBDBDB"/>
+            </a:solidFill>
+          </a:endParaRPr>
         </a:p>
       </dgm:t>
     </dgm:pt>
@@ -2493,16 +2838,28 @@
     </dgm:pt>
     <dgm:pt modelId="{619C296F-BA8F-4014-8892-0F38888B541B}">
       <dgm:prSet phldrT="[Text]" custT="1"/>
-      <dgm:spPr/>
+      <dgm:spPr>
+        <a:solidFill>
+          <a:srgbClr val="343434"/>
+        </a:solidFill>
+      </dgm:spPr>
       <dgm:t>
         <a:bodyPr/>
         <a:lstStyle/>
         <a:p>
           <a:r>
-            <a:rPr lang="de-DE" sz="1400" dirty="0" err="1" smtClean="0"/>
+            <a:rPr lang="de-DE" sz="1400" dirty="0" err="1" smtClean="0">
+              <a:solidFill>
+                <a:srgbClr val="DBDBDB"/>
+              </a:solidFill>
+            </a:rPr>
             <a:t>event.menusearch</a:t>
           </a:r>
-          <a:endParaRPr lang="de-DE" sz="1400" dirty="0"/>
+          <a:endParaRPr lang="de-DE" sz="1400" dirty="0">
+            <a:solidFill>
+              <a:srgbClr val="DBDBDB"/>
+            </a:solidFill>
+          </a:endParaRPr>
         </a:p>
       </dgm:t>
     </dgm:pt>
@@ -2530,16 +2887,28 @@
     </dgm:pt>
     <dgm:pt modelId="{74931C09-B1AA-458B-AA3F-882CB9BAB6A0}">
       <dgm:prSet phldrT="[Text]" custT="1"/>
-      <dgm:spPr/>
+      <dgm:spPr>
+        <a:solidFill>
+          <a:srgbClr val="343434"/>
+        </a:solidFill>
+      </dgm:spPr>
       <dgm:t>
         <a:bodyPr/>
         <a:lstStyle/>
         <a:p>
           <a:r>
-            <a:rPr lang="de-DE" sz="1400" dirty="0" err="1" smtClean="0"/>
+            <a:rPr lang="de-DE" sz="1400" dirty="0" err="1" smtClean="0">
+              <a:solidFill>
+                <a:srgbClr val="DBDBDB"/>
+              </a:solidFill>
+            </a:rPr>
             <a:t>event.eventvalidation</a:t>
           </a:r>
-          <a:endParaRPr lang="de-DE" sz="1400" dirty="0"/>
+          <a:endParaRPr lang="de-DE" sz="1400" dirty="0">
+            <a:solidFill>
+              <a:srgbClr val="DBDBDB"/>
+            </a:solidFill>
+          </a:endParaRPr>
         </a:p>
       </dgm:t>
     </dgm:pt>
@@ -2555,154 +2924,6 @@
       </dgm:t>
     </dgm:pt>
     <dgm:pt modelId="{F96CF402-7248-4A58-AC84-26E1CF25562F}" type="sibTrans" cxnId="{D211D83C-F962-45B7-8181-53BAB1B5ABA9}">
-      <dgm:prSet/>
-      <dgm:spPr/>
-      <dgm:t>
-        <a:bodyPr/>
-        <a:lstStyle/>
-        <a:p>
-          <a:endParaRPr lang="de-DE"/>
-        </a:p>
-      </dgm:t>
-    </dgm:pt>
-    <dgm:pt modelId="{0FEE4322-F4E9-44B2-887C-A61D7C4A07F9}">
-      <dgm:prSet phldrT="[Text]" custT="1"/>
-      <dgm:spPr/>
-      <dgm:t>
-        <a:bodyPr/>
-        <a:lstStyle/>
-        <a:p>
-          <a:r>
-            <a:rPr lang="de-DE" sz="1400" dirty="0" err="1" smtClean="0"/>
-            <a:t>event.errordialog</a:t>
-          </a:r>
-          <a:endParaRPr lang="de-DE" sz="1400" dirty="0"/>
-        </a:p>
-      </dgm:t>
-    </dgm:pt>
-    <dgm:pt modelId="{24788131-BD49-415E-8CB7-DBBA13A9CCAE}" type="parTrans" cxnId="{DA9DCDF9-E7EF-41D9-BC20-745A8F29D9A1}">
-      <dgm:prSet/>
-      <dgm:spPr/>
-      <dgm:t>
-        <a:bodyPr/>
-        <a:lstStyle/>
-        <a:p>
-          <a:endParaRPr lang="de-DE"/>
-        </a:p>
-      </dgm:t>
-    </dgm:pt>
-    <dgm:pt modelId="{E4353879-469A-4F87-8A39-B92ECC0F5CFE}" type="sibTrans" cxnId="{DA9DCDF9-E7EF-41D9-BC20-745A8F29D9A1}">
-      <dgm:prSet/>
-      <dgm:spPr/>
-      <dgm:t>
-        <a:bodyPr/>
-        <a:lstStyle/>
-        <a:p>
-          <a:endParaRPr lang="de-DE"/>
-        </a:p>
-      </dgm:t>
-    </dgm:pt>
-    <dgm:pt modelId="{F8269E82-098E-40D5-970F-5DFADF49AC54}">
-      <dgm:prSet phldrT="[Text]" custT="1"/>
-      <dgm:spPr/>
-      <dgm:t>
-        <a:bodyPr/>
-        <a:lstStyle/>
-        <a:p>
-          <a:r>
-            <a:rPr lang="de-DE" sz="1400" dirty="0" err="1" smtClean="0"/>
-            <a:t>event.savedialog</a:t>
-          </a:r>
-          <a:endParaRPr lang="de-DE" sz="1400" dirty="0"/>
-        </a:p>
-      </dgm:t>
-    </dgm:pt>
-    <dgm:pt modelId="{E70A6DC1-09C6-4D1C-B75D-469EF3FFF0CE}" type="parTrans" cxnId="{AF366233-8580-4FD5-AF16-21D8DBCD3197}">
-      <dgm:prSet/>
-      <dgm:spPr/>
-      <dgm:t>
-        <a:bodyPr/>
-        <a:lstStyle/>
-        <a:p>
-          <a:endParaRPr lang="de-DE"/>
-        </a:p>
-      </dgm:t>
-    </dgm:pt>
-    <dgm:pt modelId="{E764D838-7A3A-4518-9B0D-5102C50B7E66}" type="sibTrans" cxnId="{AF366233-8580-4FD5-AF16-21D8DBCD3197}">
-      <dgm:prSet/>
-      <dgm:spPr/>
-      <dgm:t>
-        <a:bodyPr/>
-        <a:lstStyle/>
-        <a:p>
-          <a:endParaRPr lang="de-DE"/>
-        </a:p>
-      </dgm:t>
-    </dgm:pt>
-    <dgm:pt modelId="{1104E8AB-30AB-44E4-8EB3-F000D894C8FD}">
-      <dgm:prSet phldrT="[Text]" custT="1"/>
-      <dgm:spPr/>
-      <dgm:t>
-        <a:bodyPr/>
-        <a:lstStyle/>
-        <a:p>
-          <a:r>
-            <a:rPr lang="de-DE" sz="1400" dirty="0" err="1" smtClean="0"/>
-            <a:t>event.deletedialog</a:t>
-          </a:r>
-          <a:endParaRPr lang="de-DE" sz="1400" dirty="0"/>
-        </a:p>
-      </dgm:t>
-    </dgm:pt>
-    <dgm:pt modelId="{D9E7FEC4-E583-4D67-9015-418CE66B3E48}" type="parTrans" cxnId="{E1075F9B-8A84-4E06-B6B4-7506E4AF8157}">
-      <dgm:prSet/>
-      <dgm:spPr/>
-      <dgm:t>
-        <a:bodyPr/>
-        <a:lstStyle/>
-        <a:p>
-          <a:endParaRPr lang="de-DE"/>
-        </a:p>
-      </dgm:t>
-    </dgm:pt>
-    <dgm:pt modelId="{2950A3C1-93EA-4E82-8D51-EE59DEACDB5D}" type="sibTrans" cxnId="{E1075F9B-8A84-4E06-B6B4-7506E4AF8157}">
-      <dgm:prSet/>
-      <dgm:spPr/>
-      <dgm:t>
-        <a:bodyPr/>
-        <a:lstStyle/>
-        <a:p>
-          <a:endParaRPr lang="de-DE"/>
-        </a:p>
-      </dgm:t>
-    </dgm:pt>
-    <dgm:pt modelId="{1B3F30DC-4EFB-4F25-90D1-F99AEF2467A4}">
-      <dgm:prSet phldrT="[Text]" custT="1"/>
-      <dgm:spPr/>
-      <dgm:t>
-        <a:bodyPr/>
-        <a:lstStyle/>
-        <a:p>
-          <a:r>
-            <a:rPr lang="de-DE" sz="1400" dirty="0" err="1" smtClean="0"/>
-            <a:t>event.cancedialog</a:t>
-          </a:r>
-          <a:endParaRPr lang="de-DE" sz="1400" dirty="0"/>
-        </a:p>
-      </dgm:t>
-    </dgm:pt>
-    <dgm:pt modelId="{B899F009-4634-4CE5-80B0-3029F0494FD3}" type="parTrans" cxnId="{3DA8C63A-D890-4240-819D-DE7AA57802BE}">
-      <dgm:prSet/>
-      <dgm:spPr/>
-      <dgm:t>
-        <a:bodyPr/>
-        <a:lstStyle/>
-        <a:p>
-          <a:endParaRPr lang="de-DE"/>
-        </a:p>
-      </dgm:t>
-    </dgm:pt>
-    <dgm:pt modelId="{3E0AF003-E22A-4CBE-AB5A-50BF7756D2B7}" type="sibTrans" cxnId="{3DA8C63A-D890-4240-819D-DE7AA57802BE}">
       <dgm:prSet/>
       <dgm:spPr/>
       <dgm:t>
@@ -2748,7 +2969,7 @@
       <dgm:spPr/>
     </dgm:pt>
     <dgm:pt modelId="{A1BD58A6-5E78-434B-B53B-FCFABB58F66E}" type="pres">
-      <dgm:prSet presAssocID="{36D01A34-898D-4AE2-AF32-B892112BDA00}" presName="childCenter1" presStyleLbl="node1" presStyleIdx="1" presStyleCnt="8" custScaleX="880418" custScaleY="753630" custLinFactNeighborX="3280" custLinFactNeighborY="-17815"/>
+      <dgm:prSet presAssocID="{36D01A34-898D-4AE2-AF32-B892112BDA00}" presName="childCenter1" presStyleLbl="node1" presStyleIdx="1" presStyleCnt="8" custScaleX="880418" custScaleY="753630" custLinFactNeighborX="3681" custLinFactNeighborY="-29626"/>
       <dgm:spPr/>
       <dgm:t>
         <a:bodyPr/>
@@ -2770,7 +2991,7 @@
       </dgm:t>
     </dgm:pt>
     <dgm:pt modelId="{10BF2A57-1F1D-4B12-8EA0-5C3B67020F80}" type="pres">
-      <dgm:prSet presAssocID="{9668BA21-5860-477A-A346-9FC36B37B42F}" presName="text1" presStyleLbl="node1" presStyleIdx="2" presStyleCnt="8" custAng="10800000" custFlipVert="1" custFlipHor="1" custScaleX="2000000" custScaleY="2000000" custRadScaleRad="271717" custRadScaleInc="125692">
+      <dgm:prSet presAssocID="{9668BA21-5860-477A-A346-9FC36B37B42F}" presName="text1" presStyleLbl="node1" presStyleIdx="2" presStyleCnt="8" custAng="10800000" custFlipVert="1" custFlipHor="0" custScaleX="2000000" custScaleY="2000000" custRadScaleRad="256705" custRadScaleInc="127152">
         <dgm:presLayoutVars>
           <dgm:bulletEnabled val="1"/>
         </dgm:presLayoutVars>
@@ -2796,7 +3017,7 @@
       </dgm:t>
     </dgm:pt>
     <dgm:pt modelId="{9D41D7AF-DDD9-4237-AB0A-513E2AAD642D}" type="pres">
-      <dgm:prSet presAssocID="{179265A1-72E0-4C68-9C6D-0019ACC39D91}" presName="text1" presStyleLbl="node1" presStyleIdx="3" presStyleCnt="8" custScaleX="2000000" custScaleY="2000000" custRadScaleRad="242798" custRadScaleInc="-125980">
+      <dgm:prSet presAssocID="{179265A1-72E0-4C68-9C6D-0019ACC39D91}" presName="text1" presStyleLbl="node1" presStyleIdx="3" presStyleCnt="8" custScaleX="2000000" custScaleY="2000000" custRadScaleRad="242027" custRadScaleInc="-126497">
         <dgm:presLayoutVars>
           <dgm:bulletEnabled val="1"/>
         </dgm:presLayoutVars>
@@ -2826,7 +3047,7 @@
       <dgm:spPr/>
     </dgm:pt>
     <dgm:pt modelId="{79A6EBF1-713D-4128-BA7F-B7F79CA601B0}" type="pres">
-      <dgm:prSet presAssocID="{9C1F60C0-F40F-459C-A837-7214E3046567}" presName="childCenter2" presStyleLbl="node1" presStyleIdx="4" presStyleCnt="8" custLinFactNeighborX="82428" custLinFactNeighborY="47701"/>
+      <dgm:prSet presAssocID="{9C1F60C0-F40F-459C-A837-7214E3046567}" presName="childCenter2" presStyleLbl="node1" presStyleIdx="4" presStyleCnt="8" custLinFactNeighborX="68300" custLinFactNeighborY="29694"/>
       <dgm:spPr/>
       <dgm:t>
         <a:bodyPr/>
@@ -2927,72 +3148,64 @@
     </dgm:pt>
   </dgm:ptLst>
   <dgm:cxnLst>
-    <dgm:cxn modelId="{B92F6A78-BC4B-45DD-8256-CDEB94637863}" type="presOf" srcId="{64428344-2E23-409B-98BB-30180E11F75A}" destId="{10BF2A57-1F1D-4B12-8EA0-5C3B67020F80}" srcOrd="0" destOrd="4" presId="urn:microsoft.com/office/officeart/2008/layout/RadialCluster"/>
+    <dgm:cxn modelId="{196A6D99-EEF5-4FA8-801D-70F840BFA760}" srcId="{179265A1-72E0-4C68-9C6D-0019ACC39D91}" destId="{B8046C56-F6FA-46C9-91A7-839261897A42}" srcOrd="2" destOrd="0" parTransId="{2B765C01-EF2C-4F55-A9E5-D00FB28BF976}" sibTransId="{7FAC1EAE-D424-42D5-8522-24676AD2C111}"/>
+    <dgm:cxn modelId="{4480D584-30C1-40B7-BE9C-763CAC93AE74}" type="presOf" srcId="{74931C09-B1AA-458B-AA3F-882CB9BAB6A0}" destId="{10BF2A57-1F1D-4B12-8EA0-5C3B67020F80}" srcOrd="0" destOrd="5" presId="urn:microsoft.com/office/officeart/2008/layout/RadialCluster"/>
+    <dgm:cxn modelId="{F8C86796-60C9-4093-910F-0EC709DB68DF}" srcId="{78ADC4D2-85FB-4958-95E2-786CCA7BBC83}" destId="{31E6D4D2-9D6A-4A18-9635-E705A4460B9A}" srcOrd="1" destOrd="0" parTransId="{53C96AA8-B823-4522-9A8C-BB80CF1C69EF}" sibTransId="{9D61DC67-BF9A-4DCE-B6D1-DFA996AEA4BB}"/>
+    <dgm:cxn modelId="{2131FED1-3683-4E38-AAD8-82454350DC7C}" type="presOf" srcId="{31E6D4D2-9D6A-4A18-9635-E705A4460B9A}" destId="{23C89230-13C4-410E-A2B9-57543BC730A0}" srcOrd="0" destOrd="0" presId="urn:microsoft.com/office/officeart/2008/layout/RadialCluster"/>
+    <dgm:cxn modelId="{864652B9-A436-4716-8C9B-25AEA1EF6FDE}" type="presOf" srcId="{38395BA1-9B42-4970-8AA1-ED0E0C66B994}" destId="{EF6A3C73-DD9C-4A53-BD08-D49393852FD1}" srcOrd="0" destOrd="0" presId="urn:microsoft.com/office/officeart/2008/layout/RadialCluster"/>
+    <dgm:cxn modelId="{AE4BA660-5DB6-48B4-8A81-1D6142FB999C}" type="presOf" srcId="{619C296F-BA8F-4014-8892-0F38888B541B}" destId="{10BF2A57-1F1D-4B12-8EA0-5C3B67020F80}" srcOrd="0" destOrd="2" presId="urn:microsoft.com/office/officeart/2008/layout/RadialCluster"/>
+    <dgm:cxn modelId="{1A99E14E-B678-4B04-AA9D-2178E3FFFB89}" type="presOf" srcId="{BBC316A1-890B-405C-BB42-39F1AB804149}" destId="{EE9B3078-89D2-4F16-927F-440B3BB965C6}" srcOrd="0" destOrd="0" presId="urn:microsoft.com/office/officeart/2008/layout/RadialCluster"/>
+    <dgm:cxn modelId="{AFD33FCC-F22C-4204-996C-66E5AA418929}" srcId="{BBC316A1-890B-405C-BB42-39F1AB804149}" destId="{78ADC4D2-85FB-4958-95E2-786CCA7BBC83}" srcOrd="2" destOrd="0" parTransId="{2530055E-8F00-4C89-BC6A-7B9185EE5B71}" sibTransId="{CD1C2641-6CB5-46EF-B3F9-72BB61CA2021}"/>
+    <dgm:cxn modelId="{1A917CFD-8B52-4C63-89F6-5656CED8B6C8}" type="presOf" srcId="{4ACA1B39-2F2F-4126-BCCE-0BA105A8D4F4}" destId="{10BF2A57-1F1D-4B12-8EA0-5C3B67020F80}" srcOrd="0" destOrd="3" presId="urn:microsoft.com/office/officeart/2008/layout/RadialCluster"/>
+    <dgm:cxn modelId="{82E57F41-7DA1-437C-9FE4-ECF3864804D5}" type="presOf" srcId="{4E25CA6F-E51C-4D90-8379-0BE424511331}" destId="{C1C66790-4083-4D76-86BF-06DBA369086A}" srcOrd="0" destOrd="0" presId="urn:microsoft.com/office/officeart/2008/layout/RadialCluster"/>
+    <dgm:cxn modelId="{37842A69-0B5F-490B-A991-C25529F64FF4}" srcId="{36D01A34-898D-4AE2-AF32-B892112BDA00}" destId="{179265A1-72E0-4C68-9C6D-0019ACC39D91}" srcOrd="1" destOrd="0" parTransId="{4E25CA6F-E51C-4D90-8379-0BE424511331}" sibTransId="{A148F34A-FF7F-4E4D-86B6-66D9E92FFD6D}"/>
+    <dgm:cxn modelId="{ED296A1C-9507-4829-9BC5-EC3A6C0E104F}" srcId="{179265A1-72E0-4C68-9C6D-0019ACC39D91}" destId="{D44092AA-9082-4885-B80B-C8BD8967A444}" srcOrd="1" destOrd="0" parTransId="{57943452-F0E9-408A-8E24-6AB54CD682E7}" sibTransId="{2000B903-871B-4E83-8AB2-90F0CEF0DC90}"/>
+    <dgm:cxn modelId="{B35C6DEB-3A92-4BE2-B754-0586F2FB4C41}" type="presOf" srcId="{179265A1-72E0-4C68-9C6D-0019ACC39D91}" destId="{9D41D7AF-DDD9-4237-AB0A-513E2AAD642D}" srcOrd="0" destOrd="0" presId="urn:microsoft.com/office/officeart/2008/layout/RadialCluster"/>
+    <dgm:cxn modelId="{31B0C44B-8570-4A70-804B-B75A0C3F821B}" type="presOf" srcId="{53C96AA8-B823-4522-9A8C-BB80CF1C69EF}" destId="{F3BF923F-E4AE-4571-BC7E-D401077190D9}" srcOrd="0" destOrd="0" presId="urn:microsoft.com/office/officeart/2008/layout/RadialCluster"/>
+    <dgm:cxn modelId="{5594D19A-6A91-43D1-950B-21F25963F890}" type="presOf" srcId="{8B2ABCED-F199-4ED2-A438-045BAEBF75E3}" destId="{10BF2A57-1F1D-4B12-8EA0-5C3B67020F80}" srcOrd="0" destOrd="1" presId="urn:microsoft.com/office/officeart/2008/layout/RadialCluster"/>
+    <dgm:cxn modelId="{FC72F1BA-11EA-4D4B-93A4-4163601F02DA}" srcId="{BBC316A1-890B-405C-BB42-39F1AB804149}" destId="{36D01A34-898D-4AE2-AF32-B892112BDA00}" srcOrd="0" destOrd="0" parTransId="{A440E895-0604-4D3B-A990-607ED12E2426}" sibTransId="{16DC1CA8-517E-4665-B5BF-FAC3B3A4FD1E}"/>
+    <dgm:cxn modelId="{839FD89B-AC60-4378-BA9F-82C7FC8CD893}" type="presOf" srcId="{A440E895-0604-4D3B-A990-607ED12E2426}" destId="{21EC304F-97E4-4A7E-ADD1-BC45911C7A79}" srcOrd="0" destOrd="0" presId="urn:microsoft.com/office/officeart/2008/layout/RadialCluster"/>
+    <dgm:cxn modelId="{1ACF70E4-6556-4E78-88D8-A1AC39287B71}" srcId="{179265A1-72E0-4C68-9C6D-0019ACC39D91}" destId="{9B1B8704-3897-4191-BBC9-D647AF267E29}" srcOrd="0" destOrd="0" parTransId="{1279772E-4CCE-4645-B9C6-B0BDBC992A96}" sibTransId="{B56E0961-1A47-4EE9-BD35-E1BCECCCDE21}"/>
+    <dgm:cxn modelId="{395B432D-FB32-497B-AF36-77CED8466065}" type="presOf" srcId="{78ADC4D2-85FB-4958-95E2-786CCA7BBC83}" destId="{C2EB3BF9-DCD8-4468-9725-FCFAE981121A}" srcOrd="0" destOrd="0" presId="urn:microsoft.com/office/officeart/2008/layout/RadialCluster"/>
+    <dgm:cxn modelId="{537C1914-E1D4-4198-8D73-1893512AEE94}" srcId="{78ADC4D2-85FB-4958-95E2-786CCA7BBC83}" destId="{F77ADC79-7FCC-409D-B213-CEE81FB5F449}" srcOrd="0" destOrd="0" parTransId="{0D211013-4403-46B6-9D32-9F7F3179559B}" sibTransId="{D64B60D0-3412-4DF1-907D-C8231D1046C2}"/>
+    <dgm:cxn modelId="{DF45F8C7-E13E-4AB9-8400-B85BA19E3C96}" type="presOf" srcId="{EFD6E766-1DBF-4D27-9651-10744CB315AF}" destId="{67158B1E-155C-4658-B574-754AC2873385}" srcOrd="0" destOrd="0" presId="urn:microsoft.com/office/officeart/2008/layout/RadialCluster"/>
+    <dgm:cxn modelId="{721931EF-B754-4FC6-929A-6013366C9167}" srcId="{9668BA21-5860-477A-A346-9FC36B37B42F}" destId="{64428344-2E23-409B-98BB-30180E11F75A}" srcOrd="3" destOrd="0" parTransId="{68F52C25-8B1E-488E-8C2C-198A96EB6A4C}" sibTransId="{2BE476AA-33D8-4CE1-A92B-43182A3B9742}"/>
+    <dgm:cxn modelId="{34541505-C55D-43A0-83E8-F15706D08734}" type="presOf" srcId="{B8046C56-F6FA-46C9-91A7-839261897A42}" destId="{9D41D7AF-DDD9-4237-AB0A-513E2AAD642D}" srcOrd="0" destOrd="3" presId="urn:microsoft.com/office/officeart/2008/layout/RadialCluster"/>
     <dgm:cxn modelId="{682B223E-4162-4E89-B1AB-774777F16A99}" srcId="{9668BA21-5860-477A-A346-9FC36B37B42F}" destId="{8B2ABCED-F199-4ED2-A438-045BAEBF75E3}" srcOrd="0" destOrd="0" parTransId="{6C787BE5-DC44-4FF5-9268-A19DF0D69FD5}" sibTransId="{F09F1104-F43A-4600-BB72-7D0D3CBA3C58}"/>
-    <dgm:cxn modelId="{D3EFEB8E-9393-4BD0-8A67-D91299648113}" type="presOf" srcId="{2530055E-8F00-4C89-BC6A-7B9185EE5B71}" destId="{2D2FAC15-034B-432F-954B-BEF8497E4993}" srcOrd="0" destOrd="0" presId="urn:microsoft.com/office/officeart/2008/layout/RadialCluster"/>
-    <dgm:cxn modelId="{6AB4A849-CB64-44F6-8EE9-E46800B1CF19}" type="presOf" srcId="{9C1F60C0-F40F-459C-A837-7214E3046567}" destId="{79A6EBF1-713D-4128-BA7F-B7F79CA601B0}" srcOrd="0" destOrd="0" presId="urn:microsoft.com/office/officeart/2008/layout/RadialCluster"/>
-    <dgm:cxn modelId="{00224BD4-7316-4598-919D-81D70D9A9DAE}" type="presOf" srcId="{B8046C56-F6FA-46C9-91A7-839261897A42}" destId="{9D41D7AF-DDD9-4237-AB0A-513E2AAD642D}" srcOrd="0" destOrd="3" presId="urn:microsoft.com/office/officeart/2008/layout/RadialCluster"/>
-    <dgm:cxn modelId="{196A6D99-EEF5-4FA8-801D-70F840BFA760}" srcId="{179265A1-72E0-4C68-9C6D-0019ACC39D91}" destId="{B8046C56-F6FA-46C9-91A7-839261897A42}" srcOrd="2" destOrd="0" parTransId="{2B765C01-EF2C-4F55-A9E5-D00FB28BF976}" sibTransId="{7FAC1EAE-D424-42D5-8522-24676AD2C111}"/>
-    <dgm:cxn modelId="{1ACF70E4-6556-4E78-88D8-A1AC39287B71}" srcId="{179265A1-72E0-4C68-9C6D-0019ACC39D91}" destId="{9B1B8704-3897-4191-BBC9-D647AF267E29}" srcOrd="0" destOrd="0" parTransId="{1279772E-4CCE-4645-B9C6-B0BDBC992A96}" sibTransId="{B56E0961-1A47-4EE9-BD35-E1BCECCCDE21}"/>
-    <dgm:cxn modelId="{A001B7E8-3EEB-410D-A800-EDEF262F8915}" type="presOf" srcId="{BBC316A1-890B-405C-BB42-39F1AB804149}" destId="{EE9B3078-89D2-4F16-927F-440B3BB965C6}" srcOrd="0" destOrd="0" presId="urn:microsoft.com/office/officeart/2008/layout/RadialCluster"/>
-    <dgm:cxn modelId="{025CF510-FBEC-4FEA-AFB6-A0D384B0FF24}" type="presOf" srcId="{5B9E5A96-8FFA-4BBE-B675-1DC1918FD653}" destId="{71B9F13A-045B-4EE9-B571-DE9C9482D841}" srcOrd="0" destOrd="0" presId="urn:microsoft.com/office/officeart/2008/layout/RadialCluster"/>
+    <dgm:cxn modelId="{B936DBF7-8923-4BEE-A94B-6A7505C62C7C}" type="presOf" srcId="{9B1B8704-3897-4191-BBC9-D647AF267E29}" destId="{9D41D7AF-DDD9-4237-AB0A-513E2AAD642D}" srcOrd="0" destOrd="1" presId="urn:microsoft.com/office/officeart/2008/layout/RadialCluster"/>
+    <dgm:cxn modelId="{9BA0DC52-F247-4ACA-A943-559F85F587F6}" srcId="{9668BA21-5860-477A-A346-9FC36B37B42F}" destId="{619C296F-BA8F-4014-8892-0F38888B541B}" srcOrd="1" destOrd="0" parTransId="{986CB08D-6C45-4048-B0F1-30CFCE0DF8E2}" sibTransId="{9A89D240-B8E6-4F30-B4D6-DF4034967C87}"/>
+    <dgm:cxn modelId="{01762594-2326-4D77-B61D-750CDA5DFA2D}" srcId="{9668BA21-5860-477A-A346-9FC36B37B42F}" destId="{4ACA1B39-2F2F-4126-BCCE-0BA105A8D4F4}" srcOrd="2" destOrd="0" parTransId="{CBD10A07-0EF3-4EBD-A26A-1316F0465311}" sibTransId="{570EADC7-50A1-48A0-B070-545B7237D809}"/>
+    <dgm:cxn modelId="{4EDCBA47-5C58-469D-913D-CC1D667AF4BA}" type="presOf" srcId="{5B9E5A96-8FFA-4BBE-B675-1DC1918FD653}" destId="{71B9F13A-045B-4EE9-B571-DE9C9482D841}" srcOrd="0" destOrd="0" presId="urn:microsoft.com/office/officeart/2008/layout/RadialCluster"/>
+    <dgm:cxn modelId="{304E3FF8-2D4B-4536-9336-5E32106919EB}" type="presOf" srcId="{64428344-2E23-409B-98BB-30180E11F75A}" destId="{10BF2A57-1F1D-4B12-8EA0-5C3B67020F80}" srcOrd="0" destOrd="4" presId="urn:microsoft.com/office/officeart/2008/layout/RadialCluster"/>
+    <dgm:cxn modelId="{165D3688-373D-47C6-BB1C-311F7B3F64E1}" srcId="{BBC316A1-890B-405C-BB42-39F1AB804149}" destId="{9C1F60C0-F40F-459C-A837-7214E3046567}" srcOrd="1" destOrd="0" parTransId="{38395BA1-9B42-4970-8AA1-ED0E0C66B994}" sibTransId="{5E62E524-D10E-4F60-B2FB-3388D7CAA112}"/>
+    <dgm:cxn modelId="{947C6F04-18B5-4D33-A86D-A35198F45C1D}" type="presOf" srcId="{9668BA21-5860-477A-A346-9FC36B37B42F}" destId="{10BF2A57-1F1D-4B12-8EA0-5C3B67020F80}" srcOrd="0" destOrd="0" presId="urn:microsoft.com/office/officeart/2008/layout/RadialCluster"/>
+    <dgm:cxn modelId="{A5702785-E4FB-441E-A430-90F41997893F}" type="presOf" srcId="{2530055E-8F00-4C89-BC6A-7B9185EE5B71}" destId="{2D2FAC15-034B-432F-954B-BEF8497E4993}" srcOrd="0" destOrd="0" presId="urn:microsoft.com/office/officeart/2008/layout/RadialCluster"/>
+    <dgm:cxn modelId="{56A4994C-32B7-454D-AA70-2B4229D00C84}" srcId="{36D01A34-898D-4AE2-AF32-B892112BDA00}" destId="{9668BA21-5860-477A-A346-9FC36B37B42F}" srcOrd="0" destOrd="0" parTransId="{5B9E5A96-8FFA-4BBE-B675-1DC1918FD653}" sibTransId="{FBBDE615-261B-41A5-940D-25C9C617D5FD}"/>
+    <dgm:cxn modelId="{5FF1ADBD-8E2A-45F2-B9F1-8F11A140A4B8}" type="presOf" srcId="{9C1F60C0-F40F-459C-A837-7214E3046567}" destId="{79A6EBF1-713D-4128-BA7F-B7F79CA601B0}" srcOrd="0" destOrd="0" presId="urn:microsoft.com/office/officeart/2008/layout/RadialCluster"/>
+    <dgm:cxn modelId="{1E2AE0EC-59A2-4C03-8616-B83289FEF4F7}" type="presOf" srcId="{F77ADC79-7FCC-409D-B213-CEE81FB5F449}" destId="{62CEFA5C-CE5F-4964-B508-E12752CD75E6}" srcOrd="0" destOrd="0" presId="urn:microsoft.com/office/officeart/2008/layout/RadialCluster"/>
+    <dgm:cxn modelId="{357DFFF3-ABCD-4868-B8A0-AB78E85EAE47}" srcId="{EFD6E766-1DBF-4D27-9651-10744CB315AF}" destId="{BBC316A1-890B-405C-BB42-39F1AB804149}" srcOrd="0" destOrd="0" parTransId="{06773DCE-6654-4556-BF16-4877A09FE8D1}" sibTransId="{99190670-7A6D-4E4D-83F2-8D856F4867CE}"/>
+    <dgm:cxn modelId="{3ED5B560-4D4D-4427-9B9F-0D803241AEC8}" type="presOf" srcId="{D44092AA-9082-4885-B80B-C8BD8967A444}" destId="{9D41D7AF-DDD9-4237-AB0A-513E2AAD642D}" srcOrd="0" destOrd="2" presId="urn:microsoft.com/office/officeart/2008/layout/RadialCluster"/>
     <dgm:cxn modelId="{D211D83C-F962-45B7-8181-53BAB1B5ABA9}" srcId="{64428344-2E23-409B-98BB-30180E11F75A}" destId="{74931C09-B1AA-458B-AA3F-882CB9BAB6A0}" srcOrd="0" destOrd="0" parTransId="{3FEAA95B-83EC-471A-812B-125FBF7A05AA}" sibTransId="{F96CF402-7248-4A58-AC84-26E1CF25562F}"/>
-    <dgm:cxn modelId="{537C1914-E1D4-4198-8D73-1893512AEE94}" srcId="{78ADC4D2-85FB-4958-95E2-786CCA7BBC83}" destId="{F77ADC79-7FCC-409D-B213-CEE81FB5F449}" srcOrd="0" destOrd="0" parTransId="{0D211013-4403-46B6-9D32-9F7F3179559B}" sibTransId="{D64B60D0-3412-4DF1-907D-C8231D1046C2}"/>
-    <dgm:cxn modelId="{2314053F-5EEB-4809-AD0C-88A8EE3DE142}" type="presOf" srcId="{9B1B8704-3897-4191-BBC9-D647AF267E29}" destId="{9D41D7AF-DDD9-4237-AB0A-513E2AAD642D}" srcOrd="0" destOrd="1" presId="urn:microsoft.com/office/officeart/2008/layout/RadialCluster"/>
-    <dgm:cxn modelId="{ED296A1C-9507-4829-9BC5-EC3A6C0E104F}" srcId="{179265A1-72E0-4C68-9C6D-0019ACC39D91}" destId="{D44092AA-9082-4885-B80B-C8BD8967A444}" srcOrd="1" destOrd="0" parTransId="{57943452-F0E9-408A-8E24-6AB54CD682E7}" sibTransId="{2000B903-871B-4E83-8AB2-90F0CEF0DC90}"/>
-    <dgm:cxn modelId="{357DFFF3-ABCD-4868-B8A0-AB78E85EAE47}" srcId="{EFD6E766-1DBF-4D27-9651-10744CB315AF}" destId="{BBC316A1-890B-405C-BB42-39F1AB804149}" srcOrd="0" destOrd="0" parTransId="{06773DCE-6654-4556-BF16-4877A09FE8D1}" sibTransId="{99190670-7A6D-4E4D-83F2-8D856F4867CE}"/>
-    <dgm:cxn modelId="{3DA8C63A-D890-4240-819D-DE7AA57802BE}" srcId="{64428344-2E23-409B-98BB-30180E11F75A}" destId="{1B3F30DC-4EFB-4F25-90D1-F99AEF2467A4}" srcOrd="4" destOrd="0" parTransId="{B899F009-4634-4CE5-80B0-3029F0494FD3}" sibTransId="{3E0AF003-E22A-4CBE-AB5A-50BF7756D2B7}"/>
-    <dgm:cxn modelId="{D0B0AEED-EA40-424E-ADF1-C77A2CEFDCC7}" type="presOf" srcId="{1104E8AB-30AB-44E4-8EB3-F000D894C8FD}" destId="{10BF2A57-1F1D-4B12-8EA0-5C3B67020F80}" srcOrd="0" destOrd="8" presId="urn:microsoft.com/office/officeart/2008/layout/RadialCluster"/>
-    <dgm:cxn modelId="{DA9DCDF9-E7EF-41D9-BC20-745A8F29D9A1}" srcId="{64428344-2E23-409B-98BB-30180E11F75A}" destId="{0FEE4322-F4E9-44B2-887C-A61D7C4A07F9}" srcOrd="1" destOrd="0" parTransId="{24788131-BD49-415E-8CB7-DBBA13A9CCAE}" sibTransId="{E4353879-469A-4F87-8A39-B92ECC0F5CFE}"/>
-    <dgm:cxn modelId="{2CB78DE5-B70F-414E-A3ED-33360C2564A9}" type="presOf" srcId="{38395BA1-9B42-4970-8AA1-ED0E0C66B994}" destId="{EF6A3C73-DD9C-4A53-BD08-D49393852FD1}" srcOrd="0" destOrd="0" presId="urn:microsoft.com/office/officeart/2008/layout/RadialCluster"/>
-    <dgm:cxn modelId="{E723D329-1CDD-4DF3-910E-CA16805B7647}" type="presOf" srcId="{53C96AA8-B823-4522-9A8C-BB80CF1C69EF}" destId="{F3BF923F-E4AE-4571-BC7E-D401077190D9}" srcOrd="0" destOrd="0" presId="urn:microsoft.com/office/officeart/2008/layout/RadialCluster"/>
-    <dgm:cxn modelId="{3487F535-BAB4-4DDA-A27E-CDD69B1782C9}" type="presOf" srcId="{F77ADC79-7FCC-409D-B213-CEE81FB5F449}" destId="{62CEFA5C-CE5F-4964-B508-E12752CD75E6}" srcOrd="0" destOrd="0" presId="urn:microsoft.com/office/officeart/2008/layout/RadialCluster"/>
-    <dgm:cxn modelId="{6D5F1EB6-1CAC-44A7-9C5B-56D575A940A3}" type="presOf" srcId="{36D01A34-898D-4AE2-AF32-B892112BDA00}" destId="{A1BD58A6-5E78-434B-B53B-FCFABB58F66E}" srcOrd="0" destOrd="0" presId="urn:microsoft.com/office/officeart/2008/layout/RadialCluster"/>
-    <dgm:cxn modelId="{DB7DCD37-3AA1-460D-BCCF-A599A71012EC}" type="presOf" srcId="{8B2ABCED-F199-4ED2-A438-045BAEBF75E3}" destId="{10BF2A57-1F1D-4B12-8EA0-5C3B67020F80}" srcOrd="0" destOrd="1" presId="urn:microsoft.com/office/officeart/2008/layout/RadialCluster"/>
-    <dgm:cxn modelId="{5BB07295-B30D-403D-95A7-6663E9D25FBC}" type="presOf" srcId="{74931C09-B1AA-458B-AA3F-882CB9BAB6A0}" destId="{10BF2A57-1F1D-4B12-8EA0-5C3B67020F80}" srcOrd="0" destOrd="5" presId="urn:microsoft.com/office/officeart/2008/layout/RadialCluster"/>
-    <dgm:cxn modelId="{6ECDB581-4619-451A-8FD0-FEA8B547D516}" type="presOf" srcId="{31E6D4D2-9D6A-4A18-9635-E705A4460B9A}" destId="{23C89230-13C4-410E-A2B9-57543BC730A0}" srcOrd="0" destOrd="0" presId="urn:microsoft.com/office/officeart/2008/layout/RadialCluster"/>
-    <dgm:cxn modelId="{7C4B20EE-061E-46E1-907E-061651024403}" type="presOf" srcId="{0FEE4322-F4E9-44B2-887C-A61D7C4A07F9}" destId="{10BF2A57-1F1D-4B12-8EA0-5C3B67020F80}" srcOrd="0" destOrd="6" presId="urn:microsoft.com/office/officeart/2008/layout/RadialCluster"/>
-    <dgm:cxn modelId="{7D72578A-00D6-4976-AB55-B3D9C07279B5}" type="presOf" srcId="{EFD6E766-1DBF-4D27-9651-10744CB315AF}" destId="{67158B1E-155C-4658-B574-754AC2873385}" srcOrd="0" destOrd="0" presId="urn:microsoft.com/office/officeart/2008/layout/RadialCluster"/>
-    <dgm:cxn modelId="{010EDA66-7881-48A8-93D3-351929FCF252}" type="presOf" srcId="{179265A1-72E0-4C68-9C6D-0019ACC39D91}" destId="{9D41D7AF-DDD9-4237-AB0A-513E2AAD642D}" srcOrd="0" destOrd="0" presId="urn:microsoft.com/office/officeart/2008/layout/RadialCluster"/>
-    <dgm:cxn modelId="{48AB5AB6-7D86-4AF9-85C4-A56D5833B7A8}" type="presOf" srcId="{9668BA21-5860-477A-A346-9FC36B37B42F}" destId="{10BF2A57-1F1D-4B12-8EA0-5C3B67020F80}" srcOrd="0" destOrd="0" presId="urn:microsoft.com/office/officeart/2008/layout/RadialCluster"/>
-    <dgm:cxn modelId="{FC72F1BA-11EA-4D4B-93A4-4163601F02DA}" srcId="{BBC316A1-890B-405C-BB42-39F1AB804149}" destId="{36D01A34-898D-4AE2-AF32-B892112BDA00}" srcOrd="0" destOrd="0" parTransId="{A440E895-0604-4D3B-A990-607ED12E2426}" sibTransId="{16DC1CA8-517E-4665-B5BF-FAC3B3A4FD1E}"/>
-    <dgm:cxn modelId="{9BA0DC52-F247-4ACA-A943-559F85F587F6}" srcId="{9668BA21-5860-477A-A346-9FC36B37B42F}" destId="{619C296F-BA8F-4014-8892-0F38888B541B}" srcOrd="1" destOrd="0" parTransId="{986CB08D-6C45-4048-B0F1-30CFCE0DF8E2}" sibTransId="{9A89D240-B8E6-4F30-B4D6-DF4034967C87}"/>
-    <dgm:cxn modelId="{F8C86796-60C9-4093-910F-0EC709DB68DF}" srcId="{78ADC4D2-85FB-4958-95E2-786CCA7BBC83}" destId="{31E6D4D2-9D6A-4A18-9635-E705A4460B9A}" srcOrd="1" destOrd="0" parTransId="{53C96AA8-B823-4522-9A8C-BB80CF1C69EF}" sibTransId="{9D61DC67-BF9A-4DCE-B6D1-DFA996AEA4BB}"/>
-    <dgm:cxn modelId="{C51FDA76-F9A4-4E6E-AE4E-15A7F75C521C}" type="presOf" srcId="{0D211013-4403-46B6-9D32-9F7F3179559B}" destId="{7DD51597-462F-4D8F-AAC3-175032788E61}" srcOrd="0" destOrd="0" presId="urn:microsoft.com/office/officeart/2008/layout/RadialCluster"/>
-    <dgm:cxn modelId="{FF82ECA5-1386-41F4-935E-1419D9820E31}" type="presOf" srcId="{4E25CA6F-E51C-4D90-8379-0BE424511331}" destId="{C1C66790-4083-4D76-86BF-06DBA369086A}" srcOrd="0" destOrd="0" presId="urn:microsoft.com/office/officeart/2008/layout/RadialCluster"/>
-    <dgm:cxn modelId="{6271804B-1258-431B-B6D2-C486B4B67F51}" type="presOf" srcId="{F8269E82-098E-40D5-970F-5DFADF49AC54}" destId="{10BF2A57-1F1D-4B12-8EA0-5C3B67020F80}" srcOrd="0" destOrd="7" presId="urn:microsoft.com/office/officeart/2008/layout/RadialCluster"/>
-    <dgm:cxn modelId="{385E2073-052F-4C3A-93F1-4FE3B302DB41}" type="presOf" srcId="{619C296F-BA8F-4014-8892-0F38888B541B}" destId="{10BF2A57-1F1D-4B12-8EA0-5C3B67020F80}" srcOrd="0" destOrd="2" presId="urn:microsoft.com/office/officeart/2008/layout/RadialCluster"/>
-    <dgm:cxn modelId="{165D3688-373D-47C6-BB1C-311F7B3F64E1}" srcId="{BBC316A1-890B-405C-BB42-39F1AB804149}" destId="{9C1F60C0-F40F-459C-A837-7214E3046567}" srcOrd="1" destOrd="0" parTransId="{38395BA1-9B42-4970-8AA1-ED0E0C66B994}" sibTransId="{5E62E524-D10E-4F60-B2FB-3388D7CAA112}"/>
-    <dgm:cxn modelId="{01762594-2326-4D77-B61D-750CDA5DFA2D}" srcId="{9668BA21-5860-477A-A346-9FC36B37B42F}" destId="{4ACA1B39-2F2F-4126-BCCE-0BA105A8D4F4}" srcOrd="2" destOrd="0" parTransId="{CBD10A07-0EF3-4EBD-A26A-1316F0465311}" sibTransId="{570EADC7-50A1-48A0-B070-545B7237D809}"/>
-    <dgm:cxn modelId="{F0CAF16A-863D-476E-8E54-56D881AB8C20}" type="presOf" srcId="{1B3F30DC-4EFB-4F25-90D1-F99AEF2467A4}" destId="{10BF2A57-1F1D-4B12-8EA0-5C3B67020F80}" srcOrd="0" destOrd="9" presId="urn:microsoft.com/office/officeart/2008/layout/RadialCluster"/>
-    <dgm:cxn modelId="{721931EF-B754-4FC6-929A-6013366C9167}" srcId="{9668BA21-5860-477A-A346-9FC36B37B42F}" destId="{64428344-2E23-409B-98BB-30180E11F75A}" srcOrd="3" destOrd="0" parTransId="{68F52C25-8B1E-488E-8C2C-198A96EB6A4C}" sibTransId="{2BE476AA-33D8-4CE1-A92B-43182A3B9742}"/>
-    <dgm:cxn modelId="{2F969145-4190-4031-885C-1CD42B0450F2}" type="presOf" srcId="{4ACA1B39-2F2F-4126-BCCE-0BA105A8D4F4}" destId="{10BF2A57-1F1D-4B12-8EA0-5C3B67020F80}" srcOrd="0" destOrd="3" presId="urn:microsoft.com/office/officeart/2008/layout/RadialCluster"/>
-    <dgm:cxn modelId="{37842A69-0B5F-490B-A991-C25529F64FF4}" srcId="{36D01A34-898D-4AE2-AF32-B892112BDA00}" destId="{179265A1-72E0-4C68-9C6D-0019ACC39D91}" srcOrd="1" destOrd="0" parTransId="{4E25CA6F-E51C-4D90-8379-0BE424511331}" sibTransId="{A148F34A-FF7F-4E4D-86B6-66D9E92FFD6D}"/>
-    <dgm:cxn modelId="{B40CE008-C1EA-4FAE-B4C2-5EB16D187E0D}" type="presOf" srcId="{78ADC4D2-85FB-4958-95E2-786CCA7BBC83}" destId="{C2EB3BF9-DCD8-4468-9725-FCFAE981121A}" srcOrd="0" destOrd="0" presId="urn:microsoft.com/office/officeart/2008/layout/RadialCluster"/>
-    <dgm:cxn modelId="{AFD33FCC-F22C-4204-996C-66E5AA418929}" srcId="{BBC316A1-890B-405C-BB42-39F1AB804149}" destId="{78ADC4D2-85FB-4958-95E2-786CCA7BBC83}" srcOrd="2" destOrd="0" parTransId="{2530055E-8F00-4C89-BC6A-7B9185EE5B71}" sibTransId="{CD1C2641-6CB5-46EF-B3F9-72BB61CA2021}"/>
-    <dgm:cxn modelId="{E1075F9B-8A84-4E06-B6B4-7506E4AF8157}" srcId="{64428344-2E23-409B-98BB-30180E11F75A}" destId="{1104E8AB-30AB-44E4-8EB3-F000D894C8FD}" srcOrd="3" destOrd="0" parTransId="{D9E7FEC4-E583-4D67-9015-418CE66B3E48}" sibTransId="{2950A3C1-93EA-4E82-8D51-EE59DEACDB5D}"/>
-    <dgm:cxn modelId="{56A4994C-32B7-454D-AA70-2B4229D00C84}" srcId="{36D01A34-898D-4AE2-AF32-B892112BDA00}" destId="{9668BA21-5860-477A-A346-9FC36B37B42F}" srcOrd="0" destOrd="0" parTransId="{5B9E5A96-8FFA-4BBE-B675-1DC1918FD653}" sibTransId="{FBBDE615-261B-41A5-940D-25C9C617D5FD}"/>
-    <dgm:cxn modelId="{AF366233-8580-4FD5-AF16-21D8DBCD3197}" srcId="{64428344-2E23-409B-98BB-30180E11F75A}" destId="{F8269E82-098E-40D5-970F-5DFADF49AC54}" srcOrd="2" destOrd="0" parTransId="{E70A6DC1-09C6-4D1C-B75D-469EF3FFF0CE}" sibTransId="{E764D838-7A3A-4518-9B0D-5102C50B7E66}"/>
-    <dgm:cxn modelId="{A3495DE7-396E-4571-8C50-6AB464E3424B}" type="presOf" srcId="{D44092AA-9082-4885-B80B-C8BD8967A444}" destId="{9D41D7AF-DDD9-4237-AB0A-513E2AAD642D}" srcOrd="0" destOrd="2" presId="urn:microsoft.com/office/officeart/2008/layout/RadialCluster"/>
-    <dgm:cxn modelId="{B7A9A487-2CF4-473A-B895-F9780400FDAB}" type="presOf" srcId="{A440E895-0604-4D3B-A990-607ED12E2426}" destId="{21EC304F-97E4-4A7E-ADD1-BC45911C7A79}" srcOrd="0" destOrd="0" presId="urn:microsoft.com/office/officeart/2008/layout/RadialCluster"/>
-    <dgm:cxn modelId="{751CD7FF-7A64-4A5E-941B-37C06FFDF3B1}" type="presParOf" srcId="{67158B1E-155C-4658-B574-754AC2873385}" destId="{EE9B3078-89D2-4F16-927F-440B3BB965C6}" srcOrd="0" destOrd="0" presId="urn:microsoft.com/office/officeart/2008/layout/RadialCluster"/>
-    <dgm:cxn modelId="{8B53D4B4-30C1-4B22-A5BA-9B1392A348C2}" type="presParOf" srcId="{67158B1E-155C-4658-B574-754AC2873385}" destId="{23A37ADF-799B-425C-B566-9029B084FF6A}" srcOrd="1" destOrd="0" presId="urn:microsoft.com/office/officeart/2008/layout/RadialCluster"/>
-    <dgm:cxn modelId="{A63CF4F8-F80F-4CF6-9E73-A6BFE60CB66B}" type="presParOf" srcId="{23A37ADF-799B-425C-B566-9029B084FF6A}" destId="{A1BD58A6-5E78-434B-B53B-FCFABB58F66E}" srcOrd="0" destOrd="0" presId="urn:microsoft.com/office/officeart/2008/layout/RadialCluster"/>
-    <dgm:cxn modelId="{53CD51B4-77C3-4BD8-8EDD-3C73C7BEF860}" type="presParOf" srcId="{23A37ADF-799B-425C-B566-9029B084FF6A}" destId="{71B9F13A-045B-4EE9-B571-DE9C9482D841}" srcOrd="1" destOrd="0" presId="urn:microsoft.com/office/officeart/2008/layout/RadialCluster"/>
-    <dgm:cxn modelId="{A4C5691F-607A-4343-A209-14134C6BFE37}" type="presParOf" srcId="{23A37ADF-799B-425C-B566-9029B084FF6A}" destId="{10BF2A57-1F1D-4B12-8EA0-5C3B67020F80}" srcOrd="2" destOrd="0" presId="urn:microsoft.com/office/officeart/2008/layout/RadialCluster"/>
-    <dgm:cxn modelId="{1051535A-0378-434C-B2BF-AAD05F5CD649}" type="presParOf" srcId="{23A37ADF-799B-425C-B566-9029B084FF6A}" destId="{C1C66790-4083-4D76-86BF-06DBA369086A}" srcOrd="3" destOrd="0" presId="urn:microsoft.com/office/officeart/2008/layout/RadialCluster"/>
-    <dgm:cxn modelId="{978E9964-D475-4398-91CE-5FF8951F92D0}" type="presParOf" srcId="{23A37ADF-799B-425C-B566-9029B084FF6A}" destId="{9D41D7AF-DDD9-4237-AB0A-513E2AAD642D}" srcOrd="4" destOrd="0" presId="urn:microsoft.com/office/officeart/2008/layout/RadialCluster"/>
-    <dgm:cxn modelId="{C5318507-F065-4D06-9BC7-3619877D4E42}" type="presParOf" srcId="{67158B1E-155C-4658-B574-754AC2873385}" destId="{21EC304F-97E4-4A7E-ADD1-BC45911C7A79}" srcOrd="2" destOrd="0" presId="urn:microsoft.com/office/officeart/2008/layout/RadialCluster"/>
-    <dgm:cxn modelId="{CF4D58B6-2390-44E7-8BDB-4EECACE77D2B}" type="presParOf" srcId="{67158B1E-155C-4658-B574-754AC2873385}" destId="{DAEBCF45-A879-4512-83E4-4E3BAEA88E09}" srcOrd="3" destOrd="0" presId="urn:microsoft.com/office/officeart/2008/layout/RadialCluster"/>
-    <dgm:cxn modelId="{9197BA41-E1C2-4C37-971A-E0DBDEEF839D}" type="presParOf" srcId="{DAEBCF45-A879-4512-83E4-4E3BAEA88E09}" destId="{79A6EBF1-713D-4128-BA7F-B7F79CA601B0}" srcOrd="0" destOrd="0" presId="urn:microsoft.com/office/officeart/2008/layout/RadialCluster"/>
-    <dgm:cxn modelId="{4D6EF165-FDBC-442D-92F6-55CC4FA11151}" type="presParOf" srcId="{67158B1E-155C-4658-B574-754AC2873385}" destId="{EF6A3C73-DD9C-4A53-BD08-D49393852FD1}" srcOrd="4" destOrd="0" presId="urn:microsoft.com/office/officeart/2008/layout/RadialCluster"/>
-    <dgm:cxn modelId="{ACAC80C0-BC3F-4866-80B2-8E1F97E879BC}" type="presParOf" srcId="{67158B1E-155C-4658-B574-754AC2873385}" destId="{FBC911C4-639C-483E-8E2D-DF41B570FC88}" srcOrd="5" destOrd="0" presId="urn:microsoft.com/office/officeart/2008/layout/RadialCluster"/>
-    <dgm:cxn modelId="{E79D8A0B-2FF6-4961-B3FB-BA9000D51B4D}" type="presParOf" srcId="{FBC911C4-639C-483E-8E2D-DF41B570FC88}" destId="{C2EB3BF9-DCD8-4468-9725-FCFAE981121A}" srcOrd="0" destOrd="0" presId="urn:microsoft.com/office/officeart/2008/layout/RadialCluster"/>
-    <dgm:cxn modelId="{529148EC-B5E0-4A73-8282-3A73B5D685A0}" type="presParOf" srcId="{FBC911C4-639C-483E-8E2D-DF41B570FC88}" destId="{7DD51597-462F-4D8F-AAC3-175032788E61}" srcOrd="1" destOrd="0" presId="urn:microsoft.com/office/officeart/2008/layout/RadialCluster"/>
-    <dgm:cxn modelId="{8C7215D6-8218-4221-8CCD-257F89F24492}" type="presParOf" srcId="{FBC911C4-639C-483E-8E2D-DF41B570FC88}" destId="{62CEFA5C-CE5F-4964-B508-E12752CD75E6}" srcOrd="2" destOrd="0" presId="urn:microsoft.com/office/officeart/2008/layout/RadialCluster"/>
-    <dgm:cxn modelId="{9F7B663C-3812-4AED-BD39-B7CB43274263}" type="presParOf" srcId="{FBC911C4-639C-483E-8E2D-DF41B570FC88}" destId="{F3BF923F-E4AE-4571-BC7E-D401077190D9}" srcOrd="3" destOrd="0" presId="urn:microsoft.com/office/officeart/2008/layout/RadialCluster"/>
-    <dgm:cxn modelId="{6562529A-624A-40D3-9D9B-0B2FCA979F43}" type="presParOf" srcId="{FBC911C4-639C-483E-8E2D-DF41B570FC88}" destId="{23C89230-13C4-410E-A2B9-57543BC730A0}" srcOrd="4" destOrd="0" presId="urn:microsoft.com/office/officeart/2008/layout/RadialCluster"/>
-    <dgm:cxn modelId="{4D59E085-D2BF-467C-AD11-274CC6473C49}" type="presParOf" srcId="{67158B1E-155C-4658-B574-754AC2873385}" destId="{2D2FAC15-034B-432F-954B-BEF8497E4993}" srcOrd="6" destOrd="0" presId="urn:microsoft.com/office/officeart/2008/layout/RadialCluster"/>
+    <dgm:cxn modelId="{FE98A0C6-91B2-47D9-A68C-D3D192C0725A}" type="presOf" srcId="{36D01A34-898D-4AE2-AF32-B892112BDA00}" destId="{A1BD58A6-5E78-434B-B53B-FCFABB58F66E}" srcOrd="0" destOrd="0" presId="urn:microsoft.com/office/officeart/2008/layout/RadialCluster"/>
+    <dgm:cxn modelId="{40AC8DBA-4327-4B36-A124-1513DD98830E}" type="presOf" srcId="{0D211013-4403-46B6-9D32-9F7F3179559B}" destId="{7DD51597-462F-4D8F-AAC3-175032788E61}" srcOrd="0" destOrd="0" presId="urn:microsoft.com/office/officeart/2008/layout/RadialCluster"/>
+    <dgm:cxn modelId="{34D4464F-4C06-465F-BC66-A38BF50CD0CD}" type="presParOf" srcId="{67158B1E-155C-4658-B574-754AC2873385}" destId="{EE9B3078-89D2-4F16-927F-440B3BB965C6}" srcOrd="0" destOrd="0" presId="urn:microsoft.com/office/officeart/2008/layout/RadialCluster"/>
+    <dgm:cxn modelId="{7F053CD2-04CB-405D-840C-02551DF0FF39}" type="presParOf" srcId="{67158B1E-155C-4658-B574-754AC2873385}" destId="{23A37ADF-799B-425C-B566-9029B084FF6A}" srcOrd="1" destOrd="0" presId="urn:microsoft.com/office/officeart/2008/layout/RadialCluster"/>
+    <dgm:cxn modelId="{238F35C7-0DFA-41F2-892D-C373D9801C29}" type="presParOf" srcId="{23A37ADF-799B-425C-B566-9029B084FF6A}" destId="{A1BD58A6-5E78-434B-B53B-FCFABB58F66E}" srcOrd="0" destOrd="0" presId="urn:microsoft.com/office/officeart/2008/layout/RadialCluster"/>
+    <dgm:cxn modelId="{DF0DB12C-FE20-41AF-83DF-D5B39DFF5750}" type="presParOf" srcId="{23A37ADF-799B-425C-B566-9029B084FF6A}" destId="{71B9F13A-045B-4EE9-B571-DE9C9482D841}" srcOrd="1" destOrd="0" presId="urn:microsoft.com/office/officeart/2008/layout/RadialCluster"/>
+    <dgm:cxn modelId="{310CF7E4-58AC-450D-B6D3-A30DF35BF7AC}" type="presParOf" srcId="{23A37ADF-799B-425C-B566-9029B084FF6A}" destId="{10BF2A57-1F1D-4B12-8EA0-5C3B67020F80}" srcOrd="2" destOrd="0" presId="urn:microsoft.com/office/officeart/2008/layout/RadialCluster"/>
+    <dgm:cxn modelId="{7B8125FE-E528-457D-9FBF-754B80D14E9E}" type="presParOf" srcId="{23A37ADF-799B-425C-B566-9029B084FF6A}" destId="{C1C66790-4083-4D76-86BF-06DBA369086A}" srcOrd="3" destOrd="0" presId="urn:microsoft.com/office/officeart/2008/layout/RadialCluster"/>
+    <dgm:cxn modelId="{F60E9D18-8031-492C-AA76-B36C97AE030C}" type="presParOf" srcId="{23A37ADF-799B-425C-B566-9029B084FF6A}" destId="{9D41D7AF-DDD9-4237-AB0A-513E2AAD642D}" srcOrd="4" destOrd="0" presId="urn:microsoft.com/office/officeart/2008/layout/RadialCluster"/>
+    <dgm:cxn modelId="{1BA6D89E-0729-47EE-BCFA-31AC47FE087C}" type="presParOf" srcId="{67158B1E-155C-4658-B574-754AC2873385}" destId="{21EC304F-97E4-4A7E-ADD1-BC45911C7A79}" srcOrd="2" destOrd="0" presId="urn:microsoft.com/office/officeart/2008/layout/RadialCluster"/>
+    <dgm:cxn modelId="{B5345E22-03FE-40F2-A2C1-7ED00B8D4600}" type="presParOf" srcId="{67158B1E-155C-4658-B574-754AC2873385}" destId="{DAEBCF45-A879-4512-83E4-4E3BAEA88E09}" srcOrd="3" destOrd="0" presId="urn:microsoft.com/office/officeart/2008/layout/RadialCluster"/>
+    <dgm:cxn modelId="{2C1A064E-28DA-4F91-B9C8-261DEA5D10EF}" type="presParOf" srcId="{DAEBCF45-A879-4512-83E4-4E3BAEA88E09}" destId="{79A6EBF1-713D-4128-BA7F-B7F79CA601B0}" srcOrd="0" destOrd="0" presId="urn:microsoft.com/office/officeart/2008/layout/RadialCluster"/>
+    <dgm:cxn modelId="{2BB9A1AD-CB9D-4894-B6BE-E21B2B319424}" type="presParOf" srcId="{67158B1E-155C-4658-B574-754AC2873385}" destId="{EF6A3C73-DD9C-4A53-BD08-D49393852FD1}" srcOrd="4" destOrd="0" presId="urn:microsoft.com/office/officeart/2008/layout/RadialCluster"/>
+    <dgm:cxn modelId="{6F8FD3B7-0912-42DA-94A7-F69C834AC75F}" type="presParOf" srcId="{67158B1E-155C-4658-B574-754AC2873385}" destId="{FBC911C4-639C-483E-8E2D-DF41B570FC88}" srcOrd="5" destOrd="0" presId="urn:microsoft.com/office/officeart/2008/layout/RadialCluster"/>
+    <dgm:cxn modelId="{29BC5A16-4E4D-49A5-8992-0DFAA833E813}" type="presParOf" srcId="{FBC911C4-639C-483E-8E2D-DF41B570FC88}" destId="{C2EB3BF9-DCD8-4468-9725-FCFAE981121A}" srcOrd="0" destOrd="0" presId="urn:microsoft.com/office/officeart/2008/layout/RadialCluster"/>
+    <dgm:cxn modelId="{17B89D2D-C843-408F-9776-2103285F105A}" type="presParOf" srcId="{FBC911C4-639C-483E-8E2D-DF41B570FC88}" destId="{7DD51597-462F-4D8F-AAC3-175032788E61}" srcOrd="1" destOrd="0" presId="urn:microsoft.com/office/officeart/2008/layout/RadialCluster"/>
+    <dgm:cxn modelId="{C6D40558-4F17-4B68-845A-BA89912103C8}" type="presParOf" srcId="{FBC911C4-639C-483E-8E2D-DF41B570FC88}" destId="{62CEFA5C-CE5F-4964-B508-E12752CD75E6}" srcOrd="2" destOrd="0" presId="urn:microsoft.com/office/officeart/2008/layout/RadialCluster"/>
+    <dgm:cxn modelId="{DF075E28-B0E6-49ED-BC6E-DFC4B818B99D}" type="presParOf" srcId="{FBC911C4-639C-483E-8E2D-DF41B570FC88}" destId="{F3BF923F-E4AE-4571-BC7E-D401077190D9}" srcOrd="3" destOrd="0" presId="urn:microsoft.com/office/officeart/2008/layout/RadialCluster"/>
+    <dgm:cxn modelId="{5DEDDB07-3343-4ACA-BDFA-50606AC0E503}" type="presParOf" srcId="{FBC911C4-639C-483E-8E2D-DF41B570FC88}" destId="{23C89230-13C4-410E-A2B9-57543BC730A0}" srcOrd="4" destOrd="0" presId="urn:microsoft.com/office/officeart/2008/layout/RadialCluster"/>
+    <dgm:cxn modelId="{03E7EDE9-66E2-4575-8A68-92F13D52F2D9}" type="presParOf" srcId="{67158B1E-155C-4658-B574-754AC2873385}" destId="{2D2FAC15-034B-432F-954B-BEF8497E4993}" srcOrd="6" destOrd="0" presId="urn:microsoft.com/office/officeart/2008/layout/RadialCluster"/>
   </dgm:cxnLst>
   <dgm:bg/>
   <dgm:whole/>
@@ -3026,12 +3239,7 @@
           <a:avLst/>
         </a:prstGeom>
         <a:solidFill>
-          <a:schemeClr val="accent1">
-            <a:hueOff val="0"/>
-            <a:satOff val="0"/>
-            <a:lumOff val="0"/>
-            <a:alphaOff val="0"/>
-          </a:schemeClr>
+          <a:srgbClr val="5F5F5F"/>
         </a:solidFill>
         <a:ln w="25400" cap="flat" cmpd="sng" algn="ctr">
           <a:solidFill>
@@ -3078,10 +3286,18 @@
             </a:spcAft>
           </a:pPr>
           <a:r>
-            <a:rPr lang="de-DE" sz="3500" kern="1200" dirty="0" smtClean="0"/>
+            <a:rPr lang="de-DE" sz="3500" kern="1200" dirty="0" smtClean="0">
+              <a:solidFill>
+                <a:srgbClr val="DBDBDB"/>
+              </a:solidFill>
+            </a:rPr>
             <a:t>3. API</a:t>
           </a:r>
-          <a:endParaRPr lang="de-DE" sz="3500" kern="1200" dirty="0"/>
+          <a:endParaRPr lang="de-DE" sz="3500" kern="1200" dirty="0">
+            <a:solidFill>
+              <a:srgbClr val="DBDBDB"/>
+            </a:solidFill>
+          </a:endParaRPr>
         </a:p>
       </dsp:txBody>
       <dsp:txXfrm>
@@ -3119,13 +3335,7 @@
         <a:noFill/>
         <a:ln w="25400" cap="flat" cmpd="sng" algn="ctr">
           <a:solidFill>
-            <a:schemeClr val="accent1">
-              <a:shade val="60000"/>
-              <a:hueOff val="0"/>
-              <a:satOff val="0"/>
-              <a:lumOff val="0"/>
-              <a:alphaOff val="0"/>
-            </a:schemeClr>
+            <a:srgbClr val="5F5F5F"/>
           </a:solidFill>
           <a:prstDash val="solid"/>
         </a:ln>
@@ -3151,19 +3361,14 @@
       </dsp:nvSpPr>
       <dsp:spPr>
         <a:xfrm>
-          <a:off x="5231548" y="2634605"/>
-          <a:ext cx="1622901" cy="536589"/>
+          <a:off x="5163652" y="2634605"/>
+          <a:ext cx="1758692" cy="536589"/>
         </a:xfrm>
         <a:prstGeom prst="roundRect">
           <a:avLst/>
         </a:prstGeom>
         <a:solidFill>
-          <a:schemeClr val="accent1">
-            <a:hueOff val="0"/>
-            <a:satOff val="0"/>
-            <a:lumOff val="0"/>
-            <a:alphaOff val="0"/>
-          </a:schemeClr>
+          <a:srgbClr val="5F5F5F"/>
         </a:solidFill>
         <a:ln w="25400" cap="flat" cmpd="sng" algn="ctr">
           <a:solidFill>
@@ -3210,19 +3415,31 @@
             </a:spcAft>
           </a:pPr>
           <a:r>
-            <a:rPr lang="de-DE" sz="2600" kern="1200" dirty="0" smtClean="0"/>
+            <a:rPr lang="de-DE" sz="2600" kern="1200" dirty="0" smtClean="0">
+              <a:solidFill>
+                <a:srgbClr val="DBDBDB"/>
+              </a:solidFill>
+            </a:rPr>
             <a:t>5. </a:t>
           </a:r>
           <a:r>
-            <a:rPr lang="de-DE" sz="2600" kern="1200" dirty="0" err="1" smtClean="0"/>
-            <a:t>Sencha</a:t>
+            <a:rPr lang="de-DE" sz="2600" kern="1200" dirty="0" smtClean="0">
+              <a:solidFill>
+                <a:srgbClr val="DBDBDB"/>
+              </a:solidFill>
+            </a:rPr>
+            <a:t>Webseite</a:t>
           </a:r>
-          <a:endParaRPr lang="de-DE" sz="2600" kern="1200" dirty="0"/>
+          <a:endParaRPr lang="de-DE" sz="2600" kern="1200" dirty="0">
+            <a:solidFill>
+              <a:srgbClr val="DBDBDB"/>
+            </a:solidFill>
+          </a:endParaRPr>
         </a:p>
       </dsp:txBody>
       <dsp:txXfrm>
-        <a:off x="5257742" y="2660799"/>
-        <a:ext cx="1570513" cy="484201"/>
+        <a:off x="5189846" y="2660799"/>
+        <a:ext cx="1706304" cy="484201"/>
       </dsp:txXfrm>
     </dsp:sp>
     <dsp:sp modelId="{5CA03A76-AAAF-4ECF-B47B-48432BFB9546}">
@@ -3255,13 +3472,7 @@
         <a:noFill/>
         <a:ln w="25400" cap="flat" cmpd="sng" algn="ctr">
           <a:solidFill>
-            <a:schemeClr val="accent1">
-              <a:shade val="60000"/>
-              <a:hueOff val="0"/>
-              <a:satOff val="0"/>
-              <a:lumOff val="0"/>
-              <a:alphaOff val="0"/>
-            </a:schemeClr>
+            <a:srgbClr val="5F5F5F"/>
           </a:solidFill>
           <a:prstDash val="solid"/>
         </a:ln>
@@ -3294,12 +3505,7 @@
           <a:avLst/>
         </a:prstGeom>
         <a:solidFill>
-          <a:schemeClr val="accent1">
-            <a:hueOff val="0"/>
-            <a:satOff val="0"/>
-            <a:lumOff val="0"/>
-            <a:alphaOff val="0"/>
-          </a:schemeClr>
+          <a:srgbClr val="5F5F5F"/>
         </a:solidFill>
         <a:ln w="25400" cap="flat" cmpd="sng" algn="ctr">
           <a:solidFill>
@@ -3346,10 +3552,18 @@
             </a:spcAft>
           </a:pPr>
           <a:r>
-            <a:rPr lang="de-DE" sz="2700" kern="1200" dirty="0" smtClean="0"/>
+            <a:rPr lang="de-DE" sz="2700" kern="1200" dirty="0" smtClean="0">
+              <a:solidFill>
+                <a:srgbClr val="DBDBDB"/>
+              </a:solidFill>
+            </a:rPr>
             <a:t>2. MySQL</a:t>
           </a:r>
-          <a:endParaRPr lang="de-DE" sz="2700" kern="1200" dirty="0"/>
+          <a:endParaRPr lang="de-DE" sz="2700" kern="1200" dirty="0">
+            <a:solidFill>
+              <a:srgbClr val="DBDBDB"/>
+            </a:solidFill>
+          </a:endParaRPr>
         </a:p>
       </dsp:txBody>
       <dsp:txXfrm>
@@ -3387,13 +3601,7 @@
         <a:noFill/>
         <a:ln w="25400" cap="flat" cmpd="sng" algn="ctr">
           <a:solidFill>
-            <a:schemeClr val="accent1">
-              <a:shade val="60000"/>
-              <a:hueOff val="0"/>
-              <a:satOff val="0"/>
-              <a:lumOff val="0"/>
-              <a:alphaOff val="0"/>
-            </a:schemeClr>
+            <a:srgbClr val="5F5F5F"/>
           </a:solidFill>
           <a:prstDash val="solid"/>
         </a:ln>
@@ -3426,12 +3634,7 @@
           <a:avLst/>
         </a:prstGeom>
         <a:solidFill>
-          <a:schemeClr val="accent1">
-            <a:hueOff val="0"/>
-            <a:satOff val="0"/>
-            <a:lumOff val="0"/>
-            <a:alphaOff val="0"/>
-          </a:schemeClr>
+          <a:srgbClr val="5F5F5F"/>
         </a:solidFill>
         <a:ln w="25400" cap="flat" cmpd="sng" algn="ctr">
           <a:solidFill>
@@ -3478,10 +3681,26 @@
             </a:spcAft>
           </a:pPr>
           <a:r>
-            <a:rPr lang="de-DE" sz="2500" kern="1200" dirty="0" smtClean="0"/>
-            <a:t>4. Website</a:t>
+            <a:rPr lang="de-DE" sz="2500" kern="1200" dirty="0" smtClean="0">
+              <a:solidFill>
+                <a:srgbClr val="DBDBDB"/>
+              </a:solidFill>
+            </a:rPr>
+            <a:t>4. </a:t>
           </a:r>
-          <a:endParaRPr lang="de-DE" sz="2500" kern="1200" dirty="0"/>
+          <a:r>
+            <a:rPr lang="de-DE" sz="2500" kern="1200" dirty="0" err="1" smtClean="0">
+              <a:solidFill>
+                <a:srgbClr val="DBDBDB"/>
+              </a:solidFill>
+            </a:rPr>
+            <a:t>Sencha</a:t>
+          </a:r>
+          <a:endParaRPr lang="de-DE" sz="2500" kern="1200" dirty="0">
+            <a:solidFill>
+              <a:srgbClr val="DBDBDB"/>
+            </a:solidFill>
+          </a:endParaRPr>
         </a:p>
       </dsp:txBody>
       <dsp:txXfrm>
@@ -3531,13 +3750,7 @@
         <a:noFill/>
         <a:ln w="25400" cap="flat" cmpd="sng" algn="ctr">
           <a:solidFill>
-            <a:schemeClr val="accent1">
-              <a:shade val="60000"/>
-              <a:hueOff val="0"/>
-              <a:satOff val="0"/>
-              <a:lumOff val="0"/>
-              <a:alphaOff val="0"/>
-            </a:schemeClr>
+            <a:srgbClr val="5F5F5F"/>
           </a:solidFill>
           <a:prstDash val="solid"/>
         </a:ln>
@@ -3562,9 +3775,9 @@
         <dsp:cNvSpPr/>
       </dsp:nvSpPr>
       <dsp:spPr>
-        <a:xfrm rot="1255321">
-          <a:off x="5135505" y="4075802"/>
-          <a:ext cx="1929879" cy="0"/>
+        <a:xfrm rot="934273">
+          <a:off x="5171374" y="3861934"/>
+          <a:ext cx="1512249" cy="0"/>
         </a:xfrm>
         <a:custGeom>
           <a:avLst/>
@@ -3578,7 +3791,7 @@
                 <a:pt x="0" y="0"/>
               </a:moveTo>
               <a:lnTo>
-                <a:pt x="1929879" y="0"/>
+                <a:pt x="1512249" y="0"/>
               </a:lnTo>
             </a:path>
           </a:pathLst>
@@ -3586,13 +3799,7 @@
         <a:noFill/>
         <a:ln w="25400" cap="flat" cmpd="sng" algn="ctr">
           <a:solidFill>
-            <a:schemeClr val="accent1">
-              <a:shade val="60000"/>
-              <a:hueOff val="0"/>
-              <a:satOff val="0"/>
-              <a:lumOff val="0"/>
-              <a:alphaOff val="0"/>
-            </a:schemeClr>
+            <a:srgbClr val="5F5F5F"/>
           </a:solidFill>
           <a:prstDash val="solid"/>
         </a:ln>
@@ -3617,9 +3824,9 @@
         <dsp:cNvSpPr/>
       </dsp:nvSpPr>
       <dsp:spPr>
-        <a:xfrm rot="16214404">
-          <a:off x="4242435" y="2468233"/>
-          <a:ext cx="527257" cy="0"/>
+        <a:xfrm rot="16230090">
+          <a:off x="4104070" y="2324073"/>
+          <a:ext cx="815603" cy="0"/>
         </a:xfrm>
         <a:custGeom>
           <a:avLst/>
@@ -3633,7 +3840,7 @@
                 <a:pt x="0" y="0"/>
               </a:moveTo>
               <a:lnTo>
-                <a:pt x="527257" y="0"/>
+                <a:pt x="815603" y="0"/>
               </a:lnTo>
             </a:path>
           </a:pathLst>
@@ -3641,13 +3848,7 @@
         <a:noFill/>
         <a:ln w="25400" cap="flat" cmpd="sng" algn="ctr">
           <a:solidFill>
-            <a:schemeClr val="accent1">
-              <a:shade val="60000"/>
-              <a:hueOff val="0"/>
-              <a:satOff val="0"/>
-              <a:lumOff val="0"/>
-              <a:alphaOff val="0"/>
-            </a:schemeClr>
+            <a:srgbClr val="5F5F5F"/>
           </a:solidFill>
           <a:prstDash val="solid"/>
         </a:ln>
@@ -3680,12 +3881,7 @@
           <a:avLst/>
         </a:prstGeom>
         <a:solidFill>
-          <a:schemeClr val="accent1">
-            <a:hueOff val="0"/>
-            <a:satOff val="0"/>
-            <a:lumOff val="0"/>
-            <a:alphaOff val="0"/>
-          </a:schemeClr>
+          <a:srgbClr val="343434"/>
         </a:solidFill>
         <a:ln w="25400" cap="flat" cmpd="sng" algn="ctr">
           <a:solidFill>
@@ -3732,10 +3928,18 @@
             </a:spcAft>
           </a:pPr>
           <a:r>
-            <a:rPr lang="de-DE" sz="2100" kern="1200" dirty="0" smtClean="0"/>
+            <a:rPr lang="de-DE" sz="2100" kern="1200" dirty="0" smtClean="0">
+              <a:solidFill>
+                <a:srgbClr val="75CD00"/>
+              </a:solidFill>
+            </a:rPr>
             <a:t>index.html</a:t>
           </a:r>
-          <a:endParaRPr lang="de-DE" sz="2100" kern="1200" dirty="0"/>
+          <a:endParaRPr lang="de-DE" sz="2100" kern="1200" dirty="0">
+            <a:solidFill>
+              <a:srgbClr val="75CD00"/>
+            </a:solidFill>
+          </a:endParaRPr>
         </a:p>
       </dsp:txBody>
       <dsp:txXfrm>
@@ -3750,19 +3954,14 @@
       </dsp:nvSpPr>
       <dsp:spPr>
         <a:xfrm>
-          <a:off x="4120576" y="1540384"/>
+          <a:off x="4130364" y="1252065"/>
           <a:ext cx="775968" cy="664222"/>
         </a:xfrm>
         <a:prstGeom prst="roundRect">
           <a:avLst/>
         </a:prstGeom>
         <a:solidFill>
-          <a:schemeClr val="accent1">
-            <a:hueOff val="0"/>
-            <a:satOff val="0"/>
-            <a:lumOff val="0"/>
-            <a:alphaOff val="0"/>
-          </a:schemeClr>
+          <a:srgbClr val="343434"/>
         </a:solidFill>
         <a:ln w="25400" cap="flat" cmpd="sng" algn="ctr">
           <a:solidFill>
@@ -3809,14 +4008,22 @@
             </a:spcAft>
           </a:pPr>
           <a:r>
-            <a:rPr lang="de-DE" sz="2000" kern="1200" dirty="0" err="1" smtClean="0"/>
+            <a:rPr lang="de-DE" sz="2000" kern="1200" dirty="0" err="1" smtClean="0">
+              <a:solidFill>
+                <a:srgbClr val="75CD00"/>
+              </a:solidFill>
+            </a:rPr>
             <a:t>js</a:t>
           </a:r>
-          <a:endParaRPr lang="de-DE" sz="2000" kern="1200" dirty="0"/>
+          <a:endParaRPr lang="de-DE" sz="2000" kern="1200" dirty="0">
+            <a:solidFill>
+              <a:srgbClr val="75CD00"/>
+            </a:solidFill>
+          </a:endParaRPr>
         </a:p>
       </dsp:txBody>
       <dsp:txXfrm>
-        <a:off x="4153001" y="1572809"/>
+        <a:off x="4162789" y="1284490"/>
         <a:ext cx="711118" cy="599372"/>
       </dsp:txXfrm>
     </dsp:sp>
@@ -3826,9 +4033,9 @@
         <dsp:cNvSpPr/>
       </dsp:nvSpPr>
       <dsp:spPr>
-        <a:xfrm rot="20702464">
-          <a:off x="4866233" y="1537962"/>
-          <a:ext cx="1788820" cy="0"/>
+        <a:xfrm rot="21146522">
+          <a:off x="4899434" y="1428251"/>
+          <a:ext cx="1588181" cy="0"/>
         </a:xfrm>
         <a:custGeom>
           <a:avLst/>
@@ -3842,7 +4049,7 @@
                 <a:pt x="0" y="0"/>
               </a:moveTo>
               <a:lnTo>
-                <a:pt x="1788820" y="0"/>
+                <a:pt x="1588181" y="0"/>
               </a:lnTo>
             </a:path>
           </a:pathLst>
@@ -3850,13 +4057,7 @@
         <a:noFill/>
         <a:ln w="25400" cap="flat" cmpd="sng" algn="ctr">
           <a:solidFill>
-            <a:schemeClr val="accent1">
-              <a:shade val="80000"/>
-              <a:hueOff val="0"/>
-              <a:satOff val="0"/>
-              <a:lumOff val="0"/>
-              <a:alphaOff val="0"/>
-            </a:schemeClr>
+            <a:srgbClr val="5F5F5F"/>
           </a:solidFill>
           <a:prstDash val="solid"/>
         </a:ln>
@@ -3881,20 +4082,15 @@
         <dsp:cNvSpPr/>
       </dsp:nvSpPr>
       <dsp:spPr>
-        <a:xfrm rot="10800000" flipH="1" flipV="1">
-          <a:off x="6624743" y="190244"/>
+        <a:xfrm rot="10800000" flipV="1">
+          <a:off x="6480717" y="325501"/>
           <a:ext cx="1762727" cy="1762727"/>
         </a:xfrm>
         <a:prstGeom prst="roundRect">
           <a:avLst/>
         </a:prstGeom>
         <a:solidFill>
-          <a:schemeClr val="accent1">
-            <a:hueOff val="0"/>
-            <a:satOff val="0"/>
-            <a:lumOff val="0"/>
-            <a:alphaOff val="0"/>
-          </a:schemeClr>
+          <a:srgbClr val="343434"/>
         </a:solidFill>
         <a:ln w="25400" cap="flat" cmpd="sng" algn="ctr">
           <a:solidFill>
@@ -3941,14 +4137,26 @@
             </a:spcAft>
           </a:pPr>
           <a:r>
-            <a:rPr lang="de-DE" sz="1800" kern="1200" dirty="0" err="1" smtClean="0"/>
+            <a:rPr lang="de-DE" sz="1800" kern="1200" dirty="0" err="1" smtClean="0">
+              <a:solidFill>
+                <a:srgbClr val="75CD00"/>
+              </a:solidFill>
+            </a:rPr>
             <a:t>application</a:t>
           </a:r>
           <a:r>
-            <a:rPr lang="de-DE" sz="1800" kern="1200" dirty="0" smtClean="0"/>
+            <a:rPr lang="de-DE" sz="1800" kern="1200" dirty="0" smtClean="0">
+              <a:solidFill>
+                <a:srgbClr val="75CD00"/>
+              </a:solidFill>
+            </a:rPr>
             <a:t> </a:t>
           </a:r>
-          <a:endParaRPr lang="de-DE" sz="1800" kern="1200" dirty="0"/>
+          <a:endParaRPr lang="de-DE" sz="1800" kern="1200" dirty="0">
+            <a:solidFill>
+              <a:srgbClr val="75CD00"/>
+            </a:solidFill>
+          </a:endParaRPr>
         </a:p>
         <a:p>
           <a:pPr marL="114300" lvl="1" indent="-114300" algn="l" defTabSz="622300">
@@ -3964,10 +4172,18 @@
             <a:buChar char="••"/>
           </a:pPr>
           <a:r>
-            <a:rPr lang="de-DE" sz="1400" kern="1200" dirty="0" err="1" smtClean="0"/>
+            <a:rPr lang="de-DE" sz="1400" kern="1200" dirty="0" err="1" smtClean="0">
+              <a:solidFill>
+                <a:srgbClr val="DBDBDB"/>
+              </a:solidFill>
+            </a:rPr>
             <a:t>event.menubar</a:t>
           </a:r>
-          <a:endParaRPr lang="de-DE" sz="1400" kern="1200" dirty="0"/>
+          <a:endParaRPr lang="de-DE" sz="1400" kern="1200" dirty="0">
+            <a:solidFill>
+              <a:srgbClr val="DBDBDB"/>
+            </a:solidFill>
+          </a:endParaRPr>
         </a:p>
         <a:p>
           <a:pPr marL="114300" lvl="1" indent="-114300" algn="l" defTabSz="622300">
@@ -3983,10 +4199,18 @@
             <a:buChar char="••"/>
           </a:pPr>
           <a:r>
-            <a:rPr lang="de-DE" sz="1400" kern="1200" dirty="0" err="1" smtClean="0"/>
+            <a:rPr lang="de-DE" sz="1400" kern="1200" dirty="0" err="1" smtClean="0">
+              <a:solidFill>
+                <a:srgbClr val="DBDBDB"/>
+              </a:solidFill>
+            </a:rPr>
             <a:t>event.menusearch</a:t>
           </a:r>
-          <a:endParaRPr lang="de-DE" sz="1400" kern="1200" dirty="0"/>
+          <a:endParaRPr lang="de-DE" sz="1400" kern="1200" dirty="0">
+            <a:solidFill>
+              <a:srgbClr val="DBDBDB"/>
+            </a:solidFill>
+          </a:endParaRPr>
         </a:p>
         <a:p>
           <a:pPr marL="114300" lvl="1" indent="-114300" algn="l" defTabSz="622300">
@@ -4002,10 +4226,18 @@
             <a:buChar char="••"/>
           </a:pPr>
           <a:r>
-            <a:rPr lang="de-DE" sz="1400" kern="1200" dirty="0" err="1" smtClean="0"/>
+            <a:rPr lang="de-DE" sz="1400" kern="1200" dirty="0" err="1" smtClean="0">
+              <a:solidFill>
+                <a:srgbClr val="DBDBDB"/>
+              </a:solidFill>
+            </a:rPr>
             <a:t>event.eventlist</a:t>
           </a:r>
-          <a:endParaRPr lang="de-DE" sz="1400" kern="1200" dirty="0"/>
+          <a:endParaRPr lang="de-DE" sz="1400" kern="1200" dirty="0">
+            <a:solidFill>
+              <a:srgbClr val="DBDBDB"/>
+            </a:solidFill>
+          </a:endParaRPr>
         </a:p>
         <a:p>
           <a:pPr marL="114300" lvl="1" indent="-114300" algn="l" defTabSz="622300">
@@ -4021,10 +4253,18 @@
             <a:buChar char="••"/>
           </a:pPr>
           <a:r>
-            <a:rPr lang="de-DE" sz="1400" kern="1200" dirty="0" err="1" smtClean="0"/>
+            <a:rPr lang="de-DE" sz="1400" kern="1200" dirty="0" err="1" smtClean="0">
+              <a:solidFill>
+                <a:srgbClr val="DBDBDB"/>
+              </a:solidFill>
+            </a:rPr>
             <a:t>event.eventcreate</a:t>
           </a:r>
-          <a:endParaRPr lang="de-DE" sz="1400" kern="1200" dirty="0"/>
+          <a:endParaRPr lang="de-DE" sz="1400" kern="1200" dirty="0">
+            <a:solidFill>
+              <a:srgbClr val="DBDBDB"/>
+            </a:solidFill>
+          </a:endParaRPr>
         </a:p>
         <a:p>
           <a:pPr marL="228600" lvl="2" indent="-114300" algn="l" defTabSz="622300">
@@ -4040,90 +4280,22 @@
             <a:buChar char="••"/>
           </a:pPr>
           <a:r>
-            <a:rPr lang="de-DE" sz="1400" kern="1200" dirty="0" err="1" smtClean="0"/>
+            <a:rPr lang="de-DE" sz="1400" kern="1200" dirty="0" err="1" smtClean="0">
+              <a:solidFill>
+                <a:srgbClr val="DBDBDB"/>
+              </a:solidFill>
+            </a:rPr>
             <a:t>event.eventvalidation</a:t>
           </a:r>
-          <a:endParaRPr lang="de-DE" sz="1400" kern="1200" dirty="0"/>
-        </a:p>
-        <a:p>
-          <a:pPr marL="228600" lvl="2" indent="-114300" algn="l" defTabSz="622300">
-            <a:lnSpc>
-              <a:spcPct val="90000"/>
-            </a:lnSpc>
-            <a:spcBef>
-              <a:spcPct val="0"/>
-            </a:spcBef>
-            <a:spcAft>
-              <a:spcPct val="15000"/>
-            </a:spcAft>
-            <a:buChar char="••"/>
-          </a:pPr>
-          <a:r>
-            <a:rPr lang="de-DE" sz="1400" kern="1200" dirty="0" err="1" smtClean="0"/>
-            <a:t>event.errordialog</a:t>
-          </a:r>
-          <a:endParaRPr lang="de-DE" sz="1400" kern="1200" dirty="0"/>
-        </a:p>
-        <a:p>
-          <a:pPr marL="228600" lvl="2" indent="-114300" algn="l" defTabSz="622300">
-            <a:lnSpc>
-              <a:spcPct val="90000"/>
-            </a:lnSpc>
-            <a:spcBef>
-              <a:spcPct val="0"/>
-            </a:spcBef>
-            <a:spcAft>
-              <a:spcPct val="15000"/>
-            </a:spcAft>
-            <a:buChar char="••"/>
-          </a:pPr>
-          <a:r>
-            <a:rPr lang="de-DE" sz="1400" kern="1200" dirty="0" err="1" smtClean="0"/>
-            <a:t>event.savedialog</a:t>
-          </a:r>
-          <a:endParaRPr lang="de-DE" sz="1400" kern="1200" dirty="0"/>
-        </a:p>
-        <a:p>
-          <a:pPr marL="228600" lvl="2" indent="-114300" algn="l" defTabSz="622300">
-            <a:lnSpc>
-              <a:spcPct val="90000"/>
-            </a:lnSpc>
-            <a:spcBef>
-              <a:spcPct val="0"/>
-            </a:spcBef>
-            <a:spcAft>
-              <a:spcPct val="15000"/>
-            </a:spcAft>
-            <a:buChar char="••"/>
-          </a:pPr>
-          <a:r>
-            <a:rPr lang="de-DE" sz="1400" kern="1200" dirty="0" err="1" smtClean="0"/>
-            <a:t>event.deletedialog</a:t>
-          </a:r>
-          <a:endParaRPr lang="de-DE" sz="1400" kern="1200" dirty="0"/>
-        </a:p>
-        <a:p>
-          <a:pPr marL="228600" lvl="2" indent="-114300" algn="l" defTabSz="622300">
-            <a:lnSpc>
-              <a:spcPct val="90000"/>
-            </a:lnSpc>
-            <a:spcBef>
-              <a:spcPct val="0"/>
-            </a:spcBef>
-            <a:spcAft>
-              <a:spcPct val="15000"/>
-            </a:spcAft>
-            <a:buChar char="••"/>
-          </a:pPr>
-          <a:r>
-            <a:rPr lang="de-DE" sz="1400" kern="1200" dirty="0" err="1" smtClean="0"/>
-            <a:t>event.cancedialog</a:t>
-          </a:r>
-          <a:endParaRPr lang="de-DE" sz="1400" kern="1200" dirty="0"/>
+          <a:endParaRPr lang="de-DE" sz="1400" kern="1200" dirty="0">
+            <a:solidFill>
+              <a:srgbClr val="DBDBDB"/>
+            </a:solidFill>
+          </a:endParaRPr>
         </a:p>
       </dsp:txBody>
       <dsp:txXfrm rot="-10800000">
-        <a:off x="6710792" y="276293"/>
+        <a:off x="6566766" y="411550"/>
         <a:ext cx="1590629" cy="1590629"/>
       </dsp:txXfrm>
     </dsp:sp>
@@ -4133,9 +4305,9 @@
         <dsp:cNvSpPr/>
       </dsp:nvSpPr>
       <dsp:spPr>
-        <a:xfrm rot="11582737">
-          <a:off x="2534084" y="1601199"/>
-          <a:ext cx="1607232" cy="0"/>
+        <a:xfrm rot="11212235">
+          <a:off x="2549128" y="1442506"/>
+          <a:ext cx="1586934" cy="0"/>
         </a:xfrm>
         <a:custGeom>
           <a:avLst/>
@@ -4149,7 +4321,7 @@
                 <a:pt x="0" y="0"/>
               </a:moveTo>
               <a:lnTo>
-                <a:pt x="1607232" y="0"/>
+                <a:pt x="1586934" y="0"/>
               </a:lnTo>
             </a:path>
           </a:pathLst>
@@ -4157,13 +4329,7 @@
         <a:noFill/>
         <a:ln w="25400" cap="flat" cmpd="sng" algn="ctr">
           <a:solidFill>
-            <a:schemeClr val="accent1">
-              <a:shade val="80000"/>
-              <a:hueOff val="0"/>
-              <a:satOff val="0"/>
-              <a:lumOff val="0"/>
-              <a:alphaOff val="0"/>
-            </a:schemeClr>
+            <a:srgbClr val="5F5F5F"/>
           </a:solidFill>
           <a:prstDash val="solid"/>
         </a:ln>
@@ -4189,19 +4355,14 @@
       </dsp:nvSpPr>
       <dsp:spPr>
         <a:xfrm>
-          <a:off x="792098" y="334220"/>
+          <a:off x="792099" y="360025"/>
           <a:ext cx="1762727" cy="1762727"/>
         </a:xfrm>
         <a:prstGeom prst="roundRect">
           <a:avLst/>
         </a:prstGeom>
         <a:solidFill>
-          <a:schemeClr val="accent1">
-            <a:hueOff val="0"/>
-            <a:satOff val="0"/>
-            <a:lumOff val="0"/>
-            <a:alphaOff val="0"/>
-          </a:schemeClr>
+          <a:srgbClr val="343434"/>
         </a:solidFill>
         <a:ln w="25400" cap="flat" cmpd="sng" algn="ctr">
           <a:solidFill>
@@ -4248,10 +4409,18 @@
             </a:spcAft>
           </a:pPr>
           <a:r>
-            <a:rPr lang="de-DE" sz="1800" kern="1200" dirty="0" err="1" smtClean="0"/>
+            <a:rPr lang="de-DE" sz="1800" kern="1200" dirty="0" err="1" smtClean="0">
+              <a:solidFill>
+                <a:srgbClr val="75CD00"/>
+              </a:solidFill>
+            </a:rPr>
             <a:t>Jquery</a:t>
           </a:r>
-          <a:endParaRPr lang="de-DE" sz="1800" kern="1200" dirty="0"/>
+          <a:endParaRPr lang="de-DE" sz="1800" kern="1200" dirty="0">
+            <a:solidFill>
+              <a:srgbClr val="75CD00"/>
+            </a:solidFill>
+          </a:endParaRPr>
         </a:p>
         <a:p>
           <a:pPr marL="114300" lvl="1" indent="-114300" algn="l" defTabSz="622300">
@@ -4267,10 +4436,18 @@
             <a:buChar char="••"/>
           </a:pPr>
           <a:r>
-            <a:rPr lang="de-DE" sz="1400" kern="1200" dirty="0" err="1" smtClean="0"/>
+            <a:rPr lang="de-DE" sz="1400" kern="1200" dirty="0" err="1" smtClean="0">
+              <a:solidFill>
+                <a:srgbClr val="DBDBDB"/>
+              </a:solidFill>
+            </a:rPr>
             <a:t>jquery.blockUI</a:t>
           </a:r>
-          <a:endParaRPr lang="de-DE" sz="1400" kern="1200" dirty="0"/>
+          <a:endParaRPr lang="de-DE" sz="1400" kern="1200" dirty="0">
+            <a:solidFill>
+              <a:srgbClr val="DBDBDB"/>
+            </a:solidFill>
+          </a:endParaRPr>
         </a:p>
         <a:p>
           <a:pPr marL="114300" lvl="1" indent="-114300" algn="l" defTabSz="622300">
@@ -4286,10 +4463,18 @@
             <a:buChar char="••"/>
           </a:pPr>
           <a:r>
-            <a:rPr lang="de-DE" sz="1400" kern="1200" dirty="0" smtClean="0"/>
+            <a:rPr lang="de-DE" sz="1400" kern="1200" dirty="0" smtClean="0">
+              <a:solidFill>
+                <a:srgbClr val="DBDBDB"/>
+              </a:solidFill>
+            </a:rPr>
             <a:t>jquery-1.10.2</a:t>
           </a:r>
-          <a:endParaRPr lang="de-DE" sz="1400" kern="1200" dirty="0"/>
+          <a:endParaRPr lang="de-DE" sz="1400" kern="1200" dirty="0">
+            <a:solidFill>
+              <a:srgbClr val="DBDBDB"/>
+            </a:solidFill>
+          </a:endParaRPr>
         </a:p>
         <a:p>
           <a:pPr marL="114300" lvl="1" indent="-114300" algn="l" defTabSz="622300">
@@ -4305,14 +4490,22 @@
             <a:buChar char="••"/>
           </a:pPr>
           <a:r>
-            <a:rPr lang="de-DE" sz="1400" kern="1200" dirty="0" smtClean="0"/>
+            <a:rPr lang="de-DE" sz="1400" kern="1200" dirty="0" smtClean="0">
+              <a:solidFill>
+                <a:srgbClr val="DBDBDB"/>
+              </a:solidFill>
+            </a:rPr>
             <a:t>jquery-ui-1.10.4.custom</a:t>
           </a:r>
-          <a:endParaRPr lang="de-DE" sz="1400" kern="1200" dirty="0"/>
+          <a:endParaRPr lang="de-DE" sz="1400" kern="1200" dirty="0">
+            <a:solidFill>
+              <a:srgbClr val="DBDBDB"/>
+            </a:solidFill>
+          </a:endParaRPr>
         </a:p>
       </dsp:txBody>
       <dsp:txXfrm>
-        <a:off x="878147" y="420269"/>
+        <a:off x="878148" y="446074"/>
         <a:ext cx="1590629" cy="1590629"/>
       </dsp:txXfrm>
     </dsp:sp>
@@ -4323,19 +4516,14 @@
       </dsp:nvSpPr>
       <dsp:spPr>
         <a:xfrm>
-          <a:off x="7001764" y="4207600"/>
+          <a:off x="6655872" y="3816426"/>
           <a:ext cx="688943" cy="688943"/>
         </a:xfrm>
         <a:prstGeom prst="roundRect">
           <a:avLst/>
         </a:prstGeom>
         <a:solidFill>
-          <a:schemeClr val="accent1">
-            <a:hueOff val="0"/>
-            <a:satOff val="0"/>
-            <a:lumOff val="0"/>
-            <a:alphaOff val="0"/>
-          </a:schemeClr>
+          <a:srgbClr val="343434"/>
         </a:solidFill>
         <a:ln w="25400" cap="flat" cmpd="sng" algn="ctr">
           <a:solidFill>
@@ -4382,14 +4570,22 @@
             </a:spcAft>
           </a:pPr>
           <a:r>
-            <a:rPr lang="de-DE" sz="2000" kern="1200" dirty="0" err="1" smtClean="0"/>
+            <a:rPr lang="de-DE" sz="2000" kern="1200" dirty="0" err="1" smtClean="0">
+              <a:solidFill>
+                <a:srgbClr val="75CD00"/>
+              </a:solidFill>
+            </a:rPr>
             <a:t>img</a:t>
           </a:r>
-          <a:endParaRPr lang="de-DE" sz="2000" kern="1200" dirty="0"/>
+          <a:endParaRPr lang="de-DE" sz="2000" kern="1200" dirty="0">
+            <a:solidFill>
+              <a:srgbClr val="75CD00"/>
+            </a:solidFill>
+          </a:endParaRPr>
         </a:p>
       </dsp:txBody>
       <dsp:txXfrm>
-        <a:off x="7035395" y="4241231"/>
+        <a:off x="6689503" y="3850057"/>
         <a:ext cx="621681" cy="621681"/>
       </dsp:txXfrm>
     </dsp:sp>
@@ -4407,12 +4603,7 @@
           <a:avLst/>
         </a:prstGeom>
         <a:solidFill>
-          <a:schemeClr val="accent1">
-            <a:hueOff val="0"/>
-            <a:satOff val="0"/>
-            <a:lumOff val="0"/>
-            <a:alphaOff val="0"/>
-          </a:schemeClr>
+          <a:srgbClr val="343434"/>
         </a:solidFill>
         <a:ln w="25400" cap="flat" cmpd="sng" algn="ctr">
           <a:solidFill>
@@ -4459,10 +4650,18 @@
             </a:spcAft>
           </a:pPr>
           <a:r>
-            <a:rPr lang="de-DE" sz="2000" kern="1200" dirty="0" err="1" smtClean="0"/>
+            <a:rPr lang="de-DE" sz="2000" kern="1200" dirty="0" err="1" smtClean="0">
+              <a:solidFill>
+                <a:srgbClr val="75CD00"/>
+              </a:solidFill>
+            </a:rPr>
             <a:t>css</a:t>
           </a:r>
-          <a:endParaRPr lang="de-DE" sz="2000" kern="1200" dirty="0"/>
+          <a:endParaRPr lang="de-DE" sz="2000" kern="1200" dirty="0">
+            <a:solidFill>
+              <a:srgbClr val="75CD00"/>
+            </a:solidFill>
+          </a:endParaRPr>
         </a:p>
       </dsp:txBody>
       <dsp:txXfrm>
@@ -4500,13 +4699,7 @@
         <a:noFill/>
         <a:ln w="25400" cap="flat" cmpd="sng" algn="ctr">
           <a:solidFill>
-            <a:schemeClr val="accent1">
-              <a:shade val="80000"/>
-              <a:hueOff val="0"/>
-              <a:satOff val="0"/>
-              <a:lumOff val="0"/>
-              <a:alphaOff val="0"/>
-            </a:schemeClr>
+            <a:srgbClr val="5F5F5F"/>
           </a:solidFill>
           <a:prstDash val="solid"/>
         </a:ln>
@@ -4539,12 +4732,7 @@
           <a:avLst/>
         </a:prstGeom>
         <a:solidFill>
-          <a:schemeClr val="accent1">
-            <a:hueOff val="0"/>
-            <a:satOff val="0"/>
-            <a:lumOff val="0"/>
-            <a:alphaOff val="0"/>
-          </a:schemeClr>
+          <a:srgbClr val="343434"/>
         </a:solidFill>
         <a:ln w="25400" cap="flat" cmpd="sng" algn="ctr">
           <a:solidFill>
@@ -4591,10 +4779,18 @@
             </a:spcAft>
           </a:pPr>
           <a:r>
-            <a:rPr lang="de-DE" sz="1400" kern="1200" dirty="0" smtClean="0"/>
+            <a:rPr lang="de-DE" sz="1400" kern="1200" dirty="0" smtClean="0">
+              <a:solidFill>
+                <a:srgbClr val="DBDBDB"/>
+              </a:solidFill>
+            </a:rPr>
             <a:t>desktop2.css</a:t>
           </a:r>
-          <a:endParaRPr lang="de-DE" sz="1400" kern="1200" dirty="0"/>
+          <a:endParaRPr lang="de-DE" sz="1400" kern="1200" dirty="0">
+            <a:solidFill>
+              <a:srgbClr val="DBDBDB"/>
+            </a:solidFill>
+          </a:endParaRPr>
         </a:p>
       </dsp:txBody>
       <dsp:txXfrm>
@@ -4632,13 +4828,7 @@
         <a:noFill/>
         <a:ln w="25400" cap="flat" cmpd="sng" algn="ctr">
           <a:solidFill>
-            <a:schemeClr val="accent1">
-              <a:shade val="80000"/>
-              <a:hueOff val="0"/>
-              <a:satOff val="0"/>
-              <a:lumOff val="0"/>
-              <a:alphaOff val="0"/>
-            </a:schemeClr>
+            <a:srgbClr val="5F5F5F"/>
           </a:solidFill>
           <a:prstDash val="solid"/>
         </a:ln>
@@ -4671,12 +4861,7 @@
           <a:avLst/>
         </a:prstGeom>
         <a:solidFill>
-          <a:schemeClr val="accent1">
-            <a:hueOff val="0"/>
-            <a:satOff val="0"/>
-            <a:lumOff val="0"/>
-            <a:alphaOff val="0"/>
-          </a:schemeClr>
+          <a:srgbClr val="343434"/>
         </a:solidFill>
         <a:ln w="25400" cap="flat" cmpd="sng" algn="ctr">
           <a:solidFill>
@@ -4723,10 +4908,18 @@
             </a:spcAft>
           </a:pPr>
           <a:r>
-            <a:rPr lang="de-DE" sz="1400" kern="1200" dirty="0" smtClean="0"/>
+            <a:rPr lang="de-DE" sz="1400" kern="1200" dirty="0" smtClean="0">
+              <a:solidFill>
+                <a:srgbClr val="DBDBDB"/>
+              </a:solidFill>
+            </a:rPr>
             <a:t>jquery-ui-1.10.4.custom</a:t>
           </a:r>
-          <a:endParaRPr lang="de-DE" sz="1400" kern="1200" dirty="0"/>
+          <a:endParaRPr lang="de-DE" sz="1400" kern="1200" dirty="0">
+            <a:solidFill>
+              <a:srgbClr val="DBDBDB"/>
+            </a:solidFill>
+          </a:endParaRPr>
         </a:p>
       </dsp:txBody>
       <dsp:txXfrm>
@@ -13964,18 +14157,10 @@
             </a:r>
             <a:r>
               <a:rPr lang="de-DE"/>
-              <a:t>:</a:t>
-            </a:r>
-            <a:r>
-              <a:rPr lang="de-DE"/>
-              <a:t> </a:t>
+              <a:t>:  </a:t>
             </a:r>
             <a:r>
               <a:rPr lang="de-DE" smtClean="0"/>
-              <a:t> </a:t>
-            </a:r>
-            <a:r>
-              <a:rPr lang="de-DE"/>
               <a:t>launch</a:t>
             </a:r>
             <a:r>
@@ -14096,7 +14281,6 @@
               <a:rPr lang="de-DE"/>
               <a:t>https://www.websequencediagrams.com</a:t>
             </a:r>
-            <a:endParaRPr lang="de-DE"/>
           </a:p>
         </p:txBody>
       </p:sp>
@@ -14132,7 +14316,7 @@
     </p:spTree>
     <p:extLst>
       <p:ext uri="{BB962C8B-B14F-4D97-AF65-F5344CB8AC3E}">
-        <p14:creationId xmlns:p14="http://schemas.microsoft.com/office/powerpoint/2010/main" val="162027546"/>
+        <p14:creationId xmlns:p14="http://schemas.microsoft.com/office/powerpoint/2010/main" val="589575035"/>
       </p:ext>
     </p:extLst>
   </p:cSld>
@@ -14435,10 +14619,22 @@
         </p:txBody>
       </p:sp>
     </p:spTree>
+    <p:extLst>
+      <p:ext uri="{BB962C8B-B14F-4D97-AF65-F5344CB8AC3E}">
+        <p14:creationId xmlns:p14="http://schemas.microsoft.com/office/powerpoint/2010/main" val="683291037"/>
+      </p:ext>
+    </p:extLst>
   </p:cSld>
   <p:clrMapOvr>
     <a:masterClrMapping/>
   </p:clrMapOvr>
+  <p:timing>
+    <p:tnLst>
+      <p:par>
+        <p:cTn id="1" dur="indefinite" restart="never" nodeType="tmRoot"/>
+      </p:par>
+    </p:tnLst>
+  </p:timing>
 </p:sldLayout>
 </file>
 
@@ -14471,8 +14667,8 @@
         </p:nvSpPr>
         <p:spPr>
           <a:xfrm>
-            <a:off x="457200" y="274638"/>
-            <a:ext cx="8229600" cy="1143000"/>
+            <a:off x="1043608" y="44624"/>
+            <a:ext cx="7643192" cy="1143000"/>
           </a:xfrm>
           <a:prstGeom prst="rect">
             <a:avLst/>
@@ -14480,13 +14676,23 @@
         </p:spPr>
         <p:txBody>
           <a:bodyPr/>
-          <a:lstStyle/>
+          <a:lstStyle>
+            <a:lvl1pPr>
+              <a:defRPr>
+                <a:solidFill>
+                  <a:srgbClr val="DBDBDB"/>
+                </a:solidFill>
+                <a:latin typeface="Arial" panose="020B0604020202020204" pitchFamily="34" charset="0"/>
+                <a:cs typeface="Arial" panose="020B0604020202020204" pitchFamily="34" charset="0"/>
+              </a:defRPr>
+            </a:lvl1pPr>
+          </a:lstStyle>
           <a:p>
             <a:r>
-              <a:rPr lang="de-DE" smtClean="0"/>
+              <a:rPr lang="de-DE" dirty="0" smtClean="0"/>
               <a:t>Titelmasterformat durch Klicken bearbeiten</a:t>
             </a:r>
-            <a:endParaRPr lang="de-DE"/>
+            <a:endParaRPr lang="de-DE" dirty="0"/>
           </a:p>
         </p:txBody>
       </p:sp>
@@ -14511,50 +14717,93 @@
         </p:spPr>
         <p:txBody>
           <a:bodyPr vert="eaVert"/>
-          <a:lstStyle/>
+          <a:lstStyle>
+            <a:lvl1pPr>
+              <a:defRPr>
+                <a:latin typeface="Arial" panose="020B0604020202020204" pitchFamily="34" charset="0"/>
+                <a:cs typeface="Arial" panose="020B0604020202020204" pitchFamily="34" charset="0"/>
+              </a:defRPr>
+            </a:lvl1pPr>
+            <a:lvl2pPr>
+              <a:defRPr>
+                <a:latin typeface="Arial" panose="020B0604020202020204" pitchFamily="34" charset="0"/>
+                <a:cs typeface="Arial" panose="020B0604020202020204" pitchFamily="34" charset="0"/>
+              </a:defRPr>
+            </a:lvl2pPr>
+            <a:lvl3pPr>
+              <a:defRPr>
+                <a:latin typeface="Arial" panose="020B0604020202020204" pitchFamily="34" charset="0"/>
+                <a:cs typeface="Arial" panose="020B0604020202020204" pitchFamily="34" charset="0"/>
+              </a:defRPr>
+            </a:lvl3pPr>
+            <a:lvl4pPr>
+              <a:defRPr>
+                <a:latin typeface="Arial" panose="020B0604020202020204" pitchFamily="34" charset="0"/>
+                <a:cs typeface="Arial" panose="020B0604020202020204" pitchFamily="34" charset="0"/>
+              </a:defRPr>
+            </a:lvl4pPr>
+            <a:lvl5pPr>
+              <a:defRPr>
+                <a:latin typeface="Arial" panose="020B0604020202020204" pitchFamily="34" charset="0"/>
+                <a:cs typeface="Arial" panose="020B0604020202020204" pitchFamily="34" charset="0"/>
+              </a:defRPr>
+            </a:lvl5pPr>
+          </a:lstStyle>
           <a:p>
             <a:pPr lvl="0"/>
             <a:r>
-              <a:rPr lang="de-DE" smtClean="0"/>
+              <a:rPr lang="de-DE" dirty="0" smtClean="0"/>
               <a:t>Textmasterformate durch Klicken bearbeiten</a:t>
             </a:r>
           </a:p>
           <a:p>
             <a:pPr lvl="1"/>
             <a:r>
-              <a:rPr lang="de-DE" smtClean="0"/>
+              <a:rPr lang="de-DE" dirty="0" smtClean="0"/>
               <a:t>Zweite Ebene</a:t>
             </a:r>
           </a:p>
           <a:p>
             <a:pPr lvl="2"/>
             <a:r>
-              <a:rPr lang="de-DE" smtClean="0"/>
+              <a:rPr lang="de-DE" dirty="0" smtClean="0"/>
               <a:t>Dritte Ebene</a:t>
             </a:r>
           </a:p>
           <a:p>
             <a:pPr lvl="3"/>
             <a:r>
-              <a:rPr lang="de-DE" smtClean="0"/>
+              <a:rPr lang="de-DE" dirty="0" smtClean="0"/>
               <a:t>Vierte Ebene</a:t>
             </a:r>
           </a:p>
           <a:p>
             <a:pPr lvl="4"/>
             <a:r>
-              <a:rPr lang="de-DE" smtClean="0"/>
+              <a:rPr lang="de-DE" dirty="0" smtClean="0"/>
               <a:t>Fünfte Ebene</a:t>
             </a:r>
-            <a:endParaRPr lang="de-DE"/>
+            <a:endParaRPr lang="de-DE" dirty="0"/>
           </a:p>
         </p:txBody>
       </p:sp>
     </p:spTree>
+    <p:extLst>
+      <p:ext uri="{BB962C8B-B14F-4D97-AF65-F5344CB8AC3E}">
+        <p14:creationId xmlns:p14="http://schemas.microsoft.com/office/powerpoint/2010/main" val="3868510094"/>
+      </p:ext>
+    </p:extLst>
   </p:cSld>
   <p:clrMapOvr>
     <a:masterClrMapping/>
   </p:clrMapOvr>
+  <p:timing>
+    <p:tnLst>
+      <p:par>
+        <p:cTn id="1" dur="indefinite" restart="never" nodeType="tmRoot"/>
+      </p:par>
+    </p:tnLst>
+  </p:timing>
 </p:sldLayout>
 </file>
 
@@ -14667,10 +14916,22 @@
         </p:txBody>
       </p:sp>
     </p:spTree>
+    <p:extLst>
+      <p:ext uri="{BB962C8B-B14F-4D97-AF65-F5344CB8AC3E}">
+        <p14:creationId xmlns:p14="http://schemas.microsoft.com/office/powerpoint/2010/main" val="629409097"/>
+      </p:ext>
+    </p:extLst>
   </p:cSld>
   <p:clrMapOvr>
     <a:masterClrMapping/>
   </p:clrMapOvr>
+  <p:timing>
+    <p:tnLst>
+      <p:par>
+        <p:cTn id="1" dur="indefinite" restart="never" nodeType="tmRoot"/>
+      </p:par>
+    </p:tnLst>
+  </p:timing>
 </p:sldLayout>
 </file>
 
@@ -14692,10 +14953,22 @@
         </a:xfrm>
       </p:grpSpPr>
     </p:spTree>
+    <p:extLst>
+      <p:ext uri="{BB962C8B-B14F-4D97-AF65-F5344CB8AC3E}">
+        <p14:creationId xmlns:p14="http://schemas.microsoft.com/office/powerpoint/2010/main" val="666526442"/>
+      </p:ext>
+    </p:extLst>
   </p:cSld>
   <p:clrMapOvr>
     <a:masterClrMapping/>
   </p:clrMapOvr>
+  <p:timing>
+    <p:tnLst>
+      <p:par>
+        <p:cTn id="1" dur="indefinite" restart="never" nodeType="tmRoot"/>
+      </p:par>
+    </p:tnLst>
+  </p:timing>
 </p:sldLayout>
 </file>
 
@@ -14820,10 +15093,22 @@
         </p:txBody>
       </p:sp>
     </p:spTree>
+    <p:extLst>
+      <p:ext uri="{BB962C8B-B14F-4D97-AF65-F5344CB8AC3E}">
+        <p14:creationId xmlns:p14="http://schemas.microsoft.com/office/powerpoint/2010/main" val="664724511"/>
+      </p:ext>
+    </p:extLst>
   </p:cSld>
   <p:clrMapOvr>
     <a:masterClrMapping/>
   </p:clrMapOvr>
+  <p:timing>
+    <p:tnLst>
+      <p:par>
+        <p:cTn id="1" dur="indefinite" restart="never" nodeType="tmRoot"/>
+      </p:par>
+    </p:tnLst>
+  </p:timing>
 </p:sldLayout>
 </file>
 
@@ -14856,8 +15141,8 @@
         </p:nvSpPr>
         <p:spPr>
           <a:xfrm>
-            <a:off x="457200" y="274638"/>
-            <a:ext cx="8229600" cy="1143000"/>
+            <a:off x="971600" y="44624"/>
+            <a:ext cx="7715200" cy="1143000"/>
           </a:xfrm>
           <a:prstGeom prst="rect">
             <a:avLst/>
@@ -14865,13 +15150,23 @@
         </p:spPr>
         <p:txBody>
           <a:bodyPr/>
-          <a:lstStyle/>
+          <a:lstStyle>
+            <a:lvl1pPr>
+              <a:defRPr>
+                <a:solidFill>
+                  <a:srgbClr val="DBDBDB"/>
+                </a:solidFill>
+                <a:latin typeface="Arial" panose="020B0604020202020204" pitchFamily="34" charset="0"/>
+                <a:cs typeface="Arial" panose="020B0604020202020204" pitchFamily="34" charset="0"/>
+              </a:defRPr>
+            </a:lvl1pPr>
+          </a:lstStyle>
           <a:p>
             <a:r>
-              <a:rPr lang="de-DE" smtClean="0"/>
+              <a:rPr lang="de-DE" dirty="0" smtClean="0"/>
               <a:t>Titelmasterformat durch Klicken bearbeiten</a:t>
             </a:r>
-            <a:endParaRPr lang="de-DE"/>
+            <a:endParaRPr lang="de-DE" dirty="0"/>
           </a:p>
         </p:txBody>
       </p:sp>
@@ -15052,10 +15347,22 @@
         </p:txBody>
       </p:sp>
     </p:spTree>
+    <p:extLst>
+      <p:ext uri="{BB962C8B-B14F-4D97-AF65-F5344CB8AC3E}">
+        <p14:creationId xmlns:p14="http://schemas.microsoft.com/office/powerpoint/2010/main" val="3160357657"/>
+      </p:ext>
+    </p:extLst>
   </p:cSld>
   <p:clrMapOvr>
     <a:masterClrMapping/>
   </p:clrMapOvr>
+  <p:timing>
+    <p:tnLst>
+      <p:par>
+        <p:cTn id="1" dur="indefinite" restart="never" nodeType="tmRoot"/>
+      </p:par>
+    </p:tnLst>
+  </p:timing>
 </p:sldLayout>
 </file>
 
@@ -15088,8 +15395,8 @@
         </p:nvSpPr>
         <p:spPr>
           <a:xfrm>
-            <a:off x="457200" y="274638"/>
-            <a:ext cx="8229600" cy="1143000"/>
+            <a:off x="971600" y="44624"/>
+            <a:ext cx="7715200" cy="1143000"/>
           </a:xfrm>
           <a:prstGeom prst="rect">
             <a:avLst/>
@@ -15099,15 +15406,21 @@
           <a:bodyPr/>
           <a:lstStyle>
             <a:lvl1pPr>
-              <a:defRPr/>
+              <a:defRPr>
+                <a:solidFill>
+                  <a:srgbClr val="DBDBDB"/>
+                </a:solidFill>
+                <a:latin typeface="Arial" panose="020B0604020202020204" pitchFamily="34" charset="0"/>
+                <a:cs typeface="Arial" panose="020B0604020202020204" pitchFamily="34" charset="0"/>
+              </a:defRPr>
             </a:lvl1pPr>
           </a:lstStyle>
           <a:p>
             <a:r>
-              <a:rPr lang="de-DE" smtClean="0"/>
+              <a:rPr lang="de-DE" dirty="0" smtClean="0"/>
               <a:t>Titelmasterformat durch Klicken bearbeiten</a:t>
             </a:r>
-            <a:endParaRPr lang="de-DE"/>
+            <a:endParaRPr lang="de-DE" dirty="0"/>
           </a:p>
         </p:txBody>
       </p:sp>
@@ -15424,10 +15737,22 @@
         </p:txBody>
       </p:sp>
     </p:spTree>
+    <p:extLst>
+      <p:ext uri="{BB962C8B-B14F-4D97-AF65-F5344CB8AC3E}">
+        <p14:creationId xmlns:p14="http://schemas.microsoft.com/office/powerpoint/2010/main" val="3607332102"/>
+      </p:ext>
+    </p:extLst>
   </p:cSld>
   <p:clrMapOvr>
     <a:masterClrMapping/>
   </p:clrMapOvr>
+  <p:timing>
+    <p:tnLst>
+      <p:par>
+        <p:cTn id="1" dur="indefinite" restart="never" nodeType="tmRoot"/>
+      </p:par>
+    </p:tnLst>
+  </p:timing>
 </p:sldLayout>
 </file>
 
@@ -15460,8 +15785,8 @@
         </p:nvSpPr>
         <p:spPr>
           <a:xfrm>
-            <a:off x="457200" y="274638"/>
-            <a:ext cx="8229600" cy="1143000"/>
+            <a:off x="971600" y="53752"/>
+            <a:ext cx="7776864" cy="1143000"/>
           </a:xfrm>
           <a:prstGeom prst="rect">
             <a:avLst/>
@@ -15469,21 +15794,43 @@
         </p:spPr>
         <p:txBody>
           <a:bodyPr/>
-          <a:lstStyle/>
+          <a:lstStyle>
+            <a:lvl1pPr>
+              <a:defRPr>
+                <a:solidFill>
+                  <a:srgbClr val="DBDBDB"/>
+                </a:solidFill>
+                <a:latin typeface="Arial" panose="020B0604020202020204" pitchFamily="34" charset="0"/>
+                <a:cs typeface="Arial" panose="020B0604020202020204" pitchFamily="34" charset="0"/>
+              </a:defRPr>
+            </a:lvl1pPr>
+          </a:lstStyle>
           <a:p>
             <a:r>
-              <a:rPr lang="de-DE" smtClean="0"/>
+              <a:rPr lang="de-DE" dirty="0" smtClean="0"/>
               <a:t>Titelmasterformat durch Klicken bearbeiten</a:t>
             </a:r>
-            <a:endParaRPr lang="de-DE"/>
+            <a:endParaRPr lang="de-DE" dirty="0"/>
           </a:p>
         </p:txBody>
       </p:sp>
     </p:spTree>
+    <p:extLst>
+      <p:ext uri="{BB962C8B-B14F-4D97-AF65-F5344CB8AC3E}">
+        <p14:creationId xmlns:p14="http://schemas.microsoft.com/office/powerpoint/2010/main" val="2839664248"/>
+      </p:ext>
+    </p:extLst>
   </p:cSld>
   <p:clrMapOvr>
     <a:masterClrMapping/>
   </p:clrMapOvr>
+  <p:timing>
+    <p:tnLst>
+      <p:par>
+        <p:cTn id="1" dur="indefinite" restart="never" nodeType="tmRoot"/>
+      </p:par>
+    </p:tnLst>
+  </p:timing>
 </p:sldLayout>
 </file>
 
@@ -15505,10 +15852,22 @@
         </a:xfrm>
       </p:grpSpPr>
     </p:spTree>
+    <p:extLst>
+      <p:ext uri="{BB962C8B-B14F-4D97-AF65-F5344CB8AC3E}">
+        <p14:creationId xmlns:p14="http://schemas.microsoft.com/office/powerpoint/2010/main" val="96711035"/>
+      </p:ext>
+    </p:extLst>
   </p:cSld>
   <p:clrMapOvr>
     <a:masterClrMapping/>
   </p:clrMapOvr>
+  <p:timing>
+    <p:tnLst>
+      <p:par>
+        <p:cTn id="1" dur="indefinite" restart="never" nodeType="tmRoot"/>
+      </p:par>
+    </p:tnLst>
+  </p:timing>
 </p:sldLayout>
 </file>
 
@@ -15721,10 +16080,22 @@
         </p:txBody>
       </p:sp>
     </p:spTree>
+    <p:extLst>
+      <p:ext uri="{BB962C8B-B14F-4D97-AF65-F5344CB8AC3E}">
+        <p14:creationId xmlns:p14="http://schemas.microsoft.com/office/powerpoint/2010/main" val="1318072938"/>
+      </p:ext>
+    </p:extLst>
   </p:cSld>
   <p:clrMapOvr>
     <a:masterClrMapping/>
   </p:clrMapOvr>
+  <p:timing>
+    <p:tnLst>
+      <p:par>
+        <p:cTn id="1" dur="indefinite" restart="never" nodeType="tmRoot"/>
+      </p:par>
+    </p:tnLst>
+  </p:timing>
 </p:sldLayout>
 </file>
 
@@ -15914,10 +16285,22 @@
         </p:txBody>
       </p:sp>
     </p:spTree>
+    <p:extLst>
+      <p:ext uri="{BB962C8B-B14F-4D97-AF65-F5344CB8AC3E}">
+        <p14:creationId xmlns:p14="http://schemas.microsoft.com/office/powerpoint/2010/main" val="3365630335"/>
+      </p:ext>
+    </p:extLst>
   </p:cSld>
   <p:clrMapOvr>
     <a:masterClrMapping/>
   </p:clrMapOvr>
+  <p:timing>
+    <p:tnLst>
+      <p:par>
+        <p:cTn id="1" dur="indefinite" restart="never" nodeType="tmRoot"/>
+      </p:par>
+    </p:tnLst>
+  </p:timing>
 </p:sldLayout>
 </file>
 
@@ -16032,17 +16415,7 @@
                 <a:latin typeface="Arial" pitchFamily="34" charset="0"/>
                 <a:cs typeface="Arial" pitchFamily="34" charset="0"/>
               </a:rPr>
-              <a:t> </a:t>
-            </a:r>
-            <a:r>
-              <a:rPr lang="de-DE" sz="1000" b="0" dirty="0" smtClean="0">
-                <a:solidFill>
-                  <a:schemeClr val="bg1"/>
-                </a:solidFill>
-                <a:latin typeface="Arial" pitchFamily="34" charset="0"/>
-                <a:cs typeface="Arial" pitchFamily="34" charset="0"/>
-              </a:rPr>
-              <a:t>Maik</a:t>
+              <a:t> Maik</a:t>
             </a:r>
             <a:r>
               <a:rPr lang="de-DE" sz="1000" b="0" baseline="0" dirty="0" smtClean="0">
@@ -16052,17 +16425,7 @@
                 <a:latin typeface="Arial" pitchFamily="34" charset="0"/>
                 <a:cs typeface="Arial" pitchFamily="34" charset="0"/>
               </a:rPr>
-              <a:t> </a:t>
-            </a:r>
-            <a:r>
-              <a:rPr lang="de-DE" sz="1000" b="0" baseline="0" dirty="0" smtClean="0">
-                <a:solidFill>
-                  <a:schemeClr val="bg1"/>
-                </a:solidFill>
-                <a:latin typeface="Arial" pitchFamily="34" charset="0"/>
-                <a:cs typeface="Arial" pitchFamily="34" charset="0"/>
-              </a:rPr>
-              <a:t>Godinho, Nina Ziegler, Denis Kündgen</a:t>
+              <a:t> Godinho, Nina Ziegler, Denis Kündgen</a:t>
             </a:r>
             <a:endParaRPr lang="de-DE" sz="1000" b="0" dirty="0">
               <a:solidFill>
@@ -16163,21 +16526,33 @@
         </p:spPr>
       </p:pic>
     </p:spTree>
+    <p:extLst>
+      <p:ext uri="{BB962C8B-B14F-4D97-AF65-F5344CB8AC3E}">
+        <p14:creationId xmlns:p14="http://schemas.microsoft.com/office/powerpoint/2010/main" val="1736988186"/>
+      </p:ext>
+    </p:extLst>
   </p:cSld>
   <p:clrMap bg1="lt1" tx1="dk1" bg2="lt2" tx2="dk2" accent1="accent1" accent2="accent2" accent3="accent3" accent4="accent4" accent5="accent5" accent6="accent6" hlink="hlink" folHlink="folHlink"/>
   <p:sldLayoutIdLst>
-    <p:sldLayoutId id="2147483695" r:id="rId1"/>
-    <p:sldLayoutId id="2147483685" r:id="rId2"/>
-    <p:sldLayoutId id="2147483686" r:id="rId3"/>
-    <p:sldLayoutId id="2147483687" r:id="rId4"/>
-    <p:sldLayoutId id="2147483688" r:id="rId5"/>
-    <p:sldLayoutId id="2147483689" r:id="rId6"/>
-    <p:sldLayoutId id="2147483690" r:id="rId7"/>
-    <p:sldLayoutId id="2147483691" r:id="rId8"/>
-    <p:sldLayoutId id="2147483692" r:id="rId9"/>
-    <p:sldLayoutId id="2147483693" r:id="rId10"/>
-    <p:sldLayoutId id="2147483694" r:id="rId11"/>
+    <p:sldLayoutId id="2147483697" r:id="rId1"/>
+    <p:sldLayoutId id="2147483698" r:id="rId2"/>
+    <p:sldLayoutId id="2147483699" r:id="rId3"/>
+    <p:sldLayoutId id="2147483700" r:id="rId4"/>
+    <p:sldLayoutId id="2147483701" r:id="rId5"/>
+    <p:sldLayoutId id="2147483702" r:id="rId6"/>
+    <p:sldLayoutId id="2147483703" r:id="rId7"/>
+    <p:sldLayoutId id="2147483704" r:id="rId8"/>
+    <p:sldLayoutId id="2147483705" r:id="rId9"/>
+    <p:sldLayoutId id="2147483706" r:id="rId10"/>
+    <p:sldLayoutId id="2147483707" r:id="rId11"/>
   </p:sldLayoutIdLst>
+  <p:timing>
+    <p:tnLst>
+      <p:par>
+        <p:cTn id="1" dur="indefinite" restart="never" nodeType="tmRoot"/>
+      </p:par>
+    </p:tnLst>
+  </p:timing>
   <p:txStyles>
     <p:titleStyle>
       <a:lvl1pPr algn="ctr" rtl="0" eaLnBrk="0" fontAlgn="base" hangingPunct="0">
@@ -16740,7 +17115,7 @@
             <a:r>
               <a:rPr lang="de-DE" sz="11500" i="1" dirty="0" smtClean="0">
                 <a:solidFill>
-                  <a:srgbClr val="92D050"/>
+                  <a:srgbClr val="75CD00"/>
                 </a:solidFill>
                 <a:latin typeface="Arial" pitchFamily="34" charset="0"/>
                 <a:cs typeface="Arial" pitchFamily="34" charset="0"/>
@@ -16750,12 +17125,22 @@
             <a:r>
               <a:rPr lang="de-DE" sz="11500" i="1" dirty="0" err="1" smtClean="0">
                 <a:solidFill>
+                  <a:srgbClr val="75CD00"/>
+                </a:solidFill>
+                <a:latin typeface="Arial" pitchFamily="34" charset="0"/>
+                <a:cs typeface="Arial" pitchFamily="34" charset="0"/>
+              </a:rPr>
+              <a:t>it</a:t>
+            </a:r>
+            <a:r>
+              <a:rPr lang="de-DE" sz="11500" i="1" dirty="0" err="1" smtClean="0">
+                <a:solidFill>
                   <a:srgbClr val="92D050"/>
                 </a:solidFill>
                 <a:latin typeface="Arial" pitchFamily="34" charset="0"/>
                 <a:cs typeface="Arial" pitchFamily="34" charset="0"/>
               </a:rPr>
-              <a:t>it!</a:t>
+              <a:t>!</a:t>
             </a:r>
             <a:r>
               <a:rPr lang="de-DE" sz="11500" i="1" dirty="0">
@@ -16870,7 +17255,7 @@
 </file>
 
 <file path=ppt/slides/slide10.xml><?xml version="1.0" encoding="utf-8"?>
-<p:sld xmlns:a="http://schemas.openxmlformats.org/drawingml/2006/main" xmlns:r="http://schemas.openxmlformats.org/officeDocument/2006/relationships" xmlns:p="http://schemas.openxmlformats.org/presentationml/2006/main">
+<p:sld xmlns:a="http://schemas.openxmlformats.org/drawingml/2006/main" xmlns:r="http://schemas.openxmlformats.org/officeDocument/2006/relationships" xmlns:p="http://schemas.openxmlformats.org/presentationml/2006/main" show="0">
   <p:cSld>
     <p:spTree>
       <p:nvGrpSpPr>
@@ -17086,6 +17471,14 @@
   <p:clrMapOvr>
     <a:masterClrMapping/>
   </p:clrMapOvr>
+  <mc:AlternateContent xmlns:mc="http://schemas.openxmlformats.org/markup-compatibility/2006" xmlns:p14="http://schemas.microsoft.com/office/powerpoint/2010/main">
+    <mc:Choice Requires="p14">
+      <p:transition spd="slow" p14:dur="2000"/>
+    </mc:Choice>
+    <mc:Fallback xmlns="">
+      <p:transition spd="slow"/>
+    </mc:Fallback>
+  </mc:AlternateContent>
   <p:timing>
     <p:tnLst>
       <p:par>
@@ -17860,7 +18253,7 @@
       </p:sp>
       <p:pic>
         <p:nvPicPr>
-          <p:cNvPr id="1026" name="Picture 2" descr="https://www.websequencediagrams.com/index.php?png=mscOl7mgZ"/>
+          <p:cNvPr id="1028" name="Picture 4" descr="https://www.websequencediagrams.com/index.php?png=mscrCigk9"/>
           <p:cNvPicPr>
             <a:picLocks noChangeAspect="1" noChangeArrowheads="1"/>
           </p:cNvPicPr>
@@ -17881,8 +18274,8 @@
         </p:blipFill>
         <p:spPr bwMode="auto">
           <a:xfrm>
-            <a:off x="-91409" y="1426766"/>
-            <a:ext cx="9248594" cy="4248472"/>
+            <a:off x="-35926" y="1628800"/>
+            <a:ext cx="9215852" cy="3811562"/>
           </a:xfrm>
           <a:prstGeom prst="rect">
             <a:avLst/>
@@ -18133,6 +18526,281 @@
   <p:timing>
     <p:tnLst>
       <p:par>
+        <p:cTn id="1" dur="indefinite" restart="never" nodeType="tmRoot">
+          <p:childTnLst>
+            <p:seq concurrent="1" nextAc="seek">
+              <p:cTn id="2" dur="indefinite" nodeType="mainSeq">
+                <p:childTnLst>
+                  <p:par>
+                    <p:cTn id="3" fill="hold">
+                      <p:stCondLst>
+                        <p:cond delay="indefinite"/>
+                        <p:cond evt="onBegin" delay="0">
+                          <p:tn val="2"/>
+                        </p:cond>
+                      </p:stCondLst>
+                      <p:childTnLst>
+                        <p:par>
+                          <p:cTn id="4" fill="hold">
+                            <p:stCondLst>
+                              <p:cond delay="0"/>
+                            </p:stCondLst>
+                            <p:childTnLst>
+                              <p:par>
+                                <p:cTn id="5" presetID="10" presetClass="entr" presetSubtype="0" fill="hold" nodeType="afterEffect">
+                                  <p:stCondLst>
+                                    <p:cond delay="0"/>
+                                  </p:stCondLst>
+                                  <p:childTnLst>
+                                    <p:set>
+                                      <p:cBhvr>
+                                        <p:cTn id="6" dur="1" fill="hold">
+                                          <p:stCondLst>
+                                            <p:cond delay="0"/>
+                                          </p:stCondLst>
+                                        </p:cTn>
+                                        <p:tgtEl>
+                                          <p:spTgt spid="6">
+                                            <p:txEl>
+                                              <p:pRg st="1" end="1"/>
+                                            </p:txEl>
+                                          </p:spTgt>
+                                        </p:tgtEl>
+                                        <p:attrNameLst>
+                                          <p:attrName>style.visibility</p:attrName>
+                                        </p:attrNameLst>
+                                      </p:cBhvr>
+                                      <p:to>
+                                        <p:strVal val="visible"/>
+                                      </p:to>
+                                    </p:set>
+                                    <p:animEffect transition="in" filter="fade">
+                                      <p:cBhvr>
+                                        <p:cTn id="7" dur="500"/>
+                                        <p:tgtEl>
+                                          <p:spTgt spid="6">
+                                            <p:txEl>
+                                              <p:pRg st="1" end="1"/>
+                                            </p:txEl>
+                                          </p:spTgt>
+                                        </p:tgtEl>
+                                      </p:cBhvr>
+                                    </p:animEffect>
+                                  </p:childTnLst>
+                                </p:cTn>
+                              </p:par>
+                            </p:childTnLst>
+                          </p:cTn>
+                        </p:par>
+                        <p:par>
+                          <p:cTn id="8" fill="hold">
+                            <p:stCondLst>
+                              <p:cond delay="500"/>
+                            </p:stCondLst>
+                            <p:childTnLst>
+                              <p:par>
+                                <p:cTn id="9" presetID="10" presetClass="entr" presetSubtype="0" fill="hold" nodeType="afterEffect">
+                                  <p:stCondLst>
+                                    <p:cond delay="0"/>
+                                  </p:stCondLst>
+                                  <p:childTnLst>
+                                    <p:set>
+                                      <p:cBhvr>
+                                        <p:cTn id="10" dur="1" fill="hold">
+                                          <p:stCondLst>
+                                            <p:cond delay="0"/>
+                                          </p:stCondLst>
+                                        </p:cTn>
+                                        <p:tgtEl>
+                                          <p:spTgt spid="6">
+                                            <p:txEl>
+                                              <p:pRg st="2" end="2"/>
+                                            </p:txEl>
+                                          </p:spTgt>
+                                        </p:tgtEl>
+                                        <p:attrNameLst>
+                                          <p:attrName>style.visibility</p:attrName>
+                                        </p:attrNameLst>
+                                      </p:cBhvr>
+                                      <p:to>
+                                        <p:strVal val="visible"/>
+                                      </p:to>
+                                    </p:set>
+                                    <p:animEffect transition="in" filter="fade">
+                                      <p:cBhvr>
+                                        <p:cTn id="11" dur="500"/>
+                                        <p:tgtEl>
+                                          <p:spTgt spid="6">
+                                            <p:txEl>
+                                              <p:pRg st="2" end="2"/>
+                                            </p:txEl>
+                                          </p:spTgt>
+                                        </p:tgtEl>
+                                      </p:cBhvr>
+                                    </p:animEffect>
+                                  </p:childTnLst>
+                                </p:cTn>
+                              </p:par>
+                            </p:childTnLst>
+                          </p:cTn>
+                        </p:par>
+                        <p:par>
+                          <p:cTn id="12" fill="hold">
+                            <p:stCondLst>
+                              <p:cond delay="1000"/>
+                            </p:stCondLst>
+                            <p:childTnLst>
+                              <p:par>
+                                <p:cTn id="13" presetID="10" presetClass="entr" presetSubtype="0" fill="hold" nodeType="afterEffect">
+                                  <p:stCondLst>
+                                    <p:cond delay="0"/>
+                                  </p:stCondLst>
+                                  <p:childTnLst>
+                                    <p:set>
+                                      <p:cBhvr>
+                                        <p:cTn id="14" dur="1" fill="hold">
+                                          <p:stCondLst>
+                                            <p:cond delay="0"/>
+                                          </p:stCondLst>
+                                        </p:cTn>
+                                        <p:tgtEl>
+                                          <p:spTgt spid="6">
+                                            <p:txEl>
+                                              <p:pRg st="3" end="3"/>
+                                            </p:txEl>
+                                          </p:spTgt>
+                                        </p:tgtEl>
+                                        <p:attrNameLst>
+                                          <p:attrName>style.visibility</p:attrName>
+                                        </p:attrNameLst>
+                                      </p:cBhvr>
+                                      <p:to>
+                                        <p:strVal val="visible"/>
+                                      </p:to>
+                                    </p:set>
+                                    <p:animEffect transition="in" filter="fade">
+                                      <p:cBhvr>
+                                        <p:cTn id="15" dur="500"/>
+                                        <p:tgtEl>
+                                          <p:spTgt spid="6">
+                                            <p:txEl>
+                                              <p:pRg st="3" end="3"/>
+                                            </p:txEl>
+                                          </p:spTgt>
+                                        </p:tgtEl>
+                                      </p:cBhvr>
+                                    </p:animEffect>
+                                  </p:childTnLst>
+                                </p:cTn>
+                              </p:par>
+                            </p:childTnLst>
+                          </p:cTn>
+                        </p:par>
+                      </p:childTnLst>
+                    </p:cTn>
+                  </p:par>
+                </p:childTnLst>
+              </p:cTn>
+              <p:prevCondLst>
+                <p:cond evt="onPrev" delay="0">
+                  <p:tgtEl>
+                    <p:sldTgt/>
+                  </p:tgtEl>
+                </p:cond>
+              </p:prevCondLst>
+              <p:nextCondLst>
+                <p:cond evt="onNext" delay="0">
+                  <p:tgtEl>
+                    <p:sldTgt/>
+                  </p:tgtEl>
+                </p:cond>
+              </p:nextCondLst>
+            </p:seq>
+          </p:childTnLst>
+        </p:cTn>
+      </p:par>
+    </p:tnLst>
+  </p:timing>
+</p:sld>
+</file>
+
+<file path=ppt/slides/slide18.xml><?xml version="1.0" encoding="utf-8"?>
+<p:sld xmlns:a="http://schemas.openxmlformats.org/drawingml/2006/main" xmlns:r="http://schemas.openxmlformats.org/officeDocument/2006/relationships" xmlns:p="http://schemas.openxmlformats.org/presentationml/2006/main">
+  <p:cSld>
+    <p:spTree>
+      <p:nvGrpSpPr>
+        <p:cNvPr id="1" name=""/>
+        <p:cNvGrpSpPr/>
+        <p:nvPr/>
+      </p:nvGrpSpPr>
+      <p:grpSpPr>
+        <a:xfrm>
+          <a:off x="0" y="0"/>
+          <a:ext cx="0" cy="0"/>
+          <a:chOff x="0" y="0"/>
+          <a:chExt cx="0" cy="0"/>
+        </a:xfrm>
+      </p:grpSpPr>
+      <p:sp>
+        <p:nvSpPr>
+          <p:cNvPr id="2" name="Titel 1"/>
+          <p:cNvSpPr>
+            <a:spLocks noGrp="1"/>
+          </p:cNvSpPr>
+          <p:nvPr>
+            <p:ph type="title"/>
+          </p:nvPr>
+        </p:nvSpPr>
+        <p:spPr/>
+        <p:txBody>
+          <a:bodyPr/>
+          <a:lstStyle/>
+          <a:p>
+            <a:r>
+              <a:rPr lang="de-DE" dirty="0" smtClean="0"/>
+              <a:t>Webseite</a:t>
+            </a:r>
+            <a:endParaRPr lang="de-DE" dirty="0"/>
+          </a:p>
+        </p:txBody>
+      </p:sp>
+      <p:pic>
+        <p:nvPicPr>
+          <p:cNvPr id="5" name="Grafik 4"/>
+          <p:cNvPicPr>
+            <a:picLocks noChangeAspect="1"/>
+          </p:cNvPicPr>
+          <p:nvPr/>
+        </p:nvPicPr>
+        <p:blipFill>
+          <a:blip r:embed="rId2"/>
+          <a:stretch>
+            <a:fillRect/>
+          </a:stretch>
+        </p:blipFill>
+        <p:spPr>
+          <a:xfrm>
+            <a:off x="1043609" y="1167854"/>
+            <a:ext cx="7142283" cy="5040000"/>
+          </a:xfrm>
+          <a:prstGeom prst="rect">
+            <a:avLst/>
+          </a:prstGeom>
+        </p:spPr>
+      </p:pic>
+    </p:spTree>
+    <p:extLst>
+      <p:ext uri="{BB962C8B-B14F-4D97-AF65-F5344CB8AC3E}">
+        <p14:creationId xmlns:p14="http://schemas.microsoft.com/office/powerpoint/2010/main" val="1825014963"/>
+      </p:ext>
+    </p:extLst>
+  </p:cSld>
+  <p:clrMapOvr>
+    <a:masterClrMapping/>
+  </p:clrMapOvr>
+  <p:timing>
+    <p:tnLst>
+      <p:par>
         <p:cTn id="1" dur="indefinite" restart="never" nodeType="tmRoot"/>
       </p:par>
     </p:tnLst>
@@ -18140,7 +18808,7 @@
 </p:sld>
 </file>
 
-<file path=ppt/slides/slide18.xml><?xml version="1.0" encoding="utf-8"?>
+<file path=ppt/slides/slide19.xml><?xml version="1.0" encoding="utf-8"?>
 <p:sld xmlns:a="http://schemas.openxmlformats.org/drawingml/2006/main" xmlns:r="http://schemas.openxmlformats.org/officeDocument/2006/relationships" xmlns:p="http://schemas.openxmlformats.org/presentationml/2006/main">
   <p:cSld>
     <p:spTree>
@@ -18234,7 +18902,7 @@
           <p:nvPr>
             <p:extLst>
               <p:ext uri="{D42A27DB-BD31-4B8C-83A1-F6EECF244321}">
-                <p14:modId xmlns:p14="http://schemas.microsoft.com/office/powerpoint/2010/main" val="2488860041"/>
+                <p14:modId xmlns:p14="http://schemas.microsoft.com/office/powerpoint/2010/main" val="4000625061"/>
               </p:ext>
             </p:extLst>
           </p:nvPr>
@@ -18269,7 +18937,3394 @@
 </p:sld>
 </file>
 
-<file path=ppt/slides/slide19.xml><?xml version="1.0" encoding="utf-8"?>
+<file path=ppt/slides/slide2.xml><?xml version="1.0" encoding="utf-8"?>
+<p:sld xmlns:a="http://schemas.openxmlformats.org/drawingml/2006/main" xmlns:r="http://schemas.openxmlformats.org/officeDocument/2006/relationships" xmlns:p="http://schemas.openxmlformats.org/presentationml/2006/main">
+  <p:cSld>
+    <p:spTree>
+      <p:nvGrpSpPr>
+        <p:cNvPr id="1" name=""/>
+        <p:cNvGrpSpPr/>
+        <p:nvPr/>
+      </p:nvGrpSpPr>
+      <p:grpSpPr>
+        <a:xfrm>
+          <a:off x="0" y="0"/>
+          <a:ext cx="0" cy="0"/>
+          <a:chOff x="0" y="0"/>
+          <a:chExt cx="0" cy="0"/>
+        </a:xfrm>
+      </p:grpSpPr>
+      <p:sp>
+        <p:nvSpPr>
+          <p:cNvPr id="2" name="Titel 1"/>
+          <p:cNvSpPr>
+            <a:spLocks noGrp="1"/>
+          </p:cNvSpPr>
+          <p:nvPr>
+            <p:ph type="title"/>
+          </p:nvPr>
+        </p:nvSpPr>
+        <p:spPr/>
+        <p:txBody>
+          <a:bodyPr/>
+          <a:lstStyle/>
+          <a:p>
+            <a:r>
+              <a:rPr lang="de-DE" dirty="0" smtClean="0"/>
+              <a:t>Agenda</a:t>
+            </a:r>
+            <a:endParaRPr lang="de-DE" dirty="0"/>
+          </a:p>
+        </p:txBody>
+      </p:sp>
+      <p:graphicFrame>
+        <p:nvGraphicFramePr>
+          <p:cNvPr id="3" name="Inhaltsplatzhalter 2"/>
+          <p:cNvGraphicFramePr>
+            <a:graphicFrameLocks noGrp="1"/>
+          </p:cNvGraphicFramePr>
+          <p:nvPr>
+            <p:ph sz="half" idx="2"/>
+            <p:extLst>
+              <p:ext uri="{D42A27DB-BD31-4B8C-83A1-F6EECF244321}">
+                <p14:modId xmlns:p14="http://schemas.microsoft.com/office/powerpoint/2010/main" val="2542990731"/>
+              </p:ext>
+            </p:extLst>
+          </p:nvPr>
+        </p:nvGraphicFramePr>
+        <p:xfrm>
+          <a:off x="385961" y="2090548"/>
+          <a:ext cx="8218487" cy="3570699"/>
+        </p:xfrm>
+        <a:graphic>
+          <a:graphicData uri="http://schemas.openxmlformats.org/drawingml/2006/diagram">
+            <dgm:relIds xmlns:dgm="http://schemas.openxmlformats.org/drawingml/2006/diagram" xmlns:r="http://schemas.openxmlformats.org/officeDocument/2006/relationships" r:dm="rId2" r:lo="rId3" r:qs="rId4" r:cs="rId5"/>
+          </a:graphicData>
+        </a:graphic>
+      </p:graphicFrame>
+      <p:grpSp>
+        <p:nvGrpSpPr>
+          <p:cNvPr id="6" name="Gruppieren 6"/>
+          <p:cNvGrpSpPr/>
+          <p:nvPr/>
+        </p:nvGrpSpPr>
+        <p:grpSpPr>
+          <a:xfrm>
+            <a:off x="3501164" y="1266191"/>
+            <a:ext cx="1934932" cy="650641"/>
+            <a:chOff x="3020139" y="60729"/>
+            <a:chExt cx="2078949" cy="866665"/>
+          </a:xfrm>
+          <a:solidFill>
+            <a:srgbClr val="5F5F5F"/>
+          </a:solidFill>
+        </p:grpSpPr>
+        <p:sp>
+          <p:nvSpPr>
+            <p:cNvPr id="7" name="Abgerundetes Rechteck 7"/>
+            <p:cNvSpPr/>
+            <p:nvPr/>
+          </p:nvSpPr>
+          <p:spPr>
+            <a:xfrm>
+              <a:off x="3020139" y="60729"/>
+              <a:ext cx="2078949" cy="866665"/>
+            </a:xfrm>
+            <a:prstGeom prst="roundRect">
+              <a:avLst/>
+            </a:prstGeom>
+            <a:grpFill/>
+          </p:spPr>
+          <p:style>
+            <a:lnRef idx="2">
+              <a:schemeClr val="lt1">
+                <a:hueOff val="0"/>
+                <a:satOff val="0"/>
+                <a:lumOff val="0"/>
+                <a:alphaOff val="0"/>
+              </a:schemeClr>
+            </a:lnRef>
+            <a:fillRef idx="1">
+              <a:schemeClr val="accent1">
+                <a:hueOff val="0"/>
+                <a:satOff val="0"/>
+                <a:lumOff val="0"/>
+                <a:alphaOff val="0"/>
+              </a:schemeClr>
+            </a:fillRef>
+            <a:effectRef idx="0">
+              <a:schemeClr val="accent1">
+                <a:hueOff val="0"/>
+                <a:satOff val="0"/>
+                <a:lumOff val="0"/>
+                <a:alphaOff val="0"/>
+              </a:schemeClr>
+            </a:effectRef>
+            <a:fontRef idx="minor">
+              <a:schemeClr val="lt1"/>
+            </a:fontRef>
+          </p:style>
+        </p:sp>
+        <p:sp>
+          <p:nvSpPr>
+            <p:cNvPr id="8" name="Abgerundetes Rechteck 4"/>
+            <p:cNvSpPr/>
+            <p:nvPr/>
+          </p:nvSpPr>
+          <p:spPr>
+            <a:xfrm>
+              <a:off x="3087531" y="223145"/>
+              <a:ext cx="1934189" cy="608334"/>
+            </a:xfrm>
+            <a:prstGeom prst="rect">
+              <a:avLst/>
+            </a:prstGeom>
+            <a:grpFill/>
+          </p:spPr>
+          <p:style>
+            <a:lnRef idx="0">
+              <a:scrgbClr r="0" g="0" b="0"/>
+            </a:lnRef>
+            <a:fillRef idx="0">
+              <a:scrgbClr r="0" g="0" b="0"/>
+            </a:fillRef>
+            <a:effectRef idx="0">
+              <a:scrgbClr r="0" g="0" b="0"/>
+            </a:effectRef>
+            <a:fontRef idx="minor">
+              <a:schemeClr val="lt1"/>
+            </a:fontRef>
+          </p:style>
+          <p:txBody>
+            <a:bodyPr spcFirstLastPara="0" vert="horz" wrap="square" lIns="83820" tIns="83820" rIns="83820" bIns="83820" numCol="1" spcCol="1270" anchor="ctr" anchorCtr="0">
+              <a:noAutofit/>
+            </a:bodyPr>
+            <a:lstStyle/>
+            <a:p>
+              <a:pPr lvl="0" algn="ctr" defTabSz="1466850">
+                <a:lnSpc>
+                  <a:spcPct val="90000"/>
+                </a:lnSpc>
+                <a:spcBef>
+                  <a:spcPct val="0"/>
+                </a:spcBef>
+                <a:spcAft>
+                  <a:spcPct val="35000"/>
+                </a:spcAft>
+              </a:pPr>
+              <a:r>
+                <a:rPr lang="de-DE" sz="3300" kern="1200" dirty="0" smtClean="0">
+                  <a:solidFill>
+                    <a:srgbClr val="DBDBDB"/>
+                  </a:solidFill>
+                </a:rPr>
+                <a:t>1. Ziel</a:t>
+              </a:r>
+              <a:endParaRPr lang="de-DE" sz="3300" kern="1200" dirty="0">
+                <a:solidFill>
+                  <a:srgbClr val="DBDBDB"/>
+                </a:solidFill>
+              </a:endParaRPr>
+            </a:p>
+          </p:txBody>
+        </p:sp>
+      </p:grpSp>
+      <p:grpSp>
+        <p:nvGrpSpPr>
+          <p:cNvPr id="9" name="Gruppieren 11"/>
+          <p:cNvGrpSpPr/>
+          <p:nvPr/>
+        </p:nvGrpSpPr>
+        <p:grpSpPr>
+          <a:xfrm>
+            <a:off x="3563888" y="5661248"/>
+            <a:ext cx="1934932" cy="650641"/>
+            <a:chOff x="3020137" y="60729"/>
+            <a:chExt cx="2078948" cy="866665"/>
+          </a:xfrm>
+        </p:grpSpPr>
+        <p:sp>
+          <p:nvSpPr>
+            <p:cNvPr id="10" name="Abgerundetes Rechteck 12"/>
+            <p:cNvSpPr/>
+            <p:nvPr/>
+          </p:nvSpPr>
+          <p:spPr>
+            <a:xfrm>
+              <a:off x="3020137" y="60729"/>
+              <a:ext cx="2078948" cy="866665"/>
+            </a:xfrm>
+            <a:prstGeom prst="roundRect">
+              <a:avLst/>
+            </a:prstGeom>
+            <a:solidFill>
+              <a:srgbClr val="5F5F5F"/>
+            </a:solidFill>
+          </p:spPr>
+          <p:style>
+            <a:lnRef idx="2">
+              <a:schemeClr val="lt1">
+                <a:hueOff val="0"/>
+                <a:satOff val="0"/>
+                <a:lumOff val="0"/>
+                <a:alphaOff val="0"/>
+              </a:schemeClr>
+            </a:lnRef>
+            <a:fillRef idx="1">
+              <a:schemeClr val="accent1">
+                <a:hueOff val="0"/>
+                <a:satOff val="0"/>
+                <a:lumOff val="0"/>
+                <a:alphaOff val="0"/>
+              </a:schemeClr>
+            </a:fillRef>
+            <a:effectRef idx="0">
+              <a:schemeClr val="accent1">
+                <a:hueOff val="0"/>
+                <a:satOff val="0"/>
+                <a:lumOff val="0"/>
+                <a:alphaOff val="0"/>
+              </a:schemeClr>
+            </a:effectRef>
+            <a:fontRef idx="minor">
+              <a:schemeClr val="lt1"/>
+            </a:fontRef>
+          </p:style>
+        </p:sp>
+        <p:sp>
+          <p:nvSpPr>
+            <p:cNvPr id="11" name="Abgerundetes Rechteck 4"/>
+            <p:cNvSpPr/>
+            <p:nvPr/>
+          </p:nvSpPr>
+          <p:spPr>
+            <a:xfrm>
+              <a:off x="3062444" y="103037"/>
+              <a:ext cx="1994334" cy="608334"/>
+            </a:xfrm>
+            <a:prstGeom prst="rect">
+              <a:avLst/>
+            </a:prstGeom>
+          </p:spPr>
+          <p:style>
+            <a:lnRef idx="0">
+              <a:scrgbClr r="0" g="0" b="0"/>
+            </a:lnRef>
+            <a:fillRef idx="0">
+              <a:scrgbClr r="0" g="0" b="0"/>
+            </a:fillRef>
+            <a:effectRef idx="0">
+              <a:scrgbClr r="0" g="0" b="0"/>
+            </a:effectRef>
+            <a:fontRef idx="minor">
+              <a:schemeClr val="lt1"/>
+            </a:fontRef>
+          </p:style>
+          <p:txBody>
+            <a:bodyPr spcFirstLastPara="0" vert="horz" wrap="square" lIns="83820" tIns="83820" rIns="83820" bIns="83820" numCol="1" spcCol="1270" anchor="ctr" anchorCtr="0">
+              <a:noAutofit/>
+            </a:bodyPr>
+            <a:lstStyle/>
+            <a:p>
+              <a:pPr lvl="0" algn="ctr" defTabSz="1466850">
+                <a:lnSpc>
+                  <a:spcPct val="90000"/>
+                </a:lnSpc>
+                <a:spcBef>
+                  <a:spcPct val="0"/>
+                </a:spcBef>
+                <a:spcAft>
+                  <a:spcPct val="35000"/>
+                </a:spcAft>
+              </a:pPr>
+              <a:r>
+                <a:rPr lang="de-DE" sz="3300" kern="1200" dirty="0" smtClean="0">
+                  <a:solidFill>
+                    <a:srgbClr val="DBDBDB"/>
+                  </a:solidFill>
+                </a:rPr>
+                <a:t>6. Fazit</a:t>
+              </a:r>
+              <a:endParaRPr lang="de-DE" sz="3300" kern="1200" dirty="0">
+                <a:solidFill>
+                  <a:srgbClr val="DBDBDB"/>
+                </a:solidFill>
+              </a:endParaRPr>
+            </a:p>
+          </p:txBody>
+        </p:sp>
+      </p:grpSp>
+    </p:spTree>
+    <p:extLst>
+      <p:ext uri="{BB962C8B-B14F-4D97-AF65-F5344CB8AC3E}">
+        <p14:creationId xmlns:p14="http://schemas.microsoft.com/office/powerpoint/2010/main" val="1523883456"/>
+      </p:ext>
+    </p:extLst>
+  </p:cSld>
+  <p:clrMapOvr>
+    <a:masterClrMapping/>
+  </p:clrMapOvr>
+  <p:timing>
+    <p:tnLst>
+      <p:par>
+        <p:cTn id="1" dur="indefinite" restart="never" nodeType="tmRoot"/>
+      </p:par>
+    </p:tnLst>
+  </p:timing>
+</p:sld>
+</file>
+
+<file path=ppt/slides/slide20.xml><?xml version="1.0" encoding="utf-8"?>
+<p:sld xmlns:a="http://schemas.openxmlformats.org/drawingml/2006/main" xmlns:r="http://schemas.openxmlformats.org/officeDocument/2006/relationships" xmlns:p="http://schemas.openxmlformats.org/presentationml/2006/main">
+  <p:cSld>
+    <p:spTree>
+      <p:nvGrpSpPr>
+        <p:cNvPr id="1" name=""/>
+        <p:cNvGrpSpPr/>
+        <p:nvPr/>
+      </p:nvGrpSpPr>
+      <p:grpSpPr>
+        <a:xfrm>
+          <a:off x="0" y="0"/>
+          <a:ext cx="0" cy="0"/>
+          <a:chOff x="0" y="0"/>
+          <a:chExt cx="0" cy="0"/>
+        </a:xfrm>
+      </p:grpSpPr>
+      <p:sp>
+        <p:nvSpPr>
+          <p:cNvPr id="2" name="Titel 1"/>
+          <p:cNvSpPr>
+            <a:spLocks noGrp="1"/>
+          </p:cNvSpPr>
+          <p:nvPr>
+            <p:ph type="title"/>
+          </p:nvPr>
+        </p:nvSpPr>
+        <p:spPr/>
+        <p:txBody>
+          <a:bodyPr/>
+          <a:lstStyle/>
+          <a:p>
+            <a:r>
+              <a:rPr lang="de-DE" dirty="0" smtClean="0"/>
+              <a:t>Bsp.: Event anzeigen</a:t>
+            </a:r>
+            <a:endParaRPr lang="de-DE" dirty="0"/>
+          </a:p>
+        </p:txBody>
+      </p:sp>
+      <p:pic>
+        <p:nvPicPr>
+          <p:cNvPr id="8" name="Grafik 7"/>
+          <p:cNvPicPr>
+            <a:picLocks noChangeAspect="1"/>
+          </p:cNvPicPr>
+          <p:nvPr/>
+        </p:nvPicPr>
+        <p:blipFill>
+          <a:blip r:embed="rId2"/>
+          <a:stretch>
+            <a:fillRect/>
+          </a:stretch>
+        </p:blipFill>
+        <p:spPr>
+          <a:xfrm>
+            <a:off x="1043609" y="1167854"/>
+            <a:ext cx="7142283" cy="5040000"/>
+          </a:xfrm>
+          <a:prstGeom prst="rect">
+            <a:avLst/>
+          </a:prstGeom>
+        </p:spPr>
+      </p:pic>
+      <p:pic>
+        <p:nvPicPr>
+          <p:cNvPr id="1028" name="Picture 4" descr="http://www.clker.com/cliparts/9/1/1/6/12247849541307080526radacina_cursor_hand.svg.thumb.png"/>
+          <p:cNvPicPr>
+            <a:picLocks noChangeAspect="1" noChangeArrowheads="1"/>
+          </p:cNvPicPr>
+          <p:nvPr/>
+        </p:nvPicPr>
+        <p:blipFill>
+          <a:blip r:embed="rId3" cstate="print">
+            <a:extLst>
+              <a:ext uri="{28A0092B-C50C-407E-A947-70E740481C1C}">
+                <a14:useLocalDpi xmlns:a14="http://schemas.microsoft.com/office/drawing/2010/main" val="0"/>
+              </a:ext>
+            </a:extLst>
+          </a:blip>
+          <a:srcRect/>
+          <a:stretch>
+            <a:fillRect/>
+          </a:stretch>
+        </p:blipFill>
+        <p:spPr bwMode="auto">
+          <a:xfrm>
+            <a:off x="5148064" y="5085184"/>
+            <a:ext cx="216024" cy="288032"/>
+          </a:xfrm>
+          <a:prstGeom prst="rect">
+            <a:avLst/>
+          </a:prstGeom>
+          <a:noFill/>
+          <a:extLst>
+            <a:ext uri="{909E8E84-426E-40DD-AFC4-6F175D3DCCD1}">
+              <a14:hiddenFill xmlns:a14="http://schemas.microsoft.com/office/drawing/2010/main">
+                <a:solidFill>
+                  <a:srgbClr val="FFFFFF"/>
+                </a:solidFill>
+              </a14:hiddenFill>
+            </a:ext>
+          </a:extLst>
+        </p:spPr>
+      </p:pic>
+    </p:spTree>
+    <p:extLst>
+      <p:ext uri="{BB962C8B-B14F-4D97-AF65-F5344CB8AC3E}">
+        <p14:creationId xmlns:p14="http://schemas.microsoft.com/office/powerpoint/2010/main" val="630814106"/>
+      </p:ext>
+    </p:extLst>
+  </p:cSld>
+  <p:clrMapOvr>
+    <a:masterClrMapping/>
+  </p:clrMapOvr>
+  <p:timing>
+    <p:tnLst>
+      <p:par>
+        <p:cTn id="1" dur="indefinite" restart="never" nodeType="tmRoot">
+          <p:childTnLst>
+            <p:seq concurrent="1" nextAc="seek">
+              <p:cTn id="2" dur="indefinite" nodeType="mainSeq">
+                <p:childTnLst>
+                  <p:par>
+                    <p:cTn id="3" fill="hold">
+                      <p:stCondLst>
+                        <p:cond delay="indefinite"/>
+                      </p:stCondLst>
+                      <p:childTnLst>
+                        <p:par>
+                          <p:cTn id="4" fill="hold">
+                            <p:stCondLst>
+                              <p:cond delay="0"/>
+                            </p:stCondLst>
+                            <p:childTnLst>
+                              <p:par>
+                                <p:cTn id="5" presetID="0" presetClass="path" presetSubtype="0" accel="50000" decel="50000" fill="hold" nodeType="clickEffect">
+                                  <p:stCondLst>
+                                    <p:cond delay="0"/>
+                                  </p:stCondLst>
+                                  <p:childTnLst>
+                                    <p:animMotion origin="layout" path="M 1.11111E-6 7.40741E-7 L 1.11111E-6 7.40741E-7 C 0.00295 0.00093 0.0059 0.00208 0.00885 0.00278 C 0.02413 0.00602 0.04201 0.00324 0.05642 0.00278 C 0.05833 0.00185 0.06059 0.00162 0.06232 7.40741E-7 C 0.06336 -0.0007 0.06423 -0.00185 0.06527 -0.00255 C 0.06614 -0.00324 0.06736 -0.00324 0.06822 -0.00394 C 0.06961 -0.00463 0.071 -0.00556 0.07222 -0.00648 C 0.07326 -0.00741 0.07413 -0.00857 0.07517 -0.00926 C 0.07708 -0.01019 0.07916 -0.01088 0.08107 -0.01181 C 0.08211 -0.01227 0.08316 -0.01227 0.08402 -0.0132 C 0.08836 -0.0169 0.08593 -0.01505 0.09097 -0.01829 C 0.09166 -0.01968 0.09201 -0.02153 0.09305 -0.02245 C 0.09409 -0.02338 0.09566 -0.02315 0.09704 -0.02361 C 0.09843 -0.02431 0.09965 -0.02523 0.10086 -0.02639 C 0.10208 -0.02732 0.10277 -0.02917 0.10399 -0.03032 C 0.10503 -0.03148 0.10659 -0.03171 0.10781 -0.03287 C 0.11718 -0.0419 0.10399 -0.03218 0.11475 -0.03958 C 0.12656 -0.06065 0.10677 -0.02616 0.12274 -0.05 C 0.12395 -0.05208 0.12447 -0.05463 0.12569 -0.05671 C 0.12691 -0.05857 0.12864 -0.05995 0.12968 -0.06204 C 0.13125 -0.06482 0.13211 -0.06829 0.13368 -0.0713 C 0.13611 -0.07662 0.13888 -0.08171 0.14149 -0.08704 C 0.14288 -0.08982 0.14444 -0.09213 0.14548 -0.09491 C 0.14652 -0.09769 0.14756 -0.10023 0.14843 -0.10301 C 0.15191 -0.11273 0.15069 -0.11088 0.15434 -0.12014 C 0.15694 -0.12639 0.15729 -0.12662 0.16041 -0.13195 C 0.16215 -0.13912 0.16024 -0.13264 0.16336 -0.13982 C 0.16406 -0.14167 0.16458 -0.14352 0.16527 -0.14514 C 0.16631 -0.14745 0.16736 -0.14954 0.16822 -0.15185 C 0.16909 -0.15394 0.16944 -0.15625 0.17031 -0.15833 C 0.17118 -0.16065 0.17239 -0.16273 0.17326 -0.16505 C 0.17413 -0.16759 0.17447 -0.17037 0.17517 -0.17292 C 0.17899 -0.18495 0.17673 -0.17685 0.18125 -0.18611 C 0.18559 -0.19537 0.18038 -0.18773 0.18611 -0.19537 C 0.18975 -0.20741 0.18628 -0.19676 0.19114 -0.20857 C 0.19375 -0.21505 0.19392 -0.21713 0.19704 -0.22315 C 0.19826 -0.22546 0.19982 -0.22732 0.20104 -0.22963 C 0.20347 -0.23449 0.20538 -0.23958 0.20798 -0.24421 C 0.21041 -0.24861 0.21267 -0.25255 0.21475 -0.25741 C 0.21666 -0.26181 0.21788 -0.26482 0.21875 -0.26921 C 0.21909 -0.2706 0.22013 -0.27685 0.22083 -0.27847 C 0.22743 -0.29398 0.21996 -0.27245 0.22673 -0.29051 C 0.23055 -0.30046 0.22343 -0.28681 0.23072 -0.29954 C 0.23107 -0.30093 0.23142 -0.30232 0.23159 -0.3037 C 0.23298 -0.30995 0.23385 -0.31667 0.23472 -0.32338 C 0.23506 -0.32639 0.23506 -0.32963 0.23559 -0.33264 C 0.23645 -0.33681 0.23767 -0.34051 0.23854 -0.34445 C 0.23906 -0.35162 0.23975 -0.36713 0.24062 -0.375 C 0.24079 -0.37708 0.24131 -0.3794 0.24166 -0.38148 C 0.24201 -0.38403 0.24201 -0.38681 0.24253 -0.38935 C 0.24305 -0.39213 0.24409 -0.39468 0.24461 -0.39745 C 0.24583 -0.40394 0.24513 -0.40093 0.24652 -0.40648 C 0.24704 -0.41019 0.24774 -0.41736 0.24843 -0.42107 C 0.24878 -0.42245 0.2493 -0.42384 0.24947 -0.425 C 0.24982 -0.42685 0.25017 -0.4287 0.25052 -0.43032 C 0.25243 -0.45255 0.25052 -0.43264 0.25243 -0.45139 C 0.25277 -0.45509 0.25295 -0.45857 0.25347 -0.46204 C 0.25434 -0.46806 0.25451 -0.46412 0.25642 -0.46991 C 0.25729 -0.47245 0.2585 -0.47778 0.2585 -0.47778 " pathEditMode="relative" ptsTypes="AAAAAAAAAAAAAAAAAAAAAAAAAAAAAAAAAAAAAAAAAAAAAAAAAAAAAAAAAAAA">
+                                      <p:cBhvr>
+                                        <p:cTn id="6" dur="2000" fill="hold"/>
+                                        <p:tgtEl>
+                                          <p:spTgt spid="1028"/>
+                                        </p:tgtEl>
+                                        <p:attrNameLst>
+                                          <p:attrName>ppt_x</p:attrName>
+                                          <p:attrName>ppt_y</p:attrName>
+                                        </p:attrNameLst>
+                                      </p:cBhvr>
+                                    </p:animMotion>
+                                  </p:childTnLst>
+                                </p:cTn>
+                              </p:par>
+                            </p:childTnLst>
+                          </p:cTn>
+                        </p:par>
+                      </p:childTnLst>
+                    </p:cTn>
+                  </p:par>
+                </p:childTnLst>
+              </p:cTn>
+              <p:prevCondLst>
+                <p:cond evt="onPrev" delay="0">
+                  <p:tgtEl>
+                    <p:sldTgt/>
+                  </p:tgtEl>
+                </p:cond>
+              </p:prevCondLst>
+              <p:nextCondLst>
+                <p:cond evt="onNext" delay="0">
+                  <p:tgtEl>
+                    <p:sldTgt/>
+                  </p:tgtEl>
+                </p:cond>
+              </p:nextCondLst>
+            </p:seq>
+          </p:childTnLst>
+        </p:cTn>
+      </p:par>
+    </p:tnLst>
+  </p:timing>
+</p:sld>
+</file>
+
+<file path=ppt/slides/slide21.xml><?xml version="1.0" encoding="utf-8"?>
+<p:sld xmlns:a="http://schemas.openxmlformats.org/drawingml/2006/main" xmlns:r="http://schemas.openxmlformats.org/officeDocument/2006/relationships" xmlns:p="http://schemas.openxmlformats.org/presentationml/2006/main">
+  <p:cSld>
+    <p:spTree>
+      <p:nvGrpSpPr>
+        <p:cNvPr id="1" name=""/>
+        <p:cNvGrpSpPr/>
+        <p:nvPr/>
+      </p:nvGrpSpPr>
+      <p:grpSpPr>
+        <a:xfrm>
+          <a:off x="0" y="0"/>
+          <a:ext cx="0" cy="0"/>
+          <a:chOff x="0" y="0"/>
+          <a:chExt cx="0" cy="0"/>
+        </a:xfrm>
+      </p:grpSpPr>
+      <p:sp>
+        <p:nvSpPr>
+          <p:cNvPr id="2" name="Titel 1"/>
+          <p:cNvSpPr>
+            <a:spLocks noGrp="1"/>
+          </p:cNvSpPr>
+          <p:nvPr>
+            <p:ph type="title"/>
+          </p:nvPr>
+        </p:nvSpPr>
+        <p:spPr/>
+        <p:txBody>
+          <a:bodyPr/>
+          <a:lstStyle/>
+          <a:p>
+            <a:r>
+              <a:rPr lang="de-DE" dirty="0" smtClean="0"/>
+              <a:t>Bsp.: Event anzeigen</a:t>
+            </a:r>
+            <a:endParaRPr lang="de-DE" dirty="0"/>
+          </a:p>
+        </p:txBody>
+      </p:sp>
+      <p:pic>
+        <p:nvPicPr>
+          <p:cNvPr id="4" name="Grafik 3"/>
+          <p:cNvPicPr>
+            <a:picLocks noChangeAspect="1"/>
+          </p:cNvPicPr>
+          <p:nvPr/>
+        </p:nvPicPr>
+        <p:blipFill>
+          <a:blip r:embed="rId2"/>
+          <a:stretch>
+            <a:fillRect/>
+          </a:stretch>
+        </p:blipFill>
+        <p:spPr>
+          <a:xfrm>
+            <a:off x="1043608" y="1197312"/>
+            <a:ext cx="7169674" cy="5040000"/>
+          </a:xfrm>
+          <a:prstGeom prst="rect">
+            <a:avLst/>
+          </a:prstGeom>
+        </p:spPr>
+      </p:pic>
+      <p:pic>
+        <p:nvPicPr>
+          <p:cNvPr id="1028" name="Picture 4" descr="http://www.clker.com/cliparts/9/1/1/6/12247849541307080526radacina_cursor_hand.svg.thumb.png"/>
+          <p:cNvPicPr>
+            <a:picLocks noChangeAspect="1" noChangeArrowheads="1"/>
+          </p:cNvPicPr>
+          <p:nvPr/>
+        </p:nvPicPr>
+        <p:blipFill>
+          <a:blip r:embed="rId3" cstate="print">
+            <a:extLst>
+              <a:ext uri="{28A0092B-C50C-407E-A947-70E740481C1C}">
+                <a14:useLocalDpi xmlns:a14="http://schemas.microsoft.com/office/drawing/2010/main" val="0"/>
+              </a:ext>
+            </a:extLst>
+          </a:blip>
+          <a:srcRect/>
+          <a:stretch>
+            <a:fillRect/>
+          </a:stretch>
+        </p:blipFill>
+        <p:spPr bwMode="auto">
+          <a:xfrm>
+            <a:off x="7524328" y="1844824"/>
+            <a:ext cx="216024" cy="288032"/>
+          </a:xfrm>
+          <a:prstGeom prst="rect">
+            <a:avLst/>
+          </a:prstGeom>
+          <a:noFill/>
+          <a:extLst>
+            <a:ext uri="{909E8E84-426E-40DD-AFC4-6F175D3DCCD1}">
+              <a14:hiddenFill xmlns:a14="http://schemas.microsoft.com/office/drawing/2010/main">
+                <a:solidFill>
+                  <a:srgbClr val="FFFFFF"/>
+                </a:solidFill>
+              </a14:hiddenFill>
+            </a:ext>
+          </a:extLst>
+        </p:spPr>
+      </p:pic>
+      <p:sp>
+        <p:nvSpPr>
+          <p:cNvPr id="5" name="Rechteck 4"/>
+          <p:cNvSpPr/>
+          <p:nvPr/>
+        </p:nvSpPr>
+        <p:spPr bwMode="auto">
+          <a:xfrm>
+            <a:off x="6876256" y="2456912"/>
+            <a:ext cx="936104" cy="180000"/>
+          </a:xfrm>
+          <a:prstGeom prst="rect">
+            <a:avLst/>
+          </a:prstGeom>
+          <a:noFill/>
+          <a:ln w="25400">
+            <a:solidFill>
+              <a:srgbClr val="FF0000"/>
+            </a:solidFill>
+            <a:miter lim="800000"/>
+            <a:headEnd/>
+            <a:tailEnd/>
+          </a:ln>
+        </p:spPr>
+        <p:txBody>
+          <a:bodyPr wrap="square" lIns="72000" tIns="72000" rIns="72000" bIns="72000" rtlCol="0" anchor="ctr">
+            <a:spAutoFit/>
+          </a:bodyPr>
+          <a:lstStyle/>
+          <a:p>
+            <a:pPr marL="381000" indent="-25400" algn="ctr" defTabSz="762000">
+              <a:spcBef>
+                <a:spcPts val="600"/>
+              </a:spcBef>
+              <a:buClr>
+                <a:srgbClr val="FF3300"/>
+              </a:buClr>
+              <a:buFont typeface="Webdings" pitchFamily="18" charset="2"/>
+              <a:buNone/>
+            </a:pPr>
+            <a:endParaRPr lang="de-DE" sz="2000" dirty="0" smtClean="0">
+              <a:solidFill>
+                <a:srgbClr val="000000"/>
+              </a:solidFill>
+              <a:latin typeface="Arial" charset="0"/>
+            </a:endParaRPr>
+          </a:p>
+        </p:txBody>
+      </p:sp>
+      <p:sp>
+        <p:nvSpPr>
+          <p:cNvPr id="9" name="Rechteck 8"/>
+          <p:cNvSpPr/>
+          <p:nvPr/>
+        </p:nvSpPr>
+        <p:spPr bwMode="auto">
+          <a:xfrm>
+            <a:off x="1727684" y="3302902"/>
+            <a:ext cx="1764196" cy="180000"/>
+          </a:xfrm>
+          <a:prstGeom prst="rect">
+            <a:avLst/>
+          </a:prstGeom>
+          <a:noFill/>
+          <a:ln w="25400">
+            <a:solidFill>
+              <a:srgbClr val="FF0000"/>
+            </a:solidFill>
+            <a:miter lim="800000"/>
+            <a:headEnd/>
+            <a:tailEnd/>
+          </a:ln>
+        </p:spPr>
+        <p:txBody>
+          <a:bodyPr wrap="square" lIns="72000" tIns="72000" rIns="72000" bIns="72000" rtlCol="0" anchor="ctr">
+            <a:spAutoFit/>
+          </a:bodyPr>
+          <a:lstStyle/>
+          <a:p>
+            <a:pPr marL="381000" indent="-25400" algn="ctr" defTabSz="762000">
+              <a:spcBef>
+                <a:spcPts val="600"/>
+              </a:spcBef>
+              <a:buClr>
+                <a:srgbClr val="FF3300"/>
+              </a:buClr>
+              <a:buFont typeface="Webdings" pitchFamily="18" charset="2"/>
+              <a:buNone/>
+            </a:pPr>
+            <a:endParaRPr lang="de-DE" sz="2000" dirty="0" smtClean="0">
+              <a:solidFill>
+                <a:srgbClr val="000000"/>
+              </a:solidFill>
+              <a:latin typeface="Arial" charset="0"/>
+            </a:endParaRPr>
+          </a:p>
+        </p:txBody>
+      </p:sp>
+    </p:spTree>
+    <p:extLst>
+      <p:ext uri="{BB962C8B-B14F-4D97-AF65-F5344CB8AC3E}">
+        <p14:creationId xmlns:p14="http://schemas.microsoft.com/office/powerpoint/2010/main" val="3978570336"/>
+      </p:ext>
+    </p:extLst>
+  </p:cSld>
+  <p:clrMapOvr>
+    <a:masterClrMapping/>
+  </p:clrMapOvr>
+  <p:timing>
+    <p:tnLst>
+      <p:par>
+        <p:cTn id="1" dur="indefinite" restart="never" nodeType="tmRoot">
+          <p:childTnLst>
+            <p:seq concurrent="1" nextAc="seek">
+              <p:cTn id="2" dur="indefinite" nodeType="mainSeq">
+                <p:childTnLst>
+                  <p:par>
+                    <p:cTn id="3" fill="hold">
+                      <p:stCondLst>
+                        <p:cond delay="indefinite"/>
+                      </p:stCondLst>
+                      <p:childTnLst>
+                        <p:par>
+                          <p:cTn id="4" fill="hold">
+                            <p:stCondLst>
+                              <p:cond delay="0"/>
+                            </p:stCondLst>
+                            <p:childTnLst>
+                              <p:par>
+                                <p:cTn id="5" presetID="10" presetClass="entr" presetSubtype="0" fill="hold" grpId="0" nodeType="clickEffect">
+                                  <p:stCondLst>
+                                    <p:cond delay="0"/>
+                                  </p:stCondLst>
+                                  <p:childTnLst>
+                                    <p:set>
+                                      <p:cBhvr>
+                                        <p:cTn id="6" dur="1" fill="hold">
+                                          <p:stCondLst>
+                                            <p:cond delay="0"/>
+                                          </p:stCondLst>
+                                        </p:cTn>
+                                        <p:tgtEl>
+                                          <p:spTgt spid="5"/>
+                                        </p:tgtEl>
+                                        <p:attrNameLst>
+                                          <p:attrName>style.visibility</p:attrName>
+                                        </p:attrNameLst>
+                                      </p:cBhvr>
+                                      <p:to>
+                                        <p:strVal val="visible"/>
+                                      </p:to>
+                                    </p:set>
+                                    <p:animEffect transition="in" filter="fade">
+                                      <p:cBhvr>
+                                        <p:cTn id="7" dur="500"/>
+                                        <p:tgtEl>
+                                          <p:spTgt spid="5"/>
+                                        </p:tgtEl>
+                                      </p:cBhvr>
+                                    </p:animEffect>
+                                  </p:childTnLst>
+                                </p:cTn>
+                              </p:par>
+                            </p:childTnLst>
+                          </p:cTn>
+                        </p:par>
+                      </p:childTnLst>
+                    </p:cTn>
+                  </p:par>
+                  <p:par>
+                    <p:cTn id="8" fill="hold">
+                      <p:stCondLst>
+                        <p:cond delay="indefinite"/>
+                      </p:stCondLst>
+                      <p:childTnLst>
+                        <p:par>
+                          <p:cTn id="9" fill="hold">
+                            <p:stCondLst>
+                              <p:cond delay="0"/>
+                            </p:stCondLst>
+                            <p:childTnLst>
+                              <p:par>
+                                <p:cTn id="10" presetID="10" presetClass="exit" presetSubtype="0" fill="hold" grpId="1" nodeType="clickEffect">
+                                  <p:stCondLst>
+                                    <p:cond delay="0"/>
+                                  </p:stCondLst>
+                                  <p:childTnLst>
+                                    <p:animEffect transition="out" filter="fade">
+                                      <p:cBhvr>
+                                        <p:cTn id="11" dur="500"/>
+                                        <p:tgtEl>
+                                          <p:spTgt spid="5"/>
+                                        </p:tgtEl>
+                                      </p:cBhvr>
+                                    </p:animEffect>
+                                    <p:set>
+                                      <p:cBhvr>
+                                        <p:cTn id="12" dur="1" fill="hold">
+                                          <p:stCondLst>
+                                            <p:cond delay="499"/>
+                                          </p:stCondLst>
+                                        </p:cTn>
+                                        <p:tgtEl>
+                                          <p:spTgt spid="5"/>
+                                        </p:tgtEl>
+                                        <p:attrNameLst>
+                                          <p:attrName>style.visibility</p:attrName>
+                                        </p:attrNameLst>
+                                      </p:cBhvr>
+                                      <p:to>
+                                        <p:strVal val="hidden"/>
+                                      </p:to>
+                                    </p:set>
+                                  </p:childTnLst>
+                                </p:cTn>
+                              </p:par>
+                              <p:par>
+                                <p:cTn id="13" presetID="10" presetClass="entr" presetSubtype="0" fill="hold" grpId="0" nodeType="withEffect">
+                                  <p:stCondLst>
+                                    <p:cond delay="0"/>
+                                  </p:stCondLst>
+                                  <p:childTnLst>
+                                    <p:set>
+                                      <p:cBhvr>
+                                        <p:cTn id="14" dur="1" fill="hold">
+                                          <p:stCondLst>
+                                            <p:cond delay="0"/>
+                                          </p:stCondLst>
+                                        </p:cTn>
+                                        <p:tgtEl>
+                                          <p:spTgt spid="9"/>
+                                        </p:tgtEl>
+                                        <p:attrNameLst>
+                                          <p:attrName>style.visibility</p:attrName>
+                                        </p:attrNameLst>
+                                      </p:cBhvr>
+                                      <p:to>
+                                        <p:strVal val="visible"/>
+                                      </p:to>
+                                    </p:set>
+                                    <p:animEffect transition="in" filter="fade">
+                                      <p:cBhvr>
+                                        <p:cTn id="15" dur="500"/>
+                                        <p:tgtEl>
+                                          <p:spTgt spid="9"/>
+                                        </p:tgtEl>
+                                      </p:cBhvr>
+                                    </p:animEffect>
+                                  </p:childTnLst>
+                                </p:cTn>
+                              </p:par>
+                            </p:childTnLst>
+                          </p:cTn>
+                        </p:par>
+                      </p:childTnLst>
+                    </p:cTn>
+                  </p:par>
+                  <p:par>
+                    <p:cTn id="16" fill="hold">
+                      <p:stCondLst>
+                        <p:cond delay="indefinite"/>
+                      </p:stCondLst>
+                      <p:childTnLst>
+                        <p:par>
+                          <p:cTn id="17" fill="hold">
+                            <p:stCondLst>
+                              <p:cond delay="0"/>
+                            </p:stCondLst>
+                            <p:childTnLst>
+                              <p:par>
+                                <p:cTn id="18" presetID="10" presetClass="exit" presetSubtype="0" fill="hold" grpId="1" nodeType="clickEffect">
+                                  <p:stCondLst>
+                                    <p:cond delay="0"/>
+                                  </p:stCondLst>
+                                  <p:childTnLst>
+                                    <p:animEffect transition="out" filter="fade">
+                                      <p:cBhvr>
+                                        <p:cTn id="19" dur="500"/>
+                                        <p:tgtEl>
+                                          <p:spTgt spid="9"/>
+                                        </p:tgtEl>
+                                      </p:cBhvr>
+                                    </p:animEffect>
+                                    <p:set>
+                                      <p:cBhvr>
+                                        <p:cTn id="20" dur="1" fill="hold">
+                                          <p:stCondLst>
+                                            <p:cond delay="499"/>
+                                          </p:stCondLst>
+                                        </p:cTn>
+                                        <p:tgtEl>
+                                          <p:spTgt spid="9"/>
+                                        </p:tgtEl>
+                                        <p:attrNameLst>
+                                          <p:attrName>style.visibility</p:attrName>
+                                        </p:attrNameLst>
+                                      </p:cBhvr>
+                                      <p:to>
+                                        <p:strVal val="hidden"/>
+                                      </p:to>
+                                    </p:set>
+                                  </p:childTnLst>
+                                </p:cTn>
+                              </p:par>
+                              <p:par>
+                                <p:cTn id="21" presetID="0" presetClass="path" presetSubtype="0" accel="50000" decel="50000" fill="hold" nodeType="withEffect">
+                                  <p:stCondLst>
+                                    <p:cond delay="0"/>
+                                  </p:stCondLst>
+                                  <p:childTnLst>
+                                    <p:animMotion origin="layout" path="M -2.22222E-6 3.7037E-6 L -2.22222E-6 0.00023 C -0.00121 0.00393 -0.00225 0.00787 -0.0033 0.0118 C -0.00416 0.01574 -0.00416 0.01782 -0.00625 0.0206 C -0.00712 0.02199 -0.00816 0.02268 -0.0092 0.02384 C -0.00989 0.02523 -0.01024 0.02731 -0.01111 0.02824 C -0.01198 0.02939 -0.01337 0.02847 -0.01406 0.02986 C -0.01944 0.03773 -0.01024 0.03171 -0.01805 0.03564 C -0.01875 0.03726 -0.01909 0.03935 -0.02014 0.04027 C -0.02187 0.04189 -0.02621 0.04328 -0.02621 0.04351 C -0.03819 0.05532 -0.02691 0.04467 -0.03611 0.05231 C -0.03767 0.0537 -0.03941 0.05532 -0.04097 0.05671 C -0.04427 0.05926 -0.04791 0.06111 -0.05087 0.06435 C -0.05312 0.0662 -0.05503 0.06851 -0.05712 0.07037 C -0.05798 0.07106 -0.05903 0.07106 -0.06007 0.07176 C -0.06232 0.07314 -0.06475 0.07453 -0.06701 0.07615 C -0.06909 0.07801 -0.07083 0.08055 -0.07291 0.08217 C -0.07517 0.08402 -0.07778 0.08518 -0.08003 0.08657 C -0.08177 0.08796 -0.08316 0.09004 -0.08489 0.0912 C -0.0875 0.09259 -0.09028 0.09328 -0.09288 0.09421 C -0.09618 0.0956 -0.09948 0.09722 -0.10278 0.09884 C -0.10399 0.0993 -0.10486 0.09976 -0.1059 0.10023 C -0.10989 0.10185 -0.11389 0.10301 -0.11771 0.10486 C -0.14896 0.11851 -0.12205 0.10764 -0.14566 0.11527 C -0.1467 0.11551 -0.14757 0.11666 -0.14861 0.11666 C -0.15972 0.11921 -0.18003 0.11921 -0.18767 0.11967 C -0.19479 0.12037 -0.20469 0.12106 -0.2125 0.12268 C -0.21649 0.12384 -0.22048 0.125 -0.2243 0.12592 C -0.22899 0.12662 -0.23385 0.12662 -0.23837 0.12708 C -0.2717 0.13981 -0.23385 0.12615 -0.33194 0.13032 C -0.33715 0.13055 -0.34201 0.1324 -0.34705 0.1331 C -0.3526 0.13402 -0.35816 0.13449 -0.36406 0.13472 C -0.38177 0.13541 -0.48732 0.1375 -0.50052 0.13773 L -0.50746 0.13935 C -0.50937 0.13981 -0.51146 0.14027 -0.51337 0.14074 C -0.51719 0.14143 -0.52083 0.14166 -0.52448 0.14213 C -0.52639 0.14259 -0.52847 0.14351 -0.53038 0.14375 C -0.53819 0.14537 -0.54653 0.14583 -0.55434 0.14699 C -0.57066 0.14629 -0.5868 0.14537 -0.60312 0.14537 C -0.61736 0.14537 -0.63177 0.14699 -0.64583 0.14699 " pathEditMode="relative" rAng="0" ptsTypes="AAAAAAAAAAAAAAAAAAAAAAAAAAAAAAAAAAAAAAAA">
+                                      <p:cBhvr>
+                                        <p:cTn id="22" dur="2000" fill="hold"/>
+                                        <p:tgtEl>
+                                          <p:spTgt spid="1028"/>
+                                        </p:tgtEl>
+                                        <p:attrNameLst>
+                                          <p:attrName>ppt_x</p:attrName>
+                                          <p:attrName>ppt_y</p:attrName>
+                                        </p:attrNameLst>
+                                      </p:cBhvr>
+                                      <p:rCtr x="-32292" y="7338"/>
+                                    </p:animMotion>
+                                  </p:childTnLst>
+                                </p:cTn>
+                              </p:par>
+                            </p:childTnLst>
+                          </p:cTn>
+                        </p:par>
+                      </p:childTnLst>
+                    </p:cTn>
+                  </p:par>
+                </p:childTnLst>
+              </p:cTn>
+              <p:prevCondLst>
+                <p:cond evt="onPrev" delay="0">
+                  <p:tgtEl>
+                    <p:sldTgt/>
+                  </p:tgtEl>
+                </p:cond>
+              </p:prevCondLst>
+              <p:nextCondLst>
+                <p:cond evt="onNext" delay="0">
+                  <p:tgtEl>
+                    <p:sldTgt/>
+                  </p:tgtEl>
+                </p:cond>
+              </p:nextCondLst>
+            </p:seq>
+          </p:childTnLst>
+        </p:cTn>
+      </p:par>
+    </p:tnLst>
+    <p:bldLst>
+      <p:bldP spid="5" grpId="0" animBg="1"/>
+      <p:bldP spid="5" grpId="1" animBg="1"/>
+      <p:bldP spid="9" grpId="0" animBg="1"/>
+      <p:bldP spid="9" grpId="1" animBg="1"/>
+    </p:bldLst>
+  </p:timing>
+</p:sld>
+</file>
+
+<file path=ppt/slides/slide22.xml><?xml version="1.0" encoding="utf-8"?>
+<p:sld xmlns:a="http://schemas.openxmlformats.org/drawingml/2006/main" xmlns:r="http://schemas.openxmlformats.org/officeDocument/2006/relationships" xmlns:p="http://schemas.openxmlformats.org/presentationml/2006/main">
+  <p:cSld>
+    <p:spTree>
+      <p:nvGrpSpPr>
+        <p:cNvPr id="1" name=""/>
+        <p:cNvGrpSpPr/>
+        <p:nvPr/>
+      </p:nvGrpSpPr>
+      <p:grpSpPr>
+        <a:xfrm>
+          <a:off x="0" y="0"/>
+          <a:ext cx="0" cy="0"/>
+          <a:chOff x="0" y="0"/>
+          <a:chExt cx="0" cy="0"/>
+        </a:xfrm>
+      </p:grpSpPr>
+      <p:sp>
+        <p:nvSpPr>
+          <p:cNvPr id="2" name="Titel 1"/>
+          <p:cNvSpPr>
+            <a:spLocks noGrp="1"/>
+          </p:cNvSpPr>
+          <p:nvPr>
+            <p:ph type="title"/>
+          </p:nvPr>
+        </p:nvSpPr>
+        <p:spPr/>
+        <p:txBody>
+          <a:bodyPr/>
+          <a:lstStyle/>
+          <a:p>
+            <a:r>
+              <a:rPr lang="de-DE" dirty="0" smtClean="0"/>
+              <a:t>Sequenz-Diagramm</a:t>
+            </a:r>
+            <a:endParaRPr lang="de-DE" dirty="0"/>
+          </a:p>
+        </p:txBody>
+      </p:sp>
+      <p:pic>
+        <p:nvPicPr>
+          <p:cNvPr id="2050" name="Picture 2" descr="http://www.websequencediagrams.com/cgi-bin/cdraw?lz=dGl0bGUgQXVmcnVmIGV2ZW50cwoKVXNlci0-QnJvd3NlcjogU3VjaGUgbmFjaCAiZmVzdCIKABQHLT5hcHBsaWNhdGlvbi5qczptZW51U2VhcmNoKCkKAA4OLQBGC2FsbGUgV2lkZ2V0cyBhdXNibGVuZGVuABcbACcGIGV2bnRsaXN0IGVpbgAeFwCBAxBzAIEKBVN0cmluZz0AgTgHACMQAIFzBWxpc3QAJwooAIFkBikKABAMLT5hcGk6ImFwaS8AgiUGLyIrAFQMK3BhZ2UAZQYKYXBpAEoPanNvbltdLCBoZWRlcihYLU1heFBhZ2VzOjIAVhAAgWUSAIEZByBtaXQgSW5oYWx0ZW4gZsO8bGxlbg&amp;s=patent"/>
+          <p:cNvPicPr>
+            <a:picLocks noChangeAspect="1" noChangeArrowheads="1"/>
+          </p:cNvPicPr>
+          <p:nvPr/>
+        </p:nvPicPr>
+        <p:blipFill>
+          <a:blip r:embed="rId2">
+            <a:extLst>
+              <a:ext uri="{28A0092B-C50C-407E-A947-70E740481C1C}">
+                <a14:useLocalDpi xmlns:a14="http://schemas.microsoft.com/office/drawing/2010/main" val="0"/>
+              </a:ext>
+            </a:extLst>
+          </a:blip>
+          <a:srcRect/>
+          <a:stretch>
+            <a:fillRect/>
+          </a:stretch>
+        </p:blipFill>
+        <p:spPr bwMode="auto">
+          <a:xfrm>
+            <a:off x="590550" y="1700808"/>
+            <a:ext cx="8096250" cy="3924301"/>
+          </a:xfrm>
+          <a:prstGeom prst="rect">
+            <a:avLst/>
+          </a:prstGeom>
+          <a:noFill/>
+          <a:extLst>
+            <a:ext uri="{909E8E84-426E-40DD-AFC4-6F175D3DCCD1}">
+              <a14:hiddenFill xmlns:a14="http://schemas.microsoft.com/office/drawing/2010/main">
+                <a:solidFill>
+                  <a:srgbClr val="FFFFFF"/>
+                </a:solidFill>
+              </a14:hiddenFill>
+            </a:ext>
+          </a:extLst>
+        </p:spPr>
+      </p:pic>
+    </p:spTree>
+    <p:extLst>
+      <p:ext uri="{BB962C8B-B14F-4D97-AF65-F5344CB8AC3E}">
+        <p14:creationId xmlns:p14="http://schemas.microsoft.com/office/powerpoint/2010/main" val="3657824968"/>
+      </p:ext>
+    </p:extLst>
+  </p:cSld>
+  <p:clrMapOvr>
+    <a:masterClrMapping/>
+  </p:clrMapOvr>
+  <p:timing>
+    <p:tnLst>
+      <p:par>
+        <p:cTn id="1" dur="indefinite" restart="never" nodeType="tmRoot"/>
+      </p:par>
+    </p:tnLst>
+  </p:timing>
+</p:sld>
+</file>
+
+<file path=ppt/slides/slide23.xml><?xml version="1.0" encoding="utf-8"?>
+<p:sld xmlns:a="http://schemas.openxmlformats.org/drawingml/2006/main" xmlns:r="http://schemas.openxmlformats.org/officeDocument/2006/relationships" xmlns:p="http://schemas.openxmlformats.org/presentationml/2006/main">
+  <p:cSld>
+    <p:spTree>
+      <p:nvGrpSpPr>
+        <p:cNvPr id="1" name=""/>
+        <p:cNvGrpSpPr/>
+        <p:nvPr/>
+      </p:nvGrpSpPr>
+      <p:grpSpPr>
+        <a:xfrm>
+          <a:off x="0" y="0"/>
+          <a:ext cx="0" cy="0"/>
+          <a:chOff x="0" y="0"/>
+          <a:chExt cx="0" cy="0"/>
+        </a:xfrm>
+      </p:grpSpPr>
+      <p:sp>
+        <p:nvSpPr>
+          <p:cNvPr id="2" name="Titel 1"/>
+          <p:cNvSpPr>
+            <a:spLocks noGrp="1"/>
+          </p:cNvSpPr>
+          <p:nvPr>
+            <p:ph type="title"/>
+          </p:nvPr>
+        </p:nvSpPr>
+        <p:spPr/>
+        <p:txBody>
+          <a:bodyPr/>
+          <a:lstStyle/>
+          <a:p>
+            <a:r>
+              <a:rPr lang="de-DE" dirty="0" smtClean="0"/>
+              <a:t>Bsp.: Event bearbeiten</a:t>
+            </a:r>
+            <a:endParaRPr lang="de-DE" dirty="0"/>
+          </a:p>
+        </p:txBody>
+      </p:sp>
+      <p:pic>
+        <p:nvPicPr>
+          <p:cNvPr id="6" name="Grafik 5"/>
+          <p:cNvPicPr>
+            <a:picLocks noChangeAspect="1"/>
+          </p:cNvPicPr>
+          <p:nvPr/>
+        </p:nvPicPr>
+        <p:blipFill>
+          <a:blip r:embed="rId2"/>
+          <a:stretch>
+            <a:fillRect/>
+          </a:stretch>
+        </p:blipFill>
+        <p:spPr>
+          <a:xfrm>
+            <a:off x="1043608" y="1187624"/>
+            <a:ext cx="7169674" cy="5040000"/>
+          </a:xfrm>
+          <a:prstGeom prst="rect">
+            <a:avLst/>
+          </a:prstGeom>
+        </p:spPr>
+      </p:pic>
+      <p:pic>
+        <p:nvPicPr>
+          <p:cNvPr id="1028" name="Picture 4" descr="http://www.clker.com/cliparts/9/1/1/6/12247849541307080526radacina_cursor_hand.svg.thumb.png"/>
+          <p:cNvPicPr>
+            <a:picLocks noChangeAspect="1" noChangeArrowheads="1"/>
+          </p:cNvPicPr>
+          <p:nvPr/>
+        </p:nvPicPr>
+        <p:blipFill>
+          <a:blip r:embed="rId3" cstate="print">
+            <a:extLst>
+              <a:ext uri="{28A0092B-C50C-407E-A947-70E740481C1C}">
+                <a14:useLocalDpi xmlns:a14="http://schemas.microsoft.com/office/drawing/2010/main" val="0"/>
+              </a:ext>
+            </a:extLst>
+          </a:blip>
+          <a:srcRect/>
+          <a:stretch>
+            <a:fillRect/>
+          </a:stretch>
+        </p:blipFill>
+        <p:spPr bwMode="auto">
+          <a:xfrm>
+            <a:off x="7452320" y="3241716"/>
+            <a:ext cx="216024" cy="288032"/>
+          </a:xfrm>
+          <a:prstGeom prst="rect">
+            <a:avLst/>
+          </a:prstGeom>
+          <a:noFill/>
+          <a:extLst>
+            <a:ext uri="{909E8E84-426E-40DD-AFC4-6F175D3DCCD1}">
+              <a14:hiddenFill xmlns:a14="http://schemas.microsoft.com/office/drawing/2010/main">
+                <a:solidFill>
+                  <a:srgbClr val="FFFFFF"/>
+                </a:solidFill>
+              </a14:hiddenFill>
+            </a:ext>
+          </a:extLst>
+        </p:spPr>
+      </p:pic>
+    </p:spTree>
+    <p:extLst>
+      <p:ext uri="{BB962C8B-B14F-4D97-AF65-F5344CB8AC3E}">
+        <p14:creationId xmlns:p14="http://schemas.microsoft.com/office/powerpoint/2010/main" val="1076482670"/>
+      </p:ext>
+    </p:extLst>
+  </p:cSld>
+  <p:clrMapOvr>
+    <a:masterClrMapping/>
+  </p:clrMapOvr>
+  <p:timing>
+    <p:tnLst>
+      <p:par>
+        <p:cTn id="1" dur="indefinite" restart="never" nodeType="tmRoot">
+          <p:childTnLst>
+            <p:seq concurrent="1" nextAc="seek">
+              <p:cTn id="2" dur="indefinite" nodeType="mainSeq">
+                <p:childTnLst>
+                  <p:par>
+                    <p:cTn id="3" fill="hold">
+                      <p:stCondLst>
+                        <p:cond delay="indefinite"/>
+                      </p:stCondLst>
+                      <p:childTnLst>
+                        <p:par>
+                          <p:cTn id="4" fill="hold">
+                            <p:stCondLst>
+                              <p:cond delay="0"/>
+                            </p:stCondLst>
+                            <p:childTnLst>
+                              <p:par>
+                                <p:cTn id="5" presetID="0" presetClass="path" presetSubtype="0" accel="50000" decel="50000" fill="hold" nodeType="clickEffect">
+                                  <p:stCondLst>
+                                    <p:cond delay="0"/>
+                                  </p:stCondLst>
+                                  <p:childTnLst>
+                                    <p:animMotion origin="layout" path="M 3.88889E-6 1.48148E-6 L 3.88889E-6 0.00023 C -0.00105 -0.00324 -0.00191 -0.00625 -0.00278 -0.00903 C -0.00313 -0.01019 -0.0033 -0.01158 -0.00365 -0.0125 C -0.00469 -0.01551 -0.00643 -0.01829 -0.00712 -0.02153 C -0.00782 -0.02361 -0.00851 -0.02593 -0.00903 -0.02824 C -0.00938 -0.03009 -0.00938 -0.03195 -0.00973 -0.0338 C -0.01025 -0.03542 -0.01111 -0.03658 -0.01164 -0.0382 C -0.0125 -0.04121 -0.0125 -0.04421 -0.01337 -0.04722 L -0.01789 -0.06412 L -0.01945 -0.07083 C -0.0198 -0.07176 -0.01997 -0.07315 -0.02049 -0.07408 C -0.02101 -0.07546 -0.02171 -0.07708 -0.02205 -0.07871 C -0.02257 -0.07963 -0.02257 -0.08079 -0.02309 -0.08195 C -0.02344 -0.0831 -0.02448 -0.08426 -0.02483 -0.08542 C -0.02552 -0.0875 -0.02605 -0.08982 -0.02657 -0.09213 L -0.02743 -0.09537 C -0.02743 -0.0963 -0.02743 -0.1081 -0.0257 -0.11227 C -0.02171 -0.12153 -0.02205 -0.12083 -0.02205 -0.11574 " pathEditMode="relative" rAng="0" ptsTypes="AAAAAAAAAAAAAAAAAAA">
+                                      <p:cBhvr>
+                                        <p:cTn id="6" dur="2000" fill="hold"/>
+                                        <p:tgtEl>
+                                          <p:spTgt spid="1028"/>
+                                        </p:tgtEl>
+                                        <p:attrNameLst>
+                                          <p:attrName>ppt_x</p:attrName>
+                                          <p:attrName>ppt_y</p:attrName>
+                                        </p:attrNameLst>
+                                      </p:cBhvr>
+                                      <p:rCtr x="-1372" y="-5972"/>
+                                    </p:animMotion>
+                                  </p:childTnLst>
+                                </p:cTn>
+                              </p:par>
+                            </p:childTnLst>
+                          </p:cTn>
+                        </p:par>
+                      </p:childTnLst>
+                    </p:cTn>
+                  </p:par>
+                </p:childTnLst>
+              </p:cTn>
+              <p:prevCondLst>
+                <p:cond evt="onPrev" delay="0">
+                  <p:tgtEl>
+                    <p:sldTgt/>
+                  </p:tgtEl>
+                </p:cond>
+              </p:prevCondLst>
+              <p:nextCondLst>
+                <p:cond evt="onNext" delay="0">
+                  <p:tgtEl>
+                    <p:sldTgt/>
+                  </p:tgtEl>
+                </p:cond>
+              </p:nextCondLst>
+            </p:seq>
+          </p:childTnLst>
+        </p:cTn>
+      </p:par>
+    </p:tnLst>
+  </p:timing>
+</p:sld>
+</file>
+
+<file path=ppt/slides/slide24.xml><?xml version="1.0" encoding="utf-8"?>
+<p:sld xmlns:a="http://schemas.openxmlformats.org/drawingml/2006/main" xmlns:r="http://schemas.openxmlformats.org/officeDocument/2006/relationships" xmlns:p="http://schemas.openxmlformats.org/presentationml/2006/main">
+  <p:cSld>
+    <p:spTree>
+      <p:nvGrpSpPr>
+        <p:cNvPr id="1" name=""/>
+        <p:cNvGrpSpPr/>
+        <p:nvPr/>
+      </p:nvGrpSpPr>
+      <p:grpSpPr>
+        <a:xfrm>
+          <a:off x="0" y="0"/>
+          <a:ext cx="0" cy="0"/>
+          <a:chOff x="0" y="0"/>
+          <a:chExt cx="0" cy="0"/>
+        </a:xfrm>
+      </p:grpSpPr>
+      <p:sp>
+        <p:nvSpPr>
+          <p:cNvPr id="2" name="Titel 1"/>
+          <p:cNvSpPr>
+            <a:spLocks noGrp="1"/>
+          </p:cNvSpPr>
+          <p:nvPr>
+            <p:ph type="title"/>
+          </p:nvPr>
+        </p:nvSpPr>
+        <p:spPr/>
+        <p:txBody>
+          <a:bodyPr/>
+          <a:lstStyle/>
+          <a:p>
+            <a:r>
+              <a:rPr lang="de-DE" dirty="0" smtClean="0"/>
+              <a:t>Bsp.: Event bearbeiten</a:t>
+            </a:r>
+            <a:endParaRPr lang="de-DE" dirty="0"/>
+          </a:p>
+        </p:txBody>
+      </p:sp>
+      <p:pic>
+        <p:nvPicPr>
+          <p:cNvPr id="3" name="Grafik 2"/>
+          <p:cNvPicPr>
+            <a:picLocks noChangeAspect="1"/>
+          </p:cNvPicPr>
+          <p:nvPr/>
+        </p:nvPicPr>
+        <p:blipFill>
+          <a:blip r:embed="rId2"/>
+          <a:stretch>
+            <a:fillRect/>
+          </a:stretch>
+        </p:blipFill>
+        <p:spPr>
+          <a:xfrm>
+            <a:off x="1043608" y="1187624"/>
+            <a:ext cx="7169674" cy="5040000"/>
+          </a:xfrm>
+          <a:prstGeom prst="rect">
+            <a:avLst/>
+          </a:prstGeom>
+        </p:spPr>
+      </p:pic>
+      <p:pic>
+        <p:nvPicPr>
+          <p:cNvPr id="1028" name="Picture 4" descr="http://www.clker.com/cliparts/9/1/1/6/12247849541307080526radacina_cursor_hand.svg.thumb.png"/>
+          <p:cNvPicPr>
+            <a:picLocks noChangeAspect="1" noChangeArrowheads="1"/>
+          </p:cNvPicPr>
+          <p:nvPr/>
+        </p:nvPicPr>
+        <p:blipFill>
+          <a:blip r:embed="rId3" cstate="print">
+            <a:extLst>
+              <a:ext uri="{28A0092B-C50C-407E-A947-70E740481C1C}">
+                <a14:useLocalDpi xmlns:a14="http://schemas.microsoft.com/office/drawing/2010/main" val="0"/>
+              </a:ext>
+            </a:extLst>
+          </a:blip>
+          <a:srcRect/>
+          <a:stretch>
+            <a:fillRect/>
+          </a:stretch>
+        </p:blipFill>
+        <p:spPr bwMode="auto">
+          <a:xfrm>
+            <a:off x="7236296" y="2492896"/>
+            <a:ext cx="216024" cy="288032"/>
+          </a:xfrm>
+          <a:prstGeom prst="rect">
+            <a:avLst/>
+          </a:prstGeom>
+          <a:noFill/>
+          <a:extLst>
+            <a:ext uri="{909E8E84-426E-40DD-AFC4-6F175D3DCCD1}">
+              <a14:hiddenFill xmlns:a14="http://schemas.microsoft.com/office/drawing/2010/main">
+                <a:solidFill>
+                  <a:srgbClr val="FFFFFF"/>
+                </a:solidFill>
+              </a14:hiddenFill>
+            </a:ext>
+          </a:extLst>
+        </p:spPr>
+      </p:pic>
+    </p:spTree>
+    <p:extLst>
+      <p:ext uri="{BB962C8B-B14F-4D97-AF65-F5344CB8AC3E}">
+        <p14:creationId xmlns:p14="http://schemas.microsoft.com/office/powerpoint/2010/main" val="3272079971"/>
+      </p:ext>
+    </p:extLst>
+  </p:cSld>
+  <p:clrMapOvr>
+    <a:masterClrMapping/>
+  </p:clrMapOvr>
+  <mc:AlternateContent xmlns:mc="http://schemas.openxmlformats.org/markup-compatibility/2006">
+    <mc:Choice xmlns:p14="http://schemas.microsoft.com/office/powerpoint/2010/main" Requires="p14">
+      <p:transition spd="slow" p14:dur="2000"/>
+    </mc:Choice>
+    <mc:Fallback>
+      <p:transition spd="slow"/>
+    </mc:Fallback>
+  </mc:AlternateContent>
+  <p:timing>
+    <p:tnLst>
+      <p:par>
+        <p:cTn id="1" dur="indefinite" restart="never" nodeType="tmRoot">
+          <p:childTnLst>
+            <p:seq concurrent="1" nextAc="seek">
+              <p:cTn id="2" dur="indefinite" nodeType="mainSeq">
+                <p:childTnLst>
+                  <p:par>
+                    <p:cTn id="3" fill="hold">
+                      <p:stCondLst>
+                        <p:cond delay="indefinite"/>
+                      </p:stCondLst>
+                      <p:childTnLst>
+                        <p:par>
+                          <p:cTn id="4" fill="hold">
+                            <p:stCondLst>
+                              <p:cond delay="0"/>
+                            </p:stCondLst>
+                            <p:childTnLst>
+                              <p:par>
+                                <p:cTn id="5" presetID="0" presetClass="path" presetSubtype="0" accel="50000" decel="50000" fill="hold" nodeType="clickEffect">
+                                  <p:stCondLst>
+                                    <p:cond delay="0"/>
+                                  </p:stCondLst>
+                                  <p:childTnLst>
+                                    <p:animMotion origin="layout" path="M 5E-6 -7.40741E-7 L 5E-6 0.00023 C -0.0007 0.00394 -0.00157 0.00787 -0.00208 0.01204 C -0.00277 0.01829 -0.00295 0.02454 -0.00382 0.03102 C -0.00468 0.03611 -0.0052 0.04074 -0.00572 0.04607 C -0.00607 0.05 -0.00624 0.05417 -0.0066 0.0581 C -0.00694 0.06273 -0.00746 0.06736 -0.0085 0.07176 C -0.0092 0.07431 -0.00868 0.07847 -0.01024 0.07986 C -0.01718 0.08681 -0.00885 0.07801 -0.0158 0.08681 C -0.01667 0.08773 -0.01771 0.08843 -0.01858 0.08935 C -0.0231 0.09421 -0.02552 0.09792 -0.03142 0.10139 C -0.0585 0.11806 -0.03056 0.10023 -0.04895 0.11389 C -0.05173 0.11574 -0.05451 0.11713 -0.05711 0.11945 C -0.0618 0.12315 -0.06597 0.12847 -0.071 0.13148 C -0.07309 0.13287 -0.07534 0.1338 -0.07743 0.13542 C -0.08177 0.13889 -0.08577 0.14375 -0.09045 0.14653 C -0.09583 0.14954 -0.10157 0.15185 -0.10678 0.15602 C -0.10921 0.15764 -0.11164 0.15972 -0.11424 0.16134 C -0.11667 0.16296 -0.11928 0.16389 -0.12153 0.16551 C -0.12379 0.1669 -0.12587 0.16898 -0.12796 0.17107 C -0.13889 0.1794 -0.13195 0.17338 -0.14358 0.18171 C -0.14983 0.18611 -0.1566 0.18935 -0.16198 0.19514 C -0.16459 0.19815 -0.16685 0.20116 -0.16945 0.20324 C -0.17709 0.21042 -0.17344 0.20556 -0.17865 0.2088 C -0.19098 0.2169 -0.17691 0.2088 -0.19063 0.21713 C -0.19306 0.21852 -0.19549 0.21945 -0.19792 0.22107 C -0.21112 0.22986 -0.19983 0.22431 -0.20712 0.22778 C -0.20816 0.2287 -0.20886 0.22986 -0.2099 0.23079 C -0.21528 0.23403 -0.21546 0.23287 -0.22084 0.23472 C -0.22344 0.23542 -0.22587 0.23634 -0.2283 0.23727 C -0.22935 0.23773 -0.23004 0.2382 -0.23108 0.23889 C -0.23577 0.24051 -0.23872 0.24074 -0.24393 0.24144 C -0.24497 0.2419 -0.24566 0.24236 -0.24671 0.24282 C -0.2507 0.24421 -0.25452 0.24491 -0.25869 0.24537 C -0.26164 0.24583 -0.26476 0.2463 -0.26789 0.24676 L -0.2724 0.24838 C -0.27431 0.24884 -0.27622 0.24907 -0.27796 0.24954 C -0.279 0.25 -0.27987 0.25046 -0.28073 0.25093 C -0.2816 0.25185 -0.28247 0.25301 -0.28351 0.2537 C -0.28716 0.25602 -0.28889 0.25394 -0.29271 0.25787 C -0.29653 0.26134 -0.29445 0.25995 -0.29914 0.26181 C -0.3 0.26273 -0.30087 0.26366 -0.30191 0.26458 C -0.30278 0.26528 -0.304 0.26505 -0.30469 0.26597 C -0.30556 0.2669 -0.30573 0.26898 -0.30643 0.26991 C -0.3073 0.27083 -0.30851 0.27083 -0.30921 0.2713 C -0.3099 0.27153 -0.3106 0.27222 -0.31094 0.27292 " pathEditMode="relative" rAng="0" ptsTypes="AAAAAAAAAAAAAAAAAAAAAAAAAAAAAAAAAAAAAAAAAAAAAA">
+                                      <p:cBhvr>
+                                        <p:cTn id="6" dur="2000" fill="hold"/>
+                                        <p:tgtEl>
+                                          <p:spTgt spid="1028"/>
+                                        </p:tgtEl>
+                                        <p:attrNameLst>
+                                          <p:attrName>ppt_x</p:attrName>
+                                          <p:attrName>ppt_y</p:attrName>
+                                        </p:attrNameLst>
+                                      </p:cBhvr>
+                                      <p:rCtr x="-15556" y="13634"/>
+                                    </p:animMotion>
+                                  </p:childTnLst>
+                                </p:cTn>
+                              </p:par>
+                            </p:childTnLst>
+                          </p:cTn>
+                        </p:par>
+                      </p:childTnLst>
+                    </p:cTn>
+                  </p:par>
+                </p:childTnLst>
+              </p:cTn>
+              <p:prevCondLst>
+                <p:cond evt="onPrev" delay="0">
+                  <p:tgtEl>
+                    <p:sldTgt/>
+                  </p:tgtEl>
+                </p:cond>
+              </p:prevCondLst>
+              <p:nextCondLst>
+                <p:cond evt="onNext" delay="0">
+                  <p:tgtEl>
+                    <p:sldTgt/>
+                  </p:tgtEl>
+                </p:cond>
+              </p:nextCondLst>
+            </p:seq>
+          </p:childTnLst>
+        </p:cTn>
+      </p:par>
+    </p:tnLst>
+  </p:timing>
+</p:sld>
+</file>
+
+<file path=ppt/slides/slide25.xml><?xml version="1.0" encoding="utf-8"?>
+<p:sld xmlns:a="http://schemas.openxmlformats.org/drawingml/2006/main" xmlns:r="http://schemas.openxmlformats.org/officeDocument/2006/relationships" xmlns:p="http://schemas.openxmlformats.org/presentationml/2006/main">
+  <p:cSld>
+    <p:spTree>
+      <p:nvGrpSpPr>
+        <p:cNvPr id="1" name=""/>
+        <p:cNvGrpSpPr/>
+        <p:nvPr/>
+      </p:nvGrpSpPr>
+      <p:grpSpPr>
+        <a:xfrm>
+          <a:off x="0" y="0"/>
+          <a:ext cx="0" cy="0"/>
+          <a:chOff x="0" y="0"/>
+          <a:chExt cx="0" cy="0"/>
+        </a:xfrm>
+      </p:grpSpPr>
+      <p:sp>
+        <p:nvSpPr>
+          <p:cNvPr id="2" name="Titel 1"/>
+          <p:cNvSpPr>
+            <a:spLocks noGrp="1"/>
+          </p:cNvSpPr>
+          <p:nvPr>
+            <p:ph type="title"/>
+          </p:nvPr>
+        </p:nvSpPr>
+        <p:spPr/>
+        <p:txBody>
+          <a:bodyPr/>
+          <a:lstStyle/>
+          <a:p>
+            <a:r>
+              <a:rPr lang="de-DE" dirty="0" smtClean="0"/>
+              <a:t>Sequenz-Diagramm</a:t>
+            </a:r>
+            <a:endParaRPr lang="de-DE" dirty="0"/>
+          </a:p>
+        </p:txBody>
+      </p:sp>
+      <p:pic>
+        <p:nvPicPr>
+          <p:cNvPr id="8194" name="Picture 2" descr="http://www.websequencediagrams.com/cgi-bin/cdraw?lz=dGl0bGUgVXBkYXRlIGV2ZW50CgoKVXNlci0-QnJvd3NlcjpiZXN0w6R0aWdlbgoADQctPnNhdmVkaWFsb2cuanM6IGNsaWNrKCkKCgALDS0-AE0FY3JlYXRlACMFb2JqLl9zYXZlRXZlbnQoKQoAEw4AKgd2YWxpZGF0aW9uAFgFXwAJBwAnDgAYDS0AWRIAQAUgPSB0cnVlAFYRYXBpOiBqc29uWwCBbwVdLCBoZWFkZXIoSWYtTWF0Y2g6IHN0YW1wKQphcGkAgTUSaHR0cC1TdGF0dXMgMjAwIE9LAIEzFgCBcAoAgXAFSXRlbXMoAIJhBUlkTnVtYmVyAIFwEgCBEAtudHJ5XQA6SCBzaG93AIJxBiIvYXBpLwCDaQVzLyIrAIEKBwCCDxYAFRcAggIVAIJHCiwAgTgFaWVzXV0Ag1MQAIQEEUZvcm1hdGllcnVuZ2VuL0luaGFsdGUgZW50ZmVybmVuAIQTEQCFEQggV2lkZ2V0IG1pdCBEYXRlbiBmw7xsbGVu&amp;s=patent"/>
+          <p:cNvPicPr>
+            <a:picLocks noChangeAspect="1" noChangeArrowheads="1"/>
+          </p:cNvPicPr>
+          <p:nvPr/>
+        </p:nvPicPr>
+        <p:blipFill>
+          <a:blip r:embed="rId2">
+            <a:extLst>
+              <a:ext uri="{28A0092B-C50C-407E-A947-70E740481C1C}">
+                <a14:useLocalDpi xmlns:a14="http://schemas.microsoft.com/office/drawing/2010/main" val="0"/>
+              </a:ext>
+            </a:extLst>
+          </a:blip>
+          <a:srcRect/>
+          <a:stretch>
+            <a:fillRect/>
+          </a:stretch>
+        </p:blipFill>
+        <p:spPr bwMode="auto">
+          <a:xfrm>
+            <a:off x="1046366" y="1187624"/>
+            <a:ext cx="6768752" cy="5141892"/>
+          </a:xfrm>
+          <a:prstGeom prst="rect">
+            <a:avLst/>
+          </a:prstGeom>
+          <a:noFill/>
+          <a:extLst>
+            <a:ext uri="{909E8E84-426E-40DD-AFC4-6F175D3DCCD1}">
+              <a14:hiddenFill xmlns:a14="http://schemas.microsoft.com/office/drawing/2010/main">
+                <a:solidFill>
+                  <a:srgbClr val="FFFFFF"/>
+                </a:solidFill>
+              </a14:hiddenFill>
+            </a:ext>
+          </a:extLst>
+        </p:spPr>
+      </p:pic>
+    </p:spTree>
+    <p:extLst>
+      <p:ext uri="{BB962C8B-B14F-4D97-AF65-F5344CB8AC3E}">
+        <p14:creationId xmlns:p14="http://schemas.microsoft.com/office/powerpoint/2010/main" val="3365408673"/>
+      </p:ext>
+    </p:extLst>
+  </p:cSld>
+  <p:clrMapOvr>
+    <a:masterClrMapping/>
+  </p:clrMapOvr>
+  <p:timing>
+    <p:tnLst>
+      <p:par>
+        <p:cTn id="1" dur="indefinite" restart="never" nodeType="tmRoot"/>
+      </p:par>
+    </p:tnLst>
+  </p:timing>
+</p:sld>
+</file>
+
+<file path=ppt/slides/slide26.xml><?xml version="1.0" encoding="utf-8"?>
+<p:sld xmlns:a="http://schemas.openxmlformats.org/drawingml/2006/main" xmlns:r="http://schemas.openxmlformats.org/officeDocument/2006/relationships" xmlns:p="http://schemas.openxmlformats.org/presentationml/2006/main">
+  <p:cSld>
+    <p:spTree>
+      <p:nvGrpSpPr>
+        <p:cNvPr id="1" name=""/>
+        <p:cNvGrpSpPr/>
+        <p:nvPr/>
+      </p:nvGrpSpPr>
+      <p:grpSpPr>
+        <a:xfrm>
+          <a:off x="0" y="0"/>
+          <a:ext cx="0" cy="0"/>
+          <a:chOff x="0" y="0"/>
+          <a:chExt cx="0" cy="0"/>
+        </a:xfrm>
+      </p:grpSpPr>
+      <p:sp>
+        <p:nvSpPr>
+          <p:cNvPr id="2" name="Titel 1"/>
+          <p:cNvSpPr>
+            <a:spLocks noGrp="1"/>
+          </p:cNvSpPr>
+          <p:nvPr>
+            <p:ph type="title"/>
+          </p:nvPr>
+        </p:nvSpPr>
+        <p:spPr/>
+        <p:txBody>
+          <a:bodyPr/>
+          <a:lstStyle/>
+          <a:p>
+            <a:r>
+              <a:rPr lang="de-DE" dirty="0" smtClean="0"/>
+              <a:t>Besonderheiten Webseite</a:t>
+            </a:r>
+            <a:endParaRPr lang="de-DE" dirty="0"/>
+          </a:p>
+        </p:txBody>
+      </p:sp>
+      <p:sp>
+        <p:nvSpPr>
+          <p:cNvPr id="3" name="Vertikaler Textplatzhalter 2"/>
+          <p:cNvSpPr>
+            <a:spLocks noGrp="1"/>
+          </p:cNvSpPr>
+          <p:nvPr>
+            <p:ph type="body" orient="vert" idx="1"/>
+          </p:nvPr>
+        </p:nvSpPr>
+        <p:spPr>
+          <a:xfrm>
+            <a:off x="457200" y="1600200"/>
+            <a:ext cx="8229600" cy="4525963"/>
+          </a:xfrm>
+        </p:spPr>
+        <p:txBody>
+          <a:bodyPr vert="horz"/>
+          <a:lstStyle/>
+          <a:p>
+            <a:r>
+              <a:rPr lang="de-DE" dirty="0" smtClean="0"/>
+              <a:t>Ansatz eines </a:t>
+            </a:r>
+            <a:r>
+              <a:rPr lang="de-DE" dirty="0" err="1" smtClean="0"/>
+              <a:t>responsive</a:t>
+            </a:r>
+            <a:r>
+              <a:rPr lang="de-DE" dirty="0" smtClean="0"/>
+              <a:t> </a:t>
+            </a:r>
+            <a:r>
+              <a:rPr lang="de-DE" dirty="0" err="1" smtClean="0"/>
+              <a:t>designs</a:t>
+            </a:r>
+            <a:endParaRPr lang="de-DE" dirty="0" smtClean="0"/>
+          </a:p>
+          <a:p>
+            <a:r>
+              <a:rPr lang="de-DE" dirty="0" smtClean="0"/>
+              <a:t>Aufwendiges Stylesheet</a:t>
+            </a:r>
+          </a:p>
+          <a:p>
+            <a:r>
+              <a:rPr lang="de-DE" dirty="0" smtClean="0"/>
+              <a:t>Validierung bereits während der Eingabe</a:t>
+            </a:r>
+          </a:p>
+        </p:txBody>
+      </p:sp>
+      <p:pic>
+        <p:nvPicPr>
+          <p:cNvPr id="4" name="Grafik 3"/>
+          <p:cNvPicPr>
+            <a:picLocks noChangeAspect="1"/>
+          </p:cNvPicPr>
+          <p:nvPr/>
+        </p:nvPicPr>
+        <p:blipFill rotWithShape="1">
+          <a:blip r:embed="rId2"/>
+          <a:srcRect l="20188" t="15715" r="20026" b="58567"/>
+          <a:stretch/>
+        </p:blipFill>
+        <p:spPr>
+          <a:xfrm>
+            <a:off x="875589" y="3356992"/>
+            <a:ext cx="7392821" cy="1728192"/>
+          </a:xfrm>
+          <a:prstGeom prst="rect">
+            <a:avLst/>
+          </a:prstGeom>
+        </p:spPr>
+      </p:pic>
+    </p:spTree>
+    <p:extLst>
+      <p:ext uri="{BB962C8B-B14F-4D97-AF65-F5344CB8AC3E}">
+        <p14:creationId xmlns:p14="http://schemas.microsoft.com/office/powerpoint/2010/main" val="3802191954"/>
+      </p:ext>
+    </p:extLst>
+  </p:cSld>
+  <p:clrMapOvr>
+    <a:masterClrMapping/>
+  </p:clrMapOvr>
+  <p:timing>
+    <p:tnLst>
+      <p:par>
+        <p:cTn id="1" dur="indefinite" restart="never" nodeType="tmRoot">
+          <p:childTnLst>
+            <p:seq concurrent="1" nextAc="seek">
+              <p:cTn id="2" dur="indefinite" nodeType="mainSeq">
+                <p:childTnLst>
+                  <p:par>
+                    <p:cTn id="3" fill="hold">
+                      <p:stCondLst>
+                        <p:cond delay="indefinite"/>
+                        <p:cond evt="onBegin" delay="0">
+                          <p:tn val="2"/>
+                        </p:cond>
+                      </p:stCondLst>
+                      <p:childTnLst>
+                        <p:par>
+                          <p:cTn id="4" fill="hold">
+                            <p:stCondLst>
+                              <p:cond delay="0"/>
+                            </p:stCondLst>
+                            <p:childTnLst>
+                              <p:par>
+                                <p:cTn id="5" presetID="10" presetClass="entr" presetSubtype="0" fill="hold" grpId="0" nodeType="afterEffect">
+                                  <p:stCondLst>
+                                    <p:cond delay="0"/>
+                                  </p:stCondLst>
+                                  <p:childTnLst>
+                                    <p:set>
+                                      <p:cBhvr>
+                                        <p:cTn id="6" dur="1" fill="hold">
+                                          <p:stCondLst>
+                                            <p:cond delay="0"/>
+                                          </p:stCondLst>
+                                        </p:cTn>
+                                        <p:tgtEl>
+                                          <p:spTgt spid="3">
+                                            <p:txEl>
+                                              <p:pRg st="0" end="0"/>
+                                            </p:txEl>
+                                          </p:spTgt>
+                                        </p:tgtEl>
+                                        <p:attrNameLst>
+                                          <p:attrName>style.visibility</p:attrName>
+                                        </p:attrNameLst>
+                                      </p:cBhvr>
+                                      <p:to>
+                                        <p:strVal val="visible"/>
+                                      </p:to>
+                                    </p:set>
+                                    <p:animEffect transition="in" filter="fade">
+                                      <p:cBhvr>
+                                        <p:cTn id="7" dur="500"/>
+                                        <p:tgtEl>
+                                          <p:spTgt spid="3">
+                                            <p:txEl>
+                                              <p:pRg st="0" end="0"/>
+                                            </p:txEl>
+                                          </p:spTgt>
+                                        </p:tgtEl>
+                                      </p:cBhvr>
+                                    </p:animEffect>
+                                  </p:childTnLst>
+                                </p:cTn>
+                              </p:par>
+                            </p:childTnLst>
+                          </p:cTn>
+                        </p:par>
+                        <p:par>
+                          <p:cTn id="8" fill="hold">
+                            <p:stCondLst>
+                              <p:cond delay="500"/>
+                            </p:stCondLst>
+                            <p:childTnLst>
+                              <p:par>
+                                <p:cTn id="9" presetID="10" presetClass="entr" presetSubtype="0" fill="hold" grpId="0" nodeType="afterEffect">
+                                  <p:stCondLst>
+                                    <p:cond delay="0"/>
+                                  </p:stCondLst>
+                                  <p:childTnLst>
+                                    <p:set>
+                                      <p:cBhvr>
+                                        <p:cTn id="10" dur="1" fill="hold">
+                                          <p:stCondLst>
+                                            <p:cond delay="0"/>
+                                          </p:stCondLst>
+                                        </p:cTn>
+                                        <p:tgtEl>
+                                          <p:spTgt spid="3">
+                                            <p:txEl>
+                                              <p:pRg st="1" end="1"/>
+                                            </p:txEl>
+                                          </p:spTgt>
+                                        </p:tgtEl>
+                                        <p:attrNameLst>
+                                          <p:attrName>style.visibility</p:attrName>
+                                        </p:attrNameLst>
+                                      </p:cBhvr>
+                                      <p:to>
+                                        <p:strVal val="visible"/>
+                                      </p:to>
+                                    </p:set>
+                                    <p:animEffect transition="in" filter="fade">
+                                      <p:cBhvr>
+                                        <p:cTn id="11" dur="500"/>
+                                        <p:tgtEl>
+                                          <p:spTgt spid="3">
+                                            <p:txEl>
+                                              <p:pRg st="1" end="1"/>
+                                            </p:txEl>
+                                          </p:spTgt>
+                                        </p:tgtEl>
+                                      </p:cBhvr>
+                                    </p:animEffect>
+                                  </p:childTnLst>
+                                </p:cTn>
+                              </p:par>
+                            </p:childTnLst>
+                          </p:cTn>
+                        </p:par>
+                        <p:par>
+                          <p:cTn id="12" fill="hold">
+                            <p:stCondLst>
+                              <p:cond delay="1000"/>
+                            </p:stCondLst>
+                            <p:childTnLst>
+                              <p:par>
+                                <p:cTn id="13" presetID="10" presetClass="entr" presetSubtype="0" fill="hold" grpId="0" nodeType="afterEffect">
+                                  <p:stCondLst>
+                                    <p:cond delay="0"/>
+                                  </p:stCondLst>
+                                  <p:childTnLst>
+                                    <p:set>
+                                      <p:cBhvr>
+                                        <p:cTn id="14" dur="1" fill="hold">
+                                          <p:stCondLst>
+                                            <p:cond delay="0"/>
+                                          </p:stCondLst>
+                                        </p:cTn>
+                                        <p:tgtEl>
+                                          <p:spTgt spid="3">
+                                            <p:txEl>
+                                              <p:pRg st="2" end="2"/>
+                                            </p:txEl>
+                                          </p:spTgt>
+                                        </p:tgtEl>
+                                        <p:attrNameLst>
+                                          <p:attrName>style.visibility</p:attrName>
+                                        </p:attrNameLst>
+                                      </p:cBhvr>
+                                      <p:to>
+                                        <p:strVal val="visible"/>
+                                      </p:to>
+                                    </p:set>
+                                    <p:animEffect transition="in" filter="fade">
+                                      <p:cBhvr>
+                                        <p:cTn id="15" dur="500"/>
+                                        <p:tgtEl>
+                                          <p:spTgt spid="3">
+                                            <p:txEl>
+                                              <p:pRg st="2" end="2"/>
+                                            </p:txEl>
+                                          </p:spTgt>
+                                        </p:tgtEl>
+                                      </p:cBhvr>
+                                    </p:animEffect>
+                                  </p:childTnLst>
+                                </p:cTn>
+                              </p:par>
+                            </p:childTnLst>
+                          </p:cTn>
+                        </p:par>
+                        <p:par>
+                          <p:cTn id="16" fill="hold">
+                            <p:stCondLst>
+                              <p:cond delay="1500"/>
+                            </p:stCondLst>
+                            <p:childTnLst>
+                              <p:par>
+                                <p:cTn id="17" presetID="10" presetClass="entr" presetSubtype="0" fill="hold" nodeType="afterEffect">
+                                  <p:stCondLst>
+                                    <p:cond delay="0"/>
+                                  </p:stCondLst>
+                                  <p:childTnLst>
+                                    <p:set>
+                                      <p:cBhvr>
+                                        <p:cTn id="18" dur="1" fill="hold">
+                                          <p:stCondLst>
+                                            <p:cond delay="0"/>
+                                          </p:stCondLst>
+                                        </p:cTn>
+                                        <p:tgtEl>
+                                          <p:spTgt spid="4"/>
+                                        </p:tgtEl>
+                                        <p:attrNameLst>
+                                          <p:attrName>style.visibility</p:attrName>
+                                        </p:attrNameLst>
+                                      </p:cBhvr>
+                                      <p:to>
+                                        <p:strVal val="visible"/>
+                                      </p:to>
+                                    </p:set>
+                                    <p:animEffect transition="in" filter="fade">
+                                      <p:cBhvr>
+                                        <p:cTn id="19" dur="500"/>
+                                        <p:tgtEl>
+                                          <p:spTgt spid="4"/>
+                                        </p:tgtEl>
+                                      </p:cBhvr>
+                                    </p:animEffect>
+                                  </p:childTnLst>
+                                </p:cTn>
+                              </p:par>
+                            </p:childTnLst>
+                          </p:cTn>
+                        </p:par>
+                      </p:childTnLst>
+                    </p:cTn>
+                  </p:par>
+                </p:childTnLst>
+              </p:cTn>
+              <p:prevCondLst>
+                <p:cond evt="onPrev" delay="0">
+                  <p:tgtEl>
+                    <p:sldTgt/>
+                  </p:tgtEl>
+                </p:cond>
+              </p:prevCondLst>
+              <p:nextCondLst>
+                <p:cond evt="onNext" delay="0">
+                  <p:tgtEl>
+                    <p:sldTgt/>
+                  </p:tgtEl>
+                </p:cond>
+              </p:nextCondLst>
+            </p:seq>
+          </p:childTnLst>
+        </p:cTn>
+      </p:par>
+    </p:tnLst>
+    <p:bldLst>
+      <p:bldP spid="3" grpId="0" uiExpand="1" build="p"/>
+    </p:bldLst>
+  </p:timing>
+</p:sld>
+</file>
+
+<file path=ppt/slides/slide27.xml><?xml version="1.0" encoding="utf-8"?>
+<p:sld xmlns:a="http://schemas.openxmlformats.org/drawingml/2006/main" xmlns:r="http://schemas.openxmlformats.org/officeDocument/2006/relationships" xmlns:p="http://schemas.openxmlformats.org/presentationml/2006/main">
+  <p:cSld>
+    <p:spTree>
+      <p:nvGrpSpPr>
+        <p:cNvPr id="1" name=""/>
+        <p:cNvGrpSpPr/>
+        <p:nvPr/>
+      </p:nvGrpSpPr>
+      <p:grpSpPr>
+        <a:xfrm>
+          <a:off x="0" y="0"/>
+          <a:ext cx="0" cy="0"/>
+          <a:chOff x="0" y="0"/>
+          <a:chExt cx="0" cy="0"/>
+        </a:xfrm>
+      </p:grpSpPr>
+      <p:sp>
+        <p:nvSpPr>
+          <p:cNvPr id="2" name="Titel 1"/>
+          <p:cNvSpPr>
+            <a:spLocks noGrp="1"/>
+          </p:cNvSpPr>
+          <p:nvPr>
+            <p:ph type="title"/>
+          </p:nvPr>
+        </p:nvSpPr>
+        <p:spPr/>
+        <p:txBody>
+          <a:bodyPr/>
+          <a:lstStyle/>
+          <a:p>
+            <a:r>
+              <a:rPr lang="de-DE" dirty="0" smtClean="0"/>
+              <a:t>Besonderheiten Webseite</a:t>
+            </a:r>
+            <a:endParaRPr lang="de-DE" dirty="0"/>
+          </a:p>
+        </p:txBody>
+      </p:sp>
+      <p:sp>
+        <p:nvSpPr>
+          <p:cNvPr id="3" name="Vertikaler Textplatzhalter 2"/>
+          <p:cNvSpPr>
+            <a:spLocks noGrp="1"/>
+          </p:cNvSpPr>
+          <p:nvPr>
+            <p:ph type="body" orient="vert" idx="1"/>
+          </p:nvPr>
+        </p:nvSpPr>
+        <p:spPr>
+          <a:xfrm>
+            <a:off x="457200" y="1600200"/>
+            <a:ext cx="8229600" cy="4525963"/>
+          </a:xfrm>
+        </p:spPr>
+        <p:txBody>
+          <a:bodyPr vert="horz"/>
+          <a:lstStyle/>
+          <a:p>
+            <a:r>
+              <a:rPr lang="de-DE" dirty="0" smtClean="0"/>
+              <a:t>Ansatz eines </a:t>
+            </a:r>
+            <a:r>
+              <a:rPr lang="de-DE" dirty="0" err="1" smtClean="0"/>
+              <a:t>responsive</a:t>
+            </a:r>
+            <a:r>
+              <a:rPr lang="de-DE" dirty="0" smtClean="0"/>
+              <a:t> </a:t>
+            </a:r>
+            <a:r>
+              <a:rPr lang="de-DE" dirty="0" err="1" smtClean="0"/>
+              <a:t>designs</a:t>
+            </a:r>
+            <a:endParaRPr lang="de-DE" dirty="0" smtClean="0"/>
+          </a:p>
+          <a:p>
+            <a:r>
+              <a:rPr lang="de-DE" dirty="0" smtClean="0"/>
+              <a:t>Aufwendiges Stylesheet</a:t>
+            </a:r>
+          </a:p>
+          <a:p>
+            <a:r>
+              <a:rPr lang="de-DE" dirty="0" smtClean="0"/>
+              <a:t>Validierung bereits während der Eingabe</a:t>
+            </a:r>
+          </a:p>
+          <a:p>
+            <a:r>
+              <a:rPr lang="de-DE" dirty="0" smtClean="0"/>
+              <a:t>dynamisches hinzufügen weiterer Eingabemasken</a:t>
+            </a:r>
+            <a:endParaRPr lang="de-DE" dirty="0" smtClean="0"/>
+          </a:p>
+        </p:txBody>
+      </p:sp>
+      <p:pic>
+        <p:nvPicPr>
+          <p:cNvPr id="5" name="Grafik 4"/>
+          <p:cNvPicPr>
+            <a:picLocks noChangeAspect="1"/>
+          </p:cNvPicPr>
+          <p:nvPr/>
+        </p:nvPicPr>
+        <p:blipFill rotWithShape="1">
+          <a:blip r:embed="rId2"/>
+          <a:srcRect l="20173" t="58347" r="20817" b="21651"/>
+          <a:stretch/>
+        </p:blipFill>
+        <p:spPr>
+          <a:xfrm>
+            <a:off x="899592" y="4509120"/>
+            <a:ext cx="7344816" cy="1352992"/>
+          </a:xfrm>
+          <a:prstGeom prst="rect">
+            <a:avLst/>
+          </a:prstGeom>
+        </p:spPr>
+      </p:pic>
+      <p:pic>
+        <p:nvPicPr>
+          <p:cNvPr id="6" name="Grafik 5"/>
+          <p:cNvPicPr>
+            <a:picLocks noChangeAspect="1"/>
+          </p:cNvPicPr>
+          <p:nvPr/>
+        </p:nvPicPr>
+        <p:blipFill rotWithShape="1">
+          <a:blip r:embed="rId3"/>
+          <a:srcRect l="20100" t="58391" r="20802" b="14276"/>
+          <a:stretch/>
+        </p:blipFill>
+        <p:spPr>
+          <a:xfrm>
+            <a:off x="899592" y="4509120"/>
+            <a:ext cx="7344816" cy="1846093"/>
+          </a:xfrm>
+          <a:prstGeom prst="rect">
+            <a:avLst/>
+          </a:prstGeom>
+        </p:spPr>
+      </p:pic>
+    </p:spTree>
+    <p:extLst>
+      <p:ext uri="{BB962C8B-B14F-4D97-AF65-F5344CB8AC3E}">
+        <p14:creationId xmlns:p14="http://schemas.microsoft.com/office/powerpoint/2010/main" val="420654565"/>
+      </p:ext>
+    </p:extLst>
+  </p:cSld>
+  <p:clrMapOvr>
+    <a:masterClrMapping/>
+  </p:clrMapOvr>
+  <p:timing>
+    <p:tnLst>
+      <p:par>
+        <p:cTn id="1" dur="indefinite" restart="never" nodeType="tmRoot">
+          <p:childTnLst>
+            <p:seq concurrent="1" nextAc="seek">
+              <p:cTn id="2" dur="indefinite" nodeType="mainSeq">
+                <p:childTnLst>
+                  <p:par>
+                    <p:cTn id="3" fill="hold">
+                      <p:stCondLst>
+                        <p:cond delay="indefinite"/>
+                        <p:cond evt="onBegin" delay="0">
+                          <p:tn val="2"/>
+                        </p:cond>
+                      </p:stCondLst>
+                      <p:childTnLst>
+                        <p:par>
+                          <p:cTn id="4" fill="hold">
+                            <p:stCondLst>
+                              <p:cond delay="0"/>
+                            </p:stCondLst>
+                            <p:childTnLst>
+                              <p:par>
+                                <p:cTn id="5" presetID="10" presetClass="entr" presetSubtype="0" fill="hold" nodeType="withEffect">
+                                  <p:stCondLst>
+                                    <p:cond delay="0"/>
+                                  </p:stCondLst>
+                                  <p:childTnLst>
+                                    <p:set>
+                                      <p:cBhvr>
+                                        <p:cTn id="6" dur="1" fill="hold">
+                                          <p:stCondLst>
+                                            <p:cond delay="0"/>
+                                          </p:stCondLst>
+                                        </p:cTn>
+                                        <p:tgtEl>
+                                          <p:spTgt spid="3">
+                                            <p:txEl>
+                                              <p:pRg st="3" end="3"/>
+                                            </p:txEl>
+                                          </p:spTgt>
+                                        </p:tgtEl>
+                                        <p:attrNameLst>
+                                          <p:attrName>style.visibility</p:attrName>
+                                        </p:attrNameLst>
+                                      </p:cBhvr>
+                                      <p:to>
+                                        <p:strVal val="visible"/>
+                                      </p:to>
+                                    </p:set>
+                                    <p:animEffect transition="in" filter="fade">
+                                      <p:cBhvr>
+                                        <p:cTn id="7" dur="500"/>
+                                        <p:tgtEl>
+                                          <p:spTgt spid="3">
+                                            <p:txEl>
+                                              <p:pRg st="3" end="3"/>
+                                            </p:txEl>
+                                          </p:spTgt>
+                                        </p:tgtEl>
+                                      </p:cBhvr>
+                                    </p:animEffect>
+                                  </p:childTnLst>
+                                </p:cTn>
+                              </p:par>
+                            </p:childTnLst>
+                          </p:cTn>
+                        </p:par>
+                        <p:par>
+                          <p:cTn id="8" fill="hold">
+                            <p:stCondLst>
+                              <p:cond delay="500"/>
+                            </p:stCondLst>
+                            <p:childTnLst>
+                              <p:par>
+                                <p:cTn id="9" presetID="10" presetClass="entr" presetSubtype="0" fill="hold" nodeType="afterEffect">
+                                  <p:stCondLst>
+                                    <p:cond delay="0"/>
+                                  </p:stCondLst>
+                                  <p:childTnLst>
+                                    <p:set>
+                                      <p:cBhvr>
+                                        <p:cTn id="10" dur="1" fill="hold">
+                                          <p:stCondLst>
+                                            <p:cond delay="0"/>
+                                          </p:stCondLst>
+                                        </p:cTn>
+                                        <p:tgtEl>
+                                          <p:spTgt spid="5"/>
+                                        </p:tgtEl>
+                                        <p:attrNameLst>
+                                          <p:attrName>style.visibility</p:attrName>
+                                        </p:attrNameLst>
+                                      </p:cBhvr>
+                                      <p:to>
+                                        <p:strVal val="visible"/>
+                                      </p:to>
+                                    </p:set>
+                                    <p:animEffect transition="in" filter="fade">
+                                      <p:cBhvr>
+                                        <p:cTn id="11" dur="500"/>
+                                        <p:tgtEl>
+                                          <p:spTgt spid="5"/>
+                                        </p:tgtEl>
+                                      </p:cBhvr>
+                                    </p:animEffect>
+                                  </p:childTnLst>
+                                </p:cTn>
+                              </p:par>
+                            </p:childTnLst>
+                          </p:cTn>
+                        </p:par>
+                      </p:childTnLst>
+                    </p:cTn>
+                  </p:par>
+                  <p:par>
+                    <p:cTn id="12" fill="hold">
+                      <p:stCondLst>
+                        <p:cond delay="indefinite"/>
+                      </p:stCondLst>
+                      <p:childTnLst>
+                        <p:par>
+                          <p:cTn id="13" fill="hold">
+                            <p:stCondLst>
+                              <p:cond delay="0"/>
+                            </p:stCondLst>
+                            <p:childTnLst>
+                              <p:par>
+                                <p:cTn id="14" presetID="1" presetClass="entr" presetSubtype="0" fill="hold" nodeType="clickEffect">
+                                  <p:stCondLst>
+                                    <p:cond delay="0"/>
+                                  </p:stCondLst>
+                                  <p:childTnLst>
+                                    <p:set>
+                                      <p:cBhvr>
+                                        <p:cTn id="15" dur="1" fill="hold">
+                                          <p:stCondLst>
+                                            <p:cond delay="0"/>
+                                          </p:stCondLst>
+                                        </p:cTn>
+                                        <p:tgtEl>
+                                          <p:spTgt spid="6"/>
+                                        </p:tgtEl>
+                                        <p:attrNameLst>
+                                          <p:attrName>style.visibility</p:attrName>
+                                        </p:attrNameLst>
+                                      </p:cBhvr>
+                                      <p:to>
+                                        <p:strVal val="visible"/>
+                                      </p:to>
+                                    </p:set>
+                                  </p:childTnLst>
+                                </p:cTn>
+                              </p:par>
+                            </p:childTnLst>
+                          </p:cTn>
+                        </p:par>
+                      </p:childTnLst>
+                    </p:cTn>
+                  </p:par>
+                </p:childTnLst>
+              </p:cTn>
+              <p:prevCondLst>
+                <p:cond evt="onPrev" delay="0">
+                  <p:tgtEl>
+                    <p:sldTgt/>
+                  </p:tgtEl>
+                </p:cond>
+              </p:prevCondLst>
+              <p:nextCondLst>
+                <p:cond evt="onNext" delay="0">
+                  <p:tgtEl>
+                    <p:sldTgt/>
+                  </p:tgtEl>
+                </p:cond>
+              </p:nextCondLst>
+            </p:seq>
+          </p:childTnLst>
+        </p:cTn>
+      </p:par>
+    </p:tnLst>
+  </p:timing>
+</p:sld>
+</file>
+
+<file path=ppt/slides/slide28.xml><?xml version="1.0" encoding="utf-8"?>
+<p:sld xmlns:a="http://schemas.openxmlformats.org/drawingml/2006/main" xmlns:r="http://schemas.openxmlformats.org/officeDocument/2006/relationships" xmlns:p="http://schemas.openxmlformats.org/presentationml/2006/main">
+  <p:cSld>
+    <p:spTree>
+      <p:nvGrpSpPr>
+        <p:cNvPr id="1" name=""/>
+        <p:cNvGrpSpPr/>
+        <p:nvPr/>
+      </p:nvGrpSpPr>
+      <p:grpSpPr>
+        <a:xfrm>
+          <a:off x="0" y="0"/>
+          <a:ext cx="0" cy="0"/>
+          <a:chOff x="0" y="0"/>
+          <a:chExt cx="0" cy="0"/>
+        </a:xfrm>
+      </p:grpSpPr>
+      <p:sp>
+        <p:nvSpPr>
+          <p:cNvPr id="2" name="Titel 1"/>
+          <p:cNvSpPr>
+            <a:spLocks noGrp="1"/>
+          </p:cNvSpPr>
+          <p:nvPr>
+            <p:ph type="title"/>
+          </p:nvPr>
+        </p:nvSpPr>
+        <p:spPr/>
+        <p:txBody>
+          <a:bodyPr/>
+          <a:lstStyle/>
+          <a:p>
+            <a:r>
+              <a:rPr lang="de-DE" dirty="0" smtClean="0"/>
+              <a:t>Besonderheiten Webseite</a:t>
+            </a:r>
+            <a:endParaRPr lang="de-DE" dirty="0"/>
+          </a:p>
+        </p:txBody>
+      </p:sp>
+      <p:sp>
+        <p:nvSpPr>
+          <p:cNvPr id="3" name="Vertikaler Textplatzhalter 2"/>
+          <p:cNvSpPr>
+            <a:spLocks noGrp="1"/>
+          </p:cNvSpPr>
+          <p:nvPr>
+            <p:ph type="body" orient="vert" idx="1"/>
+          </p:nvPr>
+        </p:nvSpPr>
+        <p:spPr>
+          <a:xfrm>
+            <a:off x="457200" y="1600200"/>
+            <a:ext cx="8229600" cy="4525963"/>
+          </a:xfrm>
+        </p:spPr>
+        <p:txBody>
+          <a:bodyPr vert="horz"/>
+          <a:lstStyle/>
+          <a:p>
+            <a:r>
+              <a:rPr lang="de-DE" dirty="0" smtClean="0"/>
+              <a:t>Ansatz eines </a:t>
+            </a:r>
+            <a:r>
+              <a:rPr lang="de-DE" dirty="0" err="1" smtClean="0"/>
+              <a:t>responsive</a:t>
+            </a:r>
+            <a:r>
+              <a:rPr lang="de-DE" dirty="0" smtClean="0"/>
+              <a:t> </a:t>
+            </a:r>
+            <a:r>
+              <a:rPr lang="de-DE" dirty="0" err="1" smtClean="0"/>
+              <a:t>designs</a:t>
+            </a:r>
+            <a:endParaRPr lang="de-DE" dirty="0" smtClean="0"/>
+          </a:p>
+          <a:p>
+            <a:r>
+              <a:rPr lang="de-DE" dirty="0" smtClean="0"/>
+              <a:t>Aufwendiges Stylesheet</a:t>
+            </a:r>
+          </a:p>
+          <a:p>
+            <a:r>
+              <a:rPr lang="de-DE" dirty="0" smtClean="0"/>
+              <a:t>Validierung bereits während der Eingabe</a:t>
+            </a:r>
+          </a:p>
+          <a:p>
+            <a:r>
+              <a:rPr lang="de-DE" dirty="0" smtClean="0"/>
+              <a:t>dynamisches hinzufügen weiterer Eingabemasken</a:t>
+            </a:r>
+          </a:p>
+          <a:p>
+            <a:r>
+              <a:rPr lang="de-DE" dirty="0" smtClean="0"/>
+              <a:t>erstellen/editieren/anzeigen in einem </a:t>
+            </a:r>
+            <a:r>
+              <a:rPr lang="de-DE" dirty="0" err="1" smtClean="0"/>
+              <a:t>Widget</a:t>
+            </a:r>
+            <a:endParaRPr lang="de-DE" dirty="0" smtClean="0"/>
+          </a:p>
+          <a:p>
+            <a:r>
+              <a:rPr lang="de-DE" dirty="0"/>
+              <a:t>i</a:t>
+            </a:r>
+            <a:r>
+              <a:rPr lang="de-DE" dirty="0" smtClean="0"/>
+              <a:t>ntuitive Benutzerführung</a:t>
+            </a:r>
+            <a:endParaRPr lang="de-DE" dirty="0" smtClean="0"/>
+          </a:p>
+        </p:txBody>
+      </p:sp>
+    </p:spTree>
+    <p:extLst>
+      <p:ext uri="{BB962C8B-B14F-4D97-AF65-F5344CB8AC3E}">
+        <p14:creationId xmlns:p14="http://schemas.microsoft.com/office/powerpoint/2010/main" val="2787095329"/>
+      </p:ext>
+    </p:extLst>
+  </p:cSld>
+  <p:clrMapOvr>
+    <a:masterClrMapping/>
+  </p:clrMapOvr>
+  <p:timing>
+    <p:tnLst>
+      <p:par>
+        <p:cTn id="1" dur="indefinite" restart="never" nodeType="tmRoot">
+          <p:childTnLst>
+            <p:seq concurrent="1" nextAc="seek">
+              <p:cTn id="2" dur="indefinite" nodeType="mainSeq">
+                <p:childTnLst>
+                  <p:par>
+                    <p:cTn id="3" fill="hold">
+                      <p:stCondLst>
+                        <p:cond delay="indefinite"/>
+                        <p:cond evt="onBegin" delay="0">
+                          <p:tn val="2"/>
+                        </p:cond>
+                      </p:stCondLst>
+                      <p:childTnLst>
+                        <p:par>
+                          <p:cTn id="4" fill="hold">
+                            <p:stCondLst>
+                              <p:cond delay="0"/>
+                            </p:stCondLst>
+                            <p:childTnLst>
+                              <p:par>
+                                <p:cTn id="5" presetID="10" presetClass="entr" presetSubtype="0" fill="hold" nodeType="withEffect">
+                                  <p:stCondLst>
+                                    <p:cond delay="0"/>
+                                  </p:stCondLst>
+                                  <p:childTnLst>
+                                    <p:set>
+                                      <p:cBhvr>
+                                        <p:cTn id="6" dur="1" fill="hold">
+                                          <p:stCondLst>
+                                            <p:cond delay="0"/>
+                                          </p:stCondLst>
+                                        </p:cTn>
+                                        <p:tgtEl>
+                                          <p:spTgt spid="3">
+                                            <p:txEl>
+                                              <p:pRg st="4" end="4"/>
+                                            </p:txEl>
+                                          </p:spTgt>
+                                        </p:tgtEl>
+                                        <p:attrNameLst>
+                                          <p:attrName>style.visibility</p:attrName>
+                                        </p:attrNameLst>
+                                      </p:cBhvr>
+                                      <p:to>
+                                        <p:strVal val="visible"/>
+                                      </p:to>
+                                    </p:set>
+                                    <p:animEffect transition="in" filter="fade">
+                                      <p:cBhvr>
+                                        <p:cTn id="7" dur="500"/>
+                                        <p:tgtEl>
+                                          <p:spTgt spid="3">
+                                            <p:txEl>
+                                              <p:pRg st="4" end="4"/>
+                                            </p:txEl>
+                                          </p:spTgt>
+                                        </p:tgtEl>
+                                      </p:cBhvr>
+                                    </p:animEffect>
+                                  </p:childTnLst>
+                                </p:cTn>
+                              </p:par>
+                            </p:childTnLst>
+                          </p:cTn>
+                        </p:par>
+                        <p:par>
+                          <p:cTn id="8" fill="hold">
+                            <p:stCondLst>
+                              <p:cond delay="500"/>
+                            </p:stCondLst>
+                            <p:childTnLst>
+                              <p:par>
+                                <p:cTn id="9" presetID="10" presetClass="entr" presetSubtype="0" fill="hold" nodeType="afterEffect">
+                                  <p:stCondLst>
+                                    <p:cond delay="0"/>
+                                  </p:stCondLst>
+                                  <p:childTnLst>
+                                    <p:set>
+                                      <p:cBhvr>
+                                        <p:cTn id="10" dur="1" fill="hold">
+                                          <p:stCondLst>
+                                            <p:cond delay="0"/>
+                                          </p:stCondLst>
+                                        </p:cTn>
+                                        <p:tgtEl>
+                                          <p:spTgt spid="3">
+                                            <p:txEl>
+                                              <p:pRg st="5" end="5"/>
+                                            </p:txEl>
+                                          </p:spTgt>
+                                        </p:tgtEl>
+                                        <p:attrNameLst>
+                                          <p:attrName>style.visibility</p:attrName>
+                                        </p:attrNameLst>
+                                      </p:cBhvr>
+                                      <p:to>
+                                        <p:strVal val="visible"/>
+                                      </p:to>
+                                    </p:set>
+                                    <p:animEffect transition="in" filter="fade">
+                                      <p:cBhvr>
+                                        <p:cTn id="11" dur="500"/>
+                                        <p:tgtEl>
+                                          <p:spTgt spid="3">
+                                            <p:txEl>
+                                              <p:pRg st="5" end="5"/>
+                                            </p:txEl>
+                                          </p:spTgt>
+                                        </p:tgtEl>
+                                      </p:cBhvr>
+                                    </p:animEffect>
+                                  </p:childTnLst>
+                                </p:cTn>
+                              </p:par>
+                            </p:childTnLst>
+                          </p:cTn>
+                        </p:par>
+                      </p:childTnLst>
+                    </p:cTn>
+                  </p:par>
+                </p:childTnLst>
+              </p:cTn>
+              <p:prevCondLst>
+                <p:cond evt="onPrev" delay="0">
+                  <p:tgtEl>
+                    <p:sldTgt/>
+                  </p:tgtEl>
+                </p:cond>
+              </p:prevCondLst>
+              <p:nextCondLst>
+                <p:cond evt="onNext" delay="0">
+                  <p:tgtEl>
+                    <p:sldTgt/>
+                  </p:tgtEl>
+                </p:cond>
+              </p:nextCondLst>
+            </p:seq>
+          </p:childTnLst>
+        </p:cTn>
+      </p:par>
+    </p:tnLst>
+  </p:timing>
+</p:sld>
+</file>
+
+<file path=ppt/slides/slide29.xml><?xml version="1.0" encoding="utf-8"?>
+<p:sld xmlns:a="http://schemas.openxmlformats.org/drawingml/2006/main" xmlns:r="http://schemas.openxmlformats.org/officeDocument/2006/relationships" xmlns:p="http://schemas.openxmlformats.org/presentationml/2006/main">
+  <p:cSld>
+    <p:spTree>
+      <p:nvGrpSpPr>
+        <p:cNvPr id="1" name=""/>
+        <p:cNvGrpSpPr/>
+        <p:nvPr/>
+      </p:nvGrpSpPr>
+      <p:grpSpPr>
+        <a:xfrm>
+          <a:off x="0" y="0"/>
+          <a:ext cx="0" cy="0"/>
+          <a:chOff x="0" y="0"/>
+          <a:chExt cx="0" cy="0"/>
+        </a:xfrm>
+      </p:grpSpPr>
+      <p:sp>
+        <p:nvSpPr>
+          <p:cNvPr id="2" name="Titel 1"/>
+          <p:cNvSpPr>
+            <a:spLocks noGrp="1"/>
+          </p:cNvSpPr>
+          <p:nvPr>
+            <p:ph type="title"/>
+          </p:nvPr>
+        </p:nvSpPr>
+        <p:spPr/>
+        <p:txBody>
+          <a:bodyPr/>
+          <a:lstStyle/>
+          <a:p>
+            <a:r>
+              <a:rPr lang="de-DE" dirty="0" smtClean="0"/>
+              <a:t>Fazit</a:t>
+            </a:r>
+            <a:endParaRPr lang="de-DE" dirty="0"/>
+          </a:p>
+        </p:txBody>
+      </p:sp>
+      <p:sp>
+        <p:nvSpPr>
+          <p:cNvPr id="3" name="Vertikaler Textplatzhalter 2"/>
+          <p:cNvSpPr>
+            <a:spLocks noGrp="1"/>
+          </p:cNvSpPr>
+          <p:nvPr>
+            <p:ph type="body" orient="vert" idx="1"/>
+          </p:nvPr>
+        </p:nvSpPr>
+        <p:spPr>
+          <a:xfrm>
+            <a:off x="457200" y="1600200"/>
+            <a:ext cx="8229600" cy="4525963"/>
+          </a:xfrm>
+        </p:spPr>
+        <p:txBody>
+          <a:bodyPr vert="horz"/>
+          <a:lstStyle/>
+          <a:p>
+            <a:r>
+              <a:rPr lang="de-DE" dirty="0" smtClean="0"/>
+              <a:t>Tolles Produkt</a:t>
+            </a:r>
+          </a:p>
+          <a:p>
+            <a:r>
+              <a:rPr lang="de-DE" dirty="0" smtClean="0"/>
+              <a:t>Erhebliche </a:t>
+            </a:r>
+            <a:r>
+              <a:rPr lang="de-DE" dirty="0" err="1" smtClean="0"/>
+              <a:t>Know-How</a:t>
+            </a:r>
+            <a:r>
+              <a:rPr lang="de-DE" dirty="0" smtClean="0"/>
+              <a:t> Erweiterung</a:t>
+            </a:r>
+          </a:p>
+          <a:p>
+            <a:r>
+              <a:rPr lang="de-DE" dirty="0" smtClean="0"/>
+              <a:t>Förderung der Teamarbeit und </a:t>
+            </a:r>
+            <a:r>
+              <a:rPr lang="de-DE" dirty="0" smtClean="0"/>
+              <a:t>dem Projektmanagement</a:t>
+            </a:r>
+            <a:endParaRPr lang="de-DE" dirty="0" smtClean="0"/>
+          </a:p>
+          <a:p>
+            <a:r>
+              <a:rPr lang="de-DE" dirty="0" smtClean="0"/>
+              <a:t>Interesse im Bereich Webentwicklung </a:t>
+            </a:r>
+            <a:r>
+              <a:rPr lang="de-DE" dirty="0" smtClean="0"/>
+              <a:t>geweckt</a:t>
+            </a:r>
+            <a:endParaRPr lang="de-DE" dirty="0" smtClean="0"/>
+          </a:p>
+          <a:p>
+            <a:r>
+              <a:rPr lang="de-DE" dirty="0" smtClean="0"/>
+              <a:t>Wird in Zukunft </a:t>
+            </a:r>
+            <a:r>
+              <a:rPr lang="de-DE" dirty="0" smtClean="0"/>
+              <a:t>weiterentwickelt</a:t>
+            </a:r>
+            <a:endParaRPr lang="de-DE" dirty="0" smtClean="0"/>
+          </a:p>
+        </p:txBody>
+      </p:sp>
+    </p:spTree>
+    <p:extLst>
+      <p:ext uri="{BB962C8B-B14F-4D97-AF65-F5344CB8AC3E}">
+        <p14:creationId xmlns:p14="http://schemas.microsoft.com/office/powerpoint/2010/main" val="4124973991"/>
+      </p:ext>
+    </p:extLst>
+  </p:cSld>
+  <p:clrMapOvr>
+    <a:masterClrMapping/>
+  </p:clrMapOvr>
+  <p:timing>
+    <p:tnLst>
+      <p:par>
+        <p:cTn id="1" dur="indefinite" restart="never" nodeType="tmRoot">
+          <p:childTnLst>
+            <p:seq concurrent="1" nextAc="seek">
+              <p:cTn id="2" dur="indefinite" nodeType="mainSeq">
+                <p:childTnLst>
+                  <p:par>
+                    <p:cTn id="3" fill="hold">
+                      <p:stCondLst>
+                        <p:cond delay="indefinite"/>
+                        <p:cond evt="onBegin" delay="0">
+                          <p:tn val="2"/>
+                        </p:cond>
+                      </p:stCondLst>
+                      <p:childTnLst>
+                        <p:par>
+                          <p:cTn id="4" fill="hold">
+                            <p:stCondLst>
+                              <p:cond delay="0"/>
+                            </p:stCondLst>
+                            <p:childTnLst>
+                              <p:par>
+                                <p:cTn id="5" presetID="10" presetClass="entr" presetSubtype="0" fill="hold" nodeType="afterEffect">
+                                  <p:stCondLst>
+                                    <p:cond delay="0"/>
+                                  </p:stCondLst>
+                                  <p:childTnLst>
+                                    <p:set>
+                                      <p:cBhvr>
+                                        <p:cTn id="6" dur="1" fill="hold">
+                                          <p:stCondLst>
+                                            <p:cond delay="0"/>
+                                          </p:stCondLst>
+                                        </p:cTn>
+                                        <p:tgtEl>
+                                          <p:spTgt spid="3">
+                                            <p:txEl>
+                                              <p:pRg st="0" end="0"/>
+                                            </p:txEl>
+                                          </p:spTgt>
+                                        </p:tgtEl>
+                                        <p:attrNameLst>
+                                          <p:attrName>style.visibility</p:attrName>
+                                        </p:attrNameLst>
+                                      </p:cBhvr>
+                                      <p:to>
+                                        <p:strVal val="visible"/>
+                                      </p:to>
+                                    </p:set>
+                                    <p:animEffect transition="in" filter="fade">
+                                      <p:cBhvr>
+                                        <p:cTn id="7" dur="500"/>
+                                        <p:tgtEl>
+                                          <p:spTgt spid="3">
+                                            <p:txEl>
+                                              <p:pRg st="0" end="0"/>
+                                            </p:txEl>
+                                          </p:spTgt>
+                                        </p:tgtEl>
+                                      </p:cBhvr>
+                                    </p:animEffect>
+                                  </p:childTnLst>
+                                </p:cTn>
+                              </p:par>
+                            </p:childTnLst>
+                          </p:cTn>
+                        </p:par>
+                        <p:par>
+                          <p:cTn id="8" fill="hold">
+                            <p:stCondLst>
+                              <p:cond delay="500"/>
+                            </p:stCondLst>
+                            <p:childTnLst>
+                              <p:par>
+                                <p:cTn id="9" presetID="10" presetClass="entr" presetSubtype="0" fill="hold" nodeType="afterEffect">
+                                  <p:stCondLst>
+                                    <p:cond delay="0"/>
+                                  </p:stCondLst>
+                                  <p:childTnLst>
+                                    <p:set>
+                                      <p:cBhvr>
+                                        <p:cTn id="10" dur="1" fill="hold">
+                                          <p:stCondLst>
+                                            <p:cond delay="0"/>
+                                          </p:stCondLst>
+                                        </p:cTn>
+                                        <p:tgtEl>
+                                          <p:spTgt spid="3">
+                                            <p:txEl>
+                                              <p:pRg st="1" end="1"/>
+                                            </p:txEl>
+                                          </p:spTgt>
+                                        </p:tgtEl>
+                                        <p:attrNameLst>
+                                          <p:attrName>style.visibility</p:attrName>
+                                        </p:attrNameLst>
+                                      </p:cBhvr>
+                                      <p:to>
+                                        <p:strVal val="visible"/>
+                                      </p:to>
+                                    </p:set>
+                                    <p:animEffect transition="in" filter="fade">
+                                      <p:cBhvr>
+                                        <p:cTn id="11" dur="500"/>
+                                        <p:tgtEl>
+                                          <p:spTgt spid="3">
+                                            <p:txEl>
+                                              <p:pRg st="1" end="1"/>
+                                            </p:txEl>
+                                          </p:spTgt>
+                                        </p:tgtEl>
+                                      </p:cBhvr>
+                                    </p:animEffect>
+                                  </p:childTnLst>
+                                </p:cTn>
+                              </p:par>
+                            </p:childTnLst>
+                          </p:cTn>
+                        </p:par>
+                        <p:par>
+                          <p:cTn id="12" fill="hold">
+                            <p:stCondLst>
+                              <p:cond delay="1000"/>
+                            </p:stCondLst>
+                            <p:childTnLst>
+                              <p:par>
+                                <p:cTn id="13" presetID="10" presetClass="entr" presetSubtype="0" fill="hold" nodeType="afterEffect">
+                                  <p:stCondLst>
+                                    <p:cond delay="0"/>
+                                  </p:stCondLst>
+                                  <p:childTnLst>
+                                    <p:set>
+                                      <p:cBhvr>
+                                        <p:cTn id="14" dur="1" fill="hold">
+                                          <p:stCondLst>
+                                            <p:cond delay="0"/>
+                                          </p:stCondLst>
+                                        </p:cTn>
+                                        <p:tgtEl>
+                                          <p:spTgt spid="3">
+                                            <p:txEl>
+                                              <p:pRg st="2" end="2"/>
+                                            </p:txEl>
+                                          </p:spTgt>
+                                        </p:tgtEl>
+                                        <p:attrNameLst>
+                                          <p:attrName>style.visibility</p:attrName>
+                                        </p:attrNameLst>
+                                      </p:cBhvr>
+                                      <p:to>
+                                        <p:strVal val="visible"/>
+                                      </p:to>
+                                    </p:set>
+                                    <p:animEffect transition="in" filter="fade">
+                                      <p:cBhvr>
+                                        <p:cTn id="15" dur="500"/>
+                                        <p:tgtEl>
+                                          <p:spTgt spid="3">
+                                            <p:txEl>
+                                              <p:pRg st="2" end="2"/>
+                                            </p:txEl>
+                                          </p:spTgt>
+                                        </p:tgtEl>
+                                      </p:cBhvr>
+                                    </p:animEffect>
+                                  </p:childTnLst>
+                                </p:cTn>
+                              </p:par>
+                            </p:childTnLst>
+                          </p:cTn>
+                        </p:par>
+                        <p:par>
+                          <p:cTn id="16" fill="hold">
+                            <p:stCondLst>
+                              <p:cond delay="1500"/>
+                            </p:stCondLst>
+                            <p:childTnLst>
+                              <p:par>
+                                <p:cTn id="17" presetID="10" presetClass="entr" presetSubtype="0" fill="hold" nodeType="afterEffect">
+                                  <p:stCondLst>
+                                    <p:cond delay="0"/>
+                                  </p:stCondLst>
+                                  <p:childTnLst>
+                                    <p:set>
+                                      <p:cBhvr>
+                                        <p:cTn id="18" dur="1" fill="hold">
+                                          <p:stCondLst>
+                                            <p:cond delay="0"/>
+                                          </p:stCondLst>
+                                        </p:cTn>
+                                        <p:tgtEl>
+                                          <p:spTgt spid="3">
+                                            <p:txEl>
+                                              <p:pRg st="3" end="3"/>
+                                            </p:txEl>
+                                          </p:spTgt>
+                                        </p:tgtEl>
+                                        <p:attrNameLst>
+                                          <p:attrName>style.visibility</p:attrName>
+                                        </p:attrNameLst>
+                                      </p:cBhvr>
+                                      <p:to>
+                                        <p:strVal val="visible"/>
+                                      </p:to>
+                                    </p:set>
+                                    <p:animEffect transition="in" filter="fade">
+                                      <p:cBhvr>
+                                        <p:cTn id="19" dur="500"/>
+                                        <p:tgtEl>
+                                          <p:spTgt spid="3">
+                                            <p:txEl>
+                                              <p:pRg st="3" end="3"/>
+                                            </p:txEl>
+                                          </p:spTgt>
+                                        </p:tgtEl>
+                                      </p:cBhvr>
+                                    </p:animEffect>
+                                  </p:childTnLst>
+                                </p:cTn>
+                              </p:par>
+                            </p:childTnLst>
+                          </p:cTn>
+                        </p:par>
+                        <p:par>
+                          <p:cTn id="20" fill="hold">
+                            <p:stCondLst>
+                              <p:cond delay="2000"/>
+                            </p:stCondLst>
+                            <p:childTnLst>
+                              <p:par>
+                                <p:cTn id="21" presetID="10" presetClass="entr" presetSubtype="0" fill="hold" nodeType="afterEffect">
+                                  <p:stCondLst>
+                                    <p:cond delay="0"/>
+                                  </p:stCondLst>
+                                  <p:childTnLst>
+                                    <p:set>
+                                      <p:cBhvr>
+                                        <p:cTn id="22" dur="1" fill="hold">
+                                          <p:stCondLst>
+                                            <p:cond delay="0"/>
+                                          </p:stCondLst>
+                                        </p:cTn>
+                                        <p:tgtEl>
+                                          <p:spTgt spid="3">
+                                            <p:txEl>
+                                              <p:pRg st="4" end="4"/>
+                                            </p:txEl>
+                                          </p:spTgt>
+                                        </p:tgtEl>
+                                        <p:attrNameLst>
+                                          <p:attrName>style.visibility</p:attrName>
+                                        </p:attrNameLst>
+                                      </p:cBhvr>
+                                      <p:to>
+                                        <p:strVal val="visible"/>
+                                      </p:to>
+                                    </p:set>
+                                    <p:animEffect transition="in" filter="fade">
+                                      <p:cBhvr>
+                                        <p:cTn id="23" dur="500"/>
+                                        <p:tgtEl>
+                                          <p:spTgt spid="3">
+                                            <p:txEl>
+                                              <p:pRg st="4" end="4"/>
+                                            </p:txEl>
+                                          </p:spTgt>
+                                        </p:tgtEl>
+                                      </p:cBhvr>
+                                    </p:animEffect>
+                                  </p:childTnLst>
+                                </p:cTn>
+                              </p:par>
+                            </p:childTnLst>
+                          </p:cTn>
+                        </p:par>
+                      </p:childTnLst>
+                    </p:cTn>
+                  </p:par>
+                </p:childTnLst>
+              </p:cTn>
+              <p:prevCondLst>
+                <p:cond evt="onPrev" delay="0">
+                  <p:tgtEl>
+                    <p:sldTgt/>
+                  </p:tgtEl>
+                </p:cond>
+              </p:prevCondLst>
+              <p:nextCondLst>
+                <p:cond evt="onNext" delay="0">
+                  <p:tgtEl>
+                    <p:sldTgt/>
+                  </p:tgtEl>
+                </p:cond>
+              </p:nextCondLst>
+            </p:seq>
+          </p:childTnLst>
+        </p:cTn>
+      </p:par>
+    </p:tnLst>
+  </p:timing>
+</p:sld>
+</file>
+
+<file path=ppt/slides/slide3.xml><?xml version="1.0" encoding="utf-8"?>
+<p:sld xmlns:a="http://schemas.openxmlformats.org/drawingml/2006/main" xmlns:r="http://schemas.openxmlformats.org/officeDocument/2006/relationships" xmlns:p="http://schemas.openxmlformats.org/presentationml/2006/main">
+  <p:cSld>
+    <p:spTree>
+      <p:nvGrpSpPr>
+        <p:cNvPr id="1" name=""/>
+        <p:cNvGrpSpPr/>
+        <p:nvPr/>
+      </p:nvGrpSpPr>
+      <p:grpSpPr>
+        <a:xfrm>
+          <a:off x="0" y="0"/>
+          <a:ext cx="0" cy="0"/>
+          <a:chOff x="0" y="0"/>
+          <a:chExt cx="0" cy="0"/>
+        </a:xfrm>
+      </p:grpSpPr>
+      <p:sp>
+        <p:nvSpPr>
+          <p:cNvPr id="5" name="Title 4"/>
+          <p:cNvSpPr>
+            <a:spLocks noGrp="1"/>
+          </p:cNvSpPr>
+          <p:nvPr>
+            <p:ph type="title"/>
+          </p:nvPr>
+        </p:nvSpPr>
+        <p:spPr/>
+        <p:txBody>
+          <a:bodyPr/>
+          <a:lstStyle/>
+          <a:p>
+            <a:r>
+              <a:rPr lang="en-US">
+                <a:cs typeface="Times New Roman"/>
+              </a:rPr>
+              <a:t>Ziel</a:t>
+            </a:r>
+          </a:p>
+        </p:txBody>
+      </p:sp>
+      <p:sp>
+        <p:nvSpPr>
+          <p:cNvPr id="6" name="Vertical Text Placeholder 5"/>
+          <p:cNvSpPr>
+            <a:spLocks noGrp="1"/>
+          </p:cNvSpPr>
+          <p:nvPr>
+            <p:ph type="body" orient="vert" idx="1"/>
+          </p:nvPr>
+        </p:nvSpPr>
+        <p:spPr/>
+        <p:txBody>
+          <a:bodyPr vert="horz"/>
+          <a:lstStyle/>
+          <a:p>
+            <a:r>
+              <a:rPr lang="en-US" dirty="0" err="1">
+                <a:cs typeface="Times New Roman"/>
+              </a:rPr>
+              <a:t>Idee</a:t>
+            </a:r>
+            <a:r>
+              <a:rPr lang="en-US" dirty="0">
+                <a:cs typeface="Times New Roman"/>
+              </a:rPr>
+              <a:t>: </a:t>
+            </a:r>
+            <a:r>
+              <a:rPr lang="en-US" dirty="0" err="1" smtClean="0">
+                <a:cs typeface="Times New Roman"/>
+              </a:rPr>
+              <a:t>Veranstaltungen</a:t>
+            </a:r>
+            <a:r>
+              <a:rPr lang="en-US" dirty="0" smtClean="0">
+                <a:cs typeface="Times New Roman"/>
+              </a:rPr>
+              <a:t> </a:t>
+            </a:r>
+            <a:r>
+              <a:rPr lang="en-US" dirty="0" err="1">
+                <a:cs typeface="Times New Roman"/>
+              </a:rPr>
+              <a:t>zentral</a:t>
+            </a:r>
+            <a:r>
+              <a:rPr lang="en-US" dirty="0">
+                <a:cs typeface="Times New Roman"/>
+              </a:rPr>
+              <a:t> </a:t>
+            </a:r>
+            <a:r>
+              <a:rPr lang="en-US" dirty="0" err="1">
+                <a:cs typeface="Times New Roman"/>
+              </a:rPr>
+              <a:t>organisieren</a:t>
+            </a:r>
+            <a:endParaRPr lang="en-US" dirty="0">
+              <a:cs typeface="Times New Roman"/>
+            </a:endParaRPr>
+          </a:p>
+          <a:p>
+            <a:endParaRPr lang="en-US" dirty="0" smtClean="0">
+              <a:cs typeface="Times New Roman"/>
+            </a:endParaRPr>
+          </a:p>
+          <a:p>
+            <a:r>
+              <a:rPr lang="en-US" dirty="0" err="1" smtClean="0">
+                <a:cs typeface="Times New Roman"/>
+              </a:rPr>
+              <a:t>Einfache</a:t>
+            </a:r>
+            <a:r>
+              <a:rPr lang="en-US" dirty="0" smtClean="0">
+                <a:cs typeface="Times New Roman"/>
+              </a:rPr>
+              <a:t> </a:t>
+            </a:r>
+            <a:r>
+              <a:rPr lang="en-US" dirty="0" err="1" smtClean="0">
+                <a:cs typeface="Times New Roman"/>
+              </a:rPr>
+              <a:t>Absprache</a:t>
+            </a:r>
+            <a:r>
+              <a:rPr lang="en-US" dirty="0" smtClean="0">
+                <a:cs typeface="Times New Roman"/>
+              </a:rPr>
+              <a:t>, </a:t>
+            </a:r>
+            <a:r>
+              <a:rPr lang="en-US" dirty="0" err="1" smtClean="0">
+                <a:cs typeface="Times New Roman"/>
+              </a:rPr>
+              <a:t>wer</a:t>
+            </a:r>
+            <a:r>
+              <a:rPr lang="en-US" dirty="0" smtClean="0">
+                <a:cs typeface="Times New Roman"/>
+              </a:rPr>
+              <a:t> was </a:t>
+            </a:r>
+            <a:r>
+              <a:rPr lang="en-US" dirty="0" err="1" smtClean="0">
+                <a:cs typeface="Times New Roman"/>
+              </a:rPr>
+              <a:t>mitbringt</a:t>
+            </a:r>
+            <a:endParaRPr lang="en-US" dirty="0">
+              <a:cs typeface="Times New Roman"/>
+            </a:endParaRPr>
+          </a:p>
+          <a:p>
+            <a:endParaRPr lang="en-US" dirty="0" smtClean="0">
+              <a:cs typeface="Times New Roman"/>
+            </a:endParaRPr>
+          </a:p>
+          <a:p>
+            <a:r>
+              <a:rPr lang="en-US" dirty="0" err="1" smtClean="0">
+                <a:cs typeface="Times New Roman"/>
+              </a:rPr>
+              <a:t>Vorbild</a:t>
+            </a:r>
+            <a:r>
+              <a:rPr lang="en-US" dirty="0">
+                <a:cs typeface="Times New Roman"/>
+              </a:rPr>
+              <a:t>: Doodle</a:t>
+            </a:r>
+            <a:endParaRPr lang="en-US" dirty="0"/>
+          </a:p>
+        </p:txBody>
+      </p:sp>
+    </p:spTree>
+    <p:extLst>
+      <p:ext uri="{BB962C8B-B14F-4D97-AF65-F5344CB8AC3E}">
+        <p14:creationId xmlns:p14="http://schemas.microsoft.com/office/powerpoint/2010/main" val="2456638151"/>
+      </p:ext>
+    </p:extLst>
+  </p:cSld>
+  <p:clrMapOvr>
+    <a:masterClrMapping/>
+  </p:clrMapOvr>
+  <p:timing>
+    <p:tnLst>
+      <p:par>
+        <p:cTn id="1" dur="indefinite" restart="never" nodeType="tmRoot">
+          <p:childTnLst>
+            <p:seq concurrent="1" nextAc="seek">
+              <p:cTn id="2" dur="indefinite" nodeType="mainSeq">
+                <p:childTnLst>
+                  <p:par>
+                    <p:cTn id="3" fill="hold">
+                      <p:stCondLst>
+                        <p:cond delay="indefinite"/>
+                        <p:cond evt="onBegin" delay="0">
+                          <p:tn val="2"/>
+                        </p:cond>
+                      </p:stCondLst>
+                      <p:childTnLst>
+                        <p:par>
+                          <p:cTn id="4" fill="hold">
+                            <p:stCondLst>
+                              <p:cond delay="0"/>
+                            </p:stCondLst>
+                            <p:childTnLst>
+                              <p:par>
+                                <p:cTn id="5" presetID="10" presetClass="entr" presetSubtype="0" fill="hold" nodeType="afterEffect">
+                                  <p:stCondLst>
+                                    <p:cond delay="0"/>
+                                  </p:stCondLst>
+                                  <p:childTnLst>
+                                    <p:set>
+                                      <p:cBhvr>
+                                        <p:cTn id="6" dur="1" fill="hold">
+                                          <p:stCondLst>
+                                            <p:cond delay="0"/>
+                                          </p:stCondLst>
+                                        </p:cTn>
+                                        <p:tgtEl>
+                                          <p:spTgt spid="6">
+                                            <p:txEl>
+                                              <p:pRg st="0" end="0"/>
+                                            </p:txEl>
+                                          </p:spTgt>
+                                        </p:tgtEl>
+                                        <p:attrNameLst>
+                                          <p:attrName>style.visibility</p:attrName>
+                                        </p:attrNameLst>
+                                      </p:cBhvr>
+                                      <p:to>
+                                        <p:strVal val="visible"/>
+                                      </p:to>
+                                    </p:set>
+                                    <p:animEffect transition="in" filter="fade">
+                                      <p:cBhvr>
+                                        <p:cTn id="7" dur="500"/>
+                                        <p:tgtEl>
+                                          <p:spTgt spid="6">
+                                            <p:txEl>
+                                              <p:pRg st="0" end="0"/>
+                                            </p:txEl>
+                                          </p:spTgt>
+                                        </p:tgtEl>
+                                      </p:cBhvr>
+                                    </p:animEffect>
+                                  </p:childTnLst>
+                                </p:cTn>
+                              </p:par>
+                            </p:childTnLst>
+                          </p:cTn>
+                        </p:par>
+                        <p:par>
+                          <p:cTn id="8" fill="hold">
+                            <p:stCondLst>
+                              <p:cond delay="500"/>
+                            </p:stCondLst>
+                            <p:childTnLst>
+                              <p:par>
+                                <p:cTn id="9" presetID="10" presetClass="entr" presetSubtype="0" fill="hold" nodeType="afterEffect">
+                                  <p:stCondLst>
+                                    <p:cond delay="0"/>
+                                  </p:stCondLst>
+                                  <p:childTnLst>
+                                    <p:set>
+                                      <p:cBhvr>
+                                        <p:cTn id="10" dur="1" fill="hold">
+                                          <p:stCondLst>
+                                            <p:cond delay="0"/>
+                                          </p:stCondLst>
+                                        </p:cTn>
+                                        <p:tgtEl>
+                                          <p:spTgt spid="6">
+                                            <p:txEl>
+                                              <p:pRg st="2" end="2"/>
+                                            </p:txEl>
+                                          </p:spTgt>
+                                        </p:tgtEl>
+                                        <p:attrNameLst>
+                                          <p:attrName>style.visibility</p:attrName>
+                                        </p:attrNameLst>
+                                      </p:cBhvr>
+                                      <p:to>
+                                        <p:strVal val="visible"/>
+                                      </p:to>
+                                    </p:set>
+                                    <p:animEffect transition="in" filter="fade">
+                                      <p:cBhvr>
+                                        <p:cTn id="11" dur="500"/>
+                                        <p:tgtEl>
+                                          <p:spTgt spid="6">
+                                            <p:txEl>
+                                              <p:pRg st="2" end="2"/>
+                                            </p:txEl>
+                                          </p:spTgt>
+                                        </p:tgtEl>
+                                      </p:cBhvr>
+                                    </p:animEffect>
+                                  </p:childTnLst>
+                                </p:cTn>
+                              </p:par>
+                            </p:childTnLst>
+                          </p:cTn>
+                        </p:par>
+                        <p:par>
+                          <p:cTn id="12" fill="hold">
+                            <p:stCondLst>
+                              <p:cond delay="1000"/>
+                            </p:stCondLst>
+                            <p:childTnLst>
+                              <p:par>
+                                <p:cTn id="13" presetID="10" presetClass="entr" presetSubtype="0" fill="hold" nodeType="afterEffect">
+                                  <p:stCondLst>
+                                    <p:cond delay="0"/>
+                                  </p:stCondLst>
+                                  <p:childTnLst>
+                                    <p:set>
+                                      <p:cBhvr>
+                                        <p:cTn id="14" dur="1" fill="hold">
+                                          <p:stCondLst>
+                                            <p:cond delay="0"/>
+                                          </p:stCondLst>
+                                        </p:cTn>
+                                        <p:tgtEl>
+                                          <p:spTgt spid="6">
+                                            <p:txEl>
+                                              <p:pRg st="4" end="4"/>
+                                            </p:txEl>
+                                          </p:spTgt>
+                                        </p:tgtEl>
+                                        <p:attrNameLst>
+                                          <p:attrName>style.visibility</p:attrName>
+                                        </p:attrNameLst>
+                                      </p:cBhvr>
+                                      <p:to>
+                                        <p:strVal val="visible"/>
+                                      </p:to>
+                                    </p:set>
+                                    <p:animEffect transition="in" filter="fade">
+                                      <p:cBhvr>
+                                        <p:cTn id="15" dur="500"/>
+                                        <p:tgtEl>
+                                          <p:spTgt spid="6">
+                                            <p:txEl>
+                                              <p:pRg st="4" end="4"/>
+                                            </p:txEl>
+                                          </p:spTgt>
+                                        </p:tgtEl>
+                                      </p:cBhvr>
+                                    </p:animEffect>
+                                  </p:childTnLst>
+                                </p:cTn>
+                              </p:par>
+                            </p:childTnLst>
+                          </p:cTn>
+                        </p:par>
+                      </p:childTnLst>
+                    </p:cTn>
+                  </p:par>
+                </p:childTnLst>
+              </p:cTn>
+              <p:prevCondLst>
+                <p:cond evt="onPrev" delay="0">
+                  <p:tgtEl>
+                    <p:sldTgt/>
+                  </p:tgtEl>
+                </p:cond>
+              </p:prevCondLst>
+              <p:nextCondLst>
+                <p:cond evt="onNext" delay="0">
+                  <p:tgtEl>
+                    <p:sldTgt/>
+                  </p:tgtEl>
+                </p:cond>
+              </p:nextCondLst>
+            </p:seq>
+          </p:childTnLst>
+        </p:cTn>
+      </p:par>
+    </p:tnLst>
+  </p:timing>
+</p:sld>
+</file>
+
+<file path=ppt/slides/slide30.xml><?xml version="1.0" encoding="utf-8"?>
 <p:sld xmlns:a="http://schemas.openxmlformats.org/drawingml/2006/main" xmlns:r="http://schemas.openxmlformats.org/officeDocument/2006/relationships" xmlns:p="http://schemas.openxmlformats.org/presentationml/2006/main">
   <p:cSld>
     <p:spTree>
@@ -18540,452 +22595,6 @@
 </p:sld>
 </file>
 
-<file path=ppt/slides/slide2.xml><?xml version="1.0" encoding="utf-8"?>
-<p:sld xmlns:a="http://schemas.openxmlformats.org/drawingml/2006/main" xmlns:r="http://schemas.openxmlformats.org/officeDocument/2006/relationships" xmlns:p="http://schemas.openxmlformats.org/presentationml/2006/main">
-  <p:cSld>
-    <p:spTree>
-      <p:nvGrpSpPr>
-        <p:cNvPr id="1" name=""/>
-        <p:cNvGrpSpPr/>
-        <p:nvPr/>
-      </p:nvGrpSpPr>
-      <p:grpSpPr>
-        <a:xfrm>
-          <a:off x="0" y="0"/>
-          <a:ext cx="0" cy="0"/>
-          <a:chOff x="0" y="0"/>
-          <a:chExt cx="0" cy="0"/>
-        </a:xfrm>
-      </p:grpSpPr>
-      <p:sp>
-        <p:nvSpPr>
-          <p:cNvPr id="2" name="Titel 1"/>
-          <p:cNvSpPr>
-            <a:spLocks noGrp="1"/>
-          </p:cNvSpPr>
-          <p:nvPr>
-            <p:ph type="title"/>
-          </p:nvPr>
-        </p:nvSpPr>
-        <p:spPr/>
-        <p:txBody>
-          <a:bodyPr/>
-          <a:lstStyle/>
-          <a:p>
-            <a:r>
-              <a:rPr lang="de-DE" dirty="0" smtClean="0"/>
-              <a:t>Agenda</a:t>
-            </a:r>
-            <a:endParaRPr lang="de-DE" dirty="0"/>
-          </a:p>
-        </p:txBody>
-      </p:sp>
-      <p:graphicFrame>
-        <p:nvGraphicFramePr>
-          <p:cNvPr id="3" name="Inhaltsplatzhalter 2"/>
-          <p:cNvGraphicFramePr>
-            <a:graphicFrameLocks noGrp="1"/>
-          </p:cNvGraphicFramePr>
-          <p:nvPr>
-            <p:ph sz="half" idx="2"/>
-            <p:extLst>
-              <p:ext uri="{D42A27DB-BD31-4B8C-83A1-F6EECF244321}">
-                <p14:modId xmlns:p14="http://schemas.microsoft.com/office/powerpoint/2010/main" val="1618589661"/>
-              </p:ext>
-            </p:extLst>
-          </p:nvPr>
-        </p:nvGraphicFramePr>
-        <p:xfrm>
-          <a:off x="468313" y="2090548"/>
-          <a:ext cx="8218487" cy="3570699"/>
-        </p:xfrm>
-        <a:graphic>
-          <a:graphicData uri="http://schemas.openxmlformats.org/drawingml/2006/diagram">
-            <dgm:relIds xmlns:dgm="http://schemas.openxmlformats.org/drawingml/2006/diagram" xmlns:r="http://schemas.openxmlformats.org/officeDocument/2006/relationships" r:dm="rId2" r:lo="rId3" r:qs="rId4" r:cs="rId5"/>
-          </a:graphicData>
-        </a:graphic>
-      </p:graphicFrame>
-      <p:grpSp>
-        <p:nvGrpSpPr>
-          <p:cNvPr id="6" name="Gruppieren 5"/>
-          <p:cNvGrpSpPr/>
-          <p:nvPr/>
-        </p:nvGrpSpPr>
-        <p:grpSpPr>
-          <a:xfrm>
-            <a:off x="3501164" y="1266191"/>
-            <a:ext cx="1934932" cy="650641"/>
-            <a:chOff x="3020137" y="60729"/>
-            <a:chExt cx="2078948" cy="866665"/>
-          </a:xfrm>
-        </p:grpSpPr>
-        <p:sp>
-          <p:nvSpPr>
-            <p:cNvPr id="7" name="Abgerundetes Rechteck 6"/>
-            <p:cNvSpPr/>
-            <p:nvPr/>
-          </p:nvSpPr>
-          <p:spPr>
-            <a:xfrm>
-              <a:off x="3020137" y="60729"/>
-              <a:ext cx="2078948" cy="866665"/>
-            </a:xfrm>
-            <a:prstGeom prst="roundRect">
-              <a:avLst/>
-            </a:prstGeom>
-          </p:spPr>
-          <p:style>
-            <a:lnRef idx="2">
-              <a:schemeClr val="lt1">
-                <a:hueOff val="0"/>
-                <a:satOff val="0"/>
-                <a:lumOff val="0"/>
-                <a:alphaOff val="0"/>
-              </a:schemeClr>
-            </a:lnRef>
-            <a:fillRef idx="1">
-              <a:schemeClr val="accent1">
-                <a:hueOff val="0"/>
-                <a:satOff val="0"/>
-                <a:lumOff val="0"/>
-                <a:alphaOff val="0"/>
-              </a:schemeClr>
-            </a:fillRef>
-            <a:effectRef idx="0">
-              <a:schemeClr val="accent1">
-                <a:hueOff val="0"/>
-                <a:satOff val="0"/>
-                <a:lumOff val="0"/>
-                <a:alphaOff val="0"/>
-              </a:schemeClr>
-            </a:effectRef>
-            <a:fontRef idx="minor">
-              <a:schemeClr val="lt1"/>
-            </a:fontRef>
-          </p:style>
-        </p:sp>
-        <p:sp>
-          <p:nvSpPr>
-            <p:cNvPr id="8" name="Abgerundetes Rechteck 4"/>
-            <p:cNvSpPr/>
-            <p:nvPr/>
-          </p:nvSpPr>
-          <p:spPr>
-            <a:xfrm>
-              <a:off x="3062444" y="103037"/>
-              <a:ext cx="1994334" cy="608334"/>
-            </a:xfrm>
-            <a:prstGeom prst="rect">
-              <a:avLst/>
-            </a:prstGeom>
-          </p:spPr>
-          <p:style>
-            <a:lnRef idx="0">
-              <a:scrgbClr r="0" g="0" b="0"/>
-            </a:lnRef>
-            <a:fillRef idx="0">
-              <a:scrgbClr r="0" g="0" b="0"/>
-            </a:fillRef>
-            <a:effectRef idx="0">
-              <a:scrgbClr r="0" g="0" b="0"/>
-            </a:effectRef>
-            <a:fontRef idx="minor">
-              <a:schemeClr val="lt1"/>
-            </a:fontRef>
-          </p:style>
-          <p:txBody>
-            <a:bodyPr spcFirstLastPara="0" vert="horz" wrap="square" lIns="83820" tIns="83820" rIns="83820" bIns="83820" numCol="1" spcCol="1270" anchor="ctr" anchorCtr="0">
-              <a:noAutofit/>
-            </a:bodyPr>
-            <a:lstStyle/>
-            <a:p>
-              <a:pPr lvl="0" algn="ctr" defTabSz="1466850">
-                <a:lnSpc>
-                  <a:spcPct val="90000"/>
-                </a:lnSpc>
-                <a:spcBef>
-                  <a:spcPct val="0"/>
-                </a:spcBef>
-                <a:spcAft>
-                  <a:spcPct val="35000"/>
-                </a:spcAft>
-              </a:pPr>
-              <a:r>
-                <a:rPr lang="de-DE" sz="3300" kern="1200" dirty="0" smtClean="0"/>
-                <a:t>1. Ziel</a:t>
-              </a:r>
-              <a:endParaRPr lang="de-DE" sz="3300" kern="1200" dirty="0"/>
-            </a:p>
-          </p:txBody>
-        </p:sp>
-      </p:grpSp>
-      <p:grpSp>
-        <p:nvGrpSpPr>
-          <p:cNvPr id="9" name="Gruppieren 8"/>
-          <p:cNvGrpSpPr/>
-          <p:nvPr/>
-        </p:nvGrpSpPr>
-        <p:grpSpPr>
-          <a:xfrm>
-            <a:off x="3563888" y="5661248"/>
-            <a:ext cx="1934932" cy="650641"/>
-            <a:chOff x="3020137" y="60729"/>
-            <a:chExt cx="2078948" cy="866665"/>
-          </a:xfrm>
-        </p:grpSpPr>
-        <p:sp>
-          <p:nvSpPr>
-            <p:cNvPr id="10" name="Abgerundetes Rechteck 9"/>
-            <p:cNvSpPr/>
-            <p:nvPr/>
-          </p:nvSpPr>
-          <p:spPr>
-            <a:xfrm>
-              <a:off x="3020137" y="60729"/>
-              <a:ext cx="2078948" cy="866665"/>
-            </a:xfrm>
-            <a:prstGeom prst="roundRect">
-              <a:avLst/>
-            </a:prstGeom>
-          </p:spPr>
-          <p:style>
-            <a:lnRef idx="2">
-              <a:schemeClr val="lt1">
-                <a:hueOff val="0"/>
-                <a:satOff val="0"/>
-                <a:lumOff val="0"/>
-                <a:alphaOff val="0"/>
-              </a:schemeClr>
-            </a:lnRef>
-            <a:fillRef idx="1">
-              <a:schemeClr val="accent1">
-                <a:hueOff val="0"/>
-                <a:satOff val="0"/>
-                <a:lumOff val="0"/>
-                <a:alphaOff val="0"/>
-              </a:schemeClr>
-            </a:fillRef>
-            <a:effectRef idx="0">
-              <a:schemeClr val="accent1">
-                <a:hueOff val="0"/>
-                <a:satOff val="0"/>
-                <a:lumOff val="0"/>
-                <a:alphaOff val="0"/>
-              </a:schemeClr>
-            </a:effectRef>
-            <a:fontRef idx="minor">
-              <a:schemeClr val="lt1"/>
-            </a:fontRef>
-          </p:style>
-        </p:sp>
-        <p:sp>
-          <p:nvSpPr>
-            <p:cNvPr id="11" name="Abgerundetes Rechteck 4"/>
-            <p:cNvSpPr/>
-            <p:nvPr/>
-          </p:nvSpPr>
-          <p:spPr>
-            <a:xfrm>
-              <a:off x="3062444" y="103037"/>
-              <a:ext cx="1994334" cy="608334"/>
-            </a:xfrm>
-            <a:prstGeom prst="rect">
-              <a:avLst/>
-            </a:prstGeom>
-          </p:spPr>
-          <p:style>
-            <a:lnRef idx="0">
-              <a:scrgbClr r="0" g="0" b="0"/>
-            </a:lnRef>
-            <a:fillRef idx="0">
-              <a:scrgbClr r="0" g="0" b="0"/>
-            </a:fillRef>
-            <a:effectRef idx="0">
-              <a:scrgbClr r="0" g="0" b="0"/>
-            </a:effectRef>
-            <a:fontRef idx="minor">
-              <a:schemeClr val="lt1"/>
-            </a:fontRef>
-          </p:style>
-          <p:txBody>
-            <a:bodyPr spcFirstLastPara="0" vert="horz" wrap="square" lIns="83820" tIns="83820" rIns="83820" bIns="83820" numCol="1" spcCol="1270" anchor="ctr" anchorCtr="0">
-              <a:noAutofit/>
-            </a:bodyPr>
-            <a:lstStyle/>
-            <a:p>
-              <a:pPr lvl="0" algn="ctr" defTabSz="1466850">
-                <a:lnSpc>
-                  <a:spcPct val="90000"/>
-                </a:lnSpc>
-                <a:spcBef>
-                  <a:spcPct val="0"/>
-                </a:spcBef>
-                <a:spcAft>
-                  <a:spcPct val="35000"/>
-                </a:spcAft>
-              </a:pPr>
-              <a:r>
-                <a:rPr lang="de-DE" sz="3300" kern="1200" dirty="0" smtClean="0"/>
-                <a:t>6. Fazit</a:t>
-              </a:r>
-              <a:endParaRPr lang="de-DE" sz="3300" kern="1200" dirty="0"/>
-            </a:p>
-          </p:txBody>
-        </p:sp>
-      </p:grpSp>
-    </p:spTree>
-    <p:extLst>
-      <p:ext uri="{BB962C8B-B14F-4D97-AF65-F5344CB8AC3E}">
-        <p14:creationId xmlns:p14="http://schemas.microsoft.com/office/powerpoint/2010/main" val="1523883456"/>
-      </p:ext>
-    </p:extLst>
-  </p:cSld>
-  <p:clrMapOvr>
-    <a:masterClrMapping/>
-  </p:clrMapOvr>
-  <p:timing>
-    <p:tnLst>
-      <p:par>
-        <p:cTn id="1" dur="indefinite" restart="never" nodeType="tmRoot"/>
-      </p:par>
-    </p:tnLst>
-  </p:timing>
-</p:sld>
-</file>
-
-<file path=ppt/slides/slide3.xml><?xml version="1.0" encoding="utf-8"?>
-<p:sld xmlns:a="http://schemas.openxmlformats.org/drawingml/2006/main" xmlns:r="http://schemas.openxmlformats.org/officeDocument/2006/relationships" xmlns:p="http://schemas.openxmlformats.org/presentationml/2006/main">
-  <p:cSld>
-    <p:spTree>
-      <p:nvGrpSpPr>
-        <p:cNvPr id="1" name=""/>
-        <p:cNvGrpSpPr/>
-        <p:nvPr/>
-      </p:nvGrpSpPr>
-      <p:grpSpPr>
-        <a:xfrm>
-          <a:off x="0" y="0"/>
-          <a:ext cx="0" cy="0"/>
-          <a:chOff x="0" y="0"/>
-          <a:chExt cx="0" cy="0"/>
-        </a:xfrm>
-      </p:grpSpPr>
-      <p:sp>
-        <p:nvSpPr>
-          <p:cNvPr id="5" name="Title 4"/>
-          <p:cNvSpPr>
-            <a:spLocks noGrp="1"/>
-          </p:cNvSpPr>
-          <p:nvPr>
-            <p:ph type="title"/>
-          </p:nvPr>
-        </p:nvSpPr>
-        <p:spPr/>
-        <p:txBody>
-          <a:bodyPr/>
-          <a:lstStyle/>
-          <a:p>
-            <a:r>
-              <a:rPr lang="en-US" dirty="0" err="1">
-                <a:cs typeface="Times New Roman"/>
-              </a:rPr>
-              <a:t>Ziel</a:t>
-            </a:r>
-            <a:endParaRPr lang="en-US" dirty="0"/>
-          </a:p>
-        </p:txBody>
-      </p:sp>
-      <p:sp>
-        <p:nvSpPr>
-          <p:cNvPr id="6" name="Vertical Text Placeholder 5"/>
-          <p:cNvSpPr>
-            <a:spLocks noGrp="1"/>
-          </p:cNvSpPr>
-          <p:nvPr>
-            <p:ph type="body" orient="vert" idx="1"/>
-          </p:nvPr>
-        </p:nvSpPr>
-        <p:spPr/>
-        <p:txBody>
-          <a:bodyPr vert="horz"/>
-          <a:lstStyle/>
-          <a:p>
-            <a:r>
-              <a:rPr lang="en-US">
-                <a:cs typeface="Times New Roman"/>
-              </a:rPr>
-              <a:t>Idee</a:t>
-            </a:r>
-            <a:r>
-              <a:rPr lang="en-US">
-                <a:cs typeface="Times New Roman"/>
-              </a:rPr>
-              <a:t>: </a:t>
-            </a:r>
-            <a:r>
-              <a:rPr lang="en-US" dirty="0" err="1">
-                <a:cs typeface="Times New Roman"/>
-              </a:rPr>
-              <a:t>Geburstagspartys</a:t>
-            </a:r>
-            <a:r>
-              <a:rPr lang="en-US">
-                <a:cs typeface="Times New Roman"/>
-              </a:rPr>
-              <a:t> zentral organisieren</a:t>
-            </a:r>
-            <a:endParaRPr lang="en-US" dirty="0">
-              <a:cs typeface="Times New Roman"/>
-            </a:endParaRPr>
-          </a:p>
-          <a:p>
-            <a:r>
-              <a:rPr lang="en-US">
-                <a:cs typeface="Times New Roman"/>
-              </a:rPr>
-              <a:t>Keine doppelten oder ungewünschten Geschenke </a:t>
-            </a:r>
-            <a:r>
-              <a:rPr lang="en-US" smtClean="0">
-                <a:cs typeface="Times New Roman"/>
-              </a:rPr>
-              <a:t>mehr</a:t>
-            </a:r>
-            <a:endParaRPr lang="en-US">
-              <a:cs typeface="Times New Roman"/>
-            </a:endParaRPr>
-          </a:p>
-          <a:p>
-            <a:r>
-              <a:rPr lang="en-US">
-                <a:cs typeface="Times New Roman"/>
-              </a:rPr>
-              <a:t>Vorbild: Doodle</a:t>
-            </a:r>
-            <a:endParaRPr lang="en-US"/>
-          </a:p>
-        </p:txBody>
-      </p:sp>
-    </p:spTree>
-    <p:extLst>
-      <p:ext uri="{BB962C8B-B14F-4D97-AF65-F5344CB8AC3E}">
-        <p14:creationId xmlns:p14="http://schemas.microsoft.com/office/powerpoint/2010/main" val="2456638151"/>
-      </p:ext>
-    </p:extLst>
-  </p:cSld>
-  <p:clrMapOvr>
-    <a:masterClrMapping/>
-  </p:clrMapOvr>
-  <p:timing>
-    <p:tnLst>
-      <p:par>
-        <p:cTn id="1" dur="indefinite" restart="never" nodeType="tmRoot"/>
-      </p:par>
-    </p:tnLst>
-  </p:timing>
-</p:sld>
-</file>
-
 <file path=ppt/slides/slide4.xml><?xml version="1.0" encoding="utf-8"?>
 <p:sld xmlns:a="http://schemas.openxmlformats.org/drawingml/2006/main" xmlns:r="http://schemas.openxmlformats.org/officeDocument/2006/relationships" xmlns:p="http://schemas.openxmlformats.org/presentationml/2006/main">
   <p:cSld>
@@ -19033,7 +22642,7 @@
             <a:picLocks noGrp="1"/>
           </p:cNvPicPr>
           <p:nvPr>
-            <p:ph sz="half" idx="2"/>
+            <p:ph sz="half" idx="1"/>
           </p:nvPr>
         </p:nvPicPr>
         <p:blipFill>
@@ -19124,12 +22733,8 @@
           <a:lstStyle/>
           <a:p>
             <a:r>
-              <a:rPr lang="de-DE" smtClean="0"/>
-              <a:t>MySQL– </a:t>
-            </a:r>
-            <a:r>
-              <a:rPr lang="de-DE" dirty="0" smtClean="0"/>
-              <a:t>Event Tabelle</a:t>
+              <a:rPr lang="de-DE"/>
+              <a:t>MySQL– Event Tabelle</a:t>
             </a:r>
             <a:endParaRPr lang="de-DE" dirty="0"/>
           </a:p>
@@ -19142,7 +22747,7 @@
             <a:picLocks noGrp="1"/>
           </p:cNvPicPr>
           <p:nvPr>
-            <p:ph sz="half" idx="2"/>
+            <p:ph sz="half" idx="1"/>
           </p:nvPr>
         </p:nvPicPr>
         <p:blipFill rotWithShape="1">
@@ -19342,12 +22947,16 @@
           <a:lstStyle/>
           <a:p>
             <a:r>
-              <a:rPr lang="de-DE" smtClean="0"/>
-              <a:t>API– </a:t>
+              <a:rPr lang="de-DE"/>
+              <a:t>API</a:t>
             </a:r>
             <a:r>
-              <a:rPr lang="de-DE" dirty="0" smtClean="0"/>
-              <a:t>GET EVENTS</a:t>
+              <a:rPr lang="de-DE" dirty="0"/>
+              <a:t>–</a:t>
+            </a:r>
+            <a:r>
+              <a:rPr lang="de-DE"/>
+              <a:t> GET EVENTS</a:t>
             </a:r>
             <a:endParaRPr lang="de-DE" dirty="0"/>
           </a:p>
@@ -19363,7 +22972,12 @@
             <p:ph sz="half" idx="2"/>
           </p:nvPr>
         </p:nvSpPr>
-        <p:spPr/>
+        <p:spPr>
+          <a:xfrm>
+            <a:off x="4648200" y="1600200"/>
+            <a:ext cx="4038600" cy="4525963"/>
+          </a:xfrm>
+        </p:spPr>
         <p:txBody>
           <a:bodyPr/>
           <a:lstStyle/>
@@ -19374,7 +22988,7 @@
       </p:sp>
       <p:pic>
         <p:nvPicPr>
-          <p:cNvPr id="5" name="Grafik 4"/>
+          <p:cNvPr id="5" name="Grafik 6"/>
           <p:cNvPicPr>
             <a:picLocks noChangeAspect="1"/>
           </p:cNvPicPr>
